--- a/Terahertz Metrology/Ch8/Terahertz Metrology_Ch8.pptx
+++ b/Terahertz Metrology/Ch8/Terahertz Metrology_Ch8.pptx
@@ -5,7 +5,7 @@
     <p:sldMasterId id="2147483660" r:id="rId1"/>
   </p:sldMasterIdLst>
   <p:notesMasterIdLst>
-    <p:notesMasterId r:id="rId26"/>
+    <p:notesMasterId r:id="rId30"/>
   </p:notesMasterIdLst>
   <p:sldIdLst>
     <p:sldId id="258" r:id="rId2"/>
@@ -31,7 +31,11 @@
     <p:sldId id="299" r:id="rId22"/>
     <p:sldId id="300" r:id="rId23"/>
     <p:sldId id="301" r:id="rId24"/>
-    <p:sldId id="275" r:id="rId25"/>
+    <p:sldId id="302" r:id="rId25"/>
+    <p:sldId id="303" r:id="rId26"/>
+    <p:sldId id="304" r:id="rId27"/>
+    <p:sldId id="305" r:id="rId28"/>
+    <p:sldId id="275" r:id="rId29"/>
   </p:sldIdLst>
   <p:sldSz cx="9144000" cy="6858000" type="screen4x3"/>
   <p:notesSz cx="6735763" cy="9866313"/>
@@ -220,7 +224,7 @@
           <a:p>
             <a:fld id="{A9D6DECA-6E4E-4D09-9277-E151A2E3F74C}" type="datetimeFigureOut">
               <a:rPr lang="ko-KR" altLang="en-US" smtClean="0"/>
-              <a:t>2018-04-24</a:t>
+              <a:t>2018-04-27</a:t>
             </a:fld>
             <a:endParaRPr lang="ko-KR" altLang="en-US"/>
           </a:p>
@@ -1906,6 +1910,342 @@
     </p:spTree>
     <p:extLst>
       <p:ext uri="{BB962C8B-B14F-4D97-AF65-F5344CB8AC3E}">
+        <p14:creationId xmlns:p14="http://schemas.microsoft.com/office/powerpoint/2010/main" val="787378728"/>
+      </p:ext>
+    </p:extLst>
+  </p:cSld>
+  <p:clrMapOvr>
+    <a:masterClrMapping/>
+  </p:clrMapOvr>
+</p:notes>
+</file>
+
+<file path=ppt/notesSlides/notesSlide25.xml><?xml version="1.0" encoding="utf-8"?>
+<p:notes xmlns:a="http://schemas.openxmlformats.org/drawingml/2006/main" xmlns:r="http://schemas.openxmlformats.org/officeDocument/2006/relationships" xmlns:p="http://schemas.openxmlformats.org/presentationml/2006/main">
+  <p:cSld>
+    <p:spTree>
+      <p:nvGrpSpPr>
+        <p:cNvPr id="1" name=""/>
+        <p:cNvGrpSpPr/>
+        <p:nvPr/>
+      </p:nvGrpSpPr>
+      <p:grpSpPr>
+        <a:xfrm>
+          <a:off x="0" y="0"/>
+          <a:ext cx="0" cy="0"/>
+          <a:chOff x="0" y="0"/>
+          <a:chExt cx="0" cy="0"/>
+        </a:xfrm>
+      </p:grpSpPr>
+      <p:sp>
+        <p:nvSpPr>
+          <p:cNvPr id="2" name="슬라이드 이미지 개체 틀 1"/>
+          <p:cNvSpPr>
+            <a:spLocks noGrp="1" noRot="1" noChangeAspect="1"/>
+          </p:cNvSpPr>
+          <p:nvPr>
+            <p:ph type="sldImg"/>
+          </p:nvPr>
+        </p:nvSpPr>
+        <p:spPr/>
+      </p:sp>
+      <p:sp>
+        <p:nvSpPr>
+          <p:cNvPr id="3" name="슬라이드 노트 개체 틀 2"/>
+          <p:cNvSpPr>
+            <a:spLocks noGrp="1"/>
+          </p:cNvSpPr>
+          <p:nvPr>
+            <p:ph type="body" idx="1"/>
+          </p:nvPr>
+        </p:nvSpPr>
+        <p:spPr/>
+        <p:txBody>
+          <a:bodyPr/>
+          <a:lstStyle/>
+          <a:p>
+            <a:endParaRPr lang="ko-KR" altLang="en-US"/>
+          </a:p>
+        </p:txBody>
+      </p:sp>
+      <p:sp>
+        <p:nvSpPr>
+          <p:cNvPr id="4" name="슬라이드 번호 개체 틀 3"/>
+          <p:cNvSpPr>
+            <a:spLocks noGrp="1"/>
+          </p:cNvSpPr>
+          <p:nvPr>
+            <p:ph type="sldNum" sz="quarter" idx="10"/>
+          </p:nvPr>
+        </p:nvSpPr>
+        <p:spPr/>
+        <p:txBody>
+          <a:bodyPr/>
+          <a:lstStyle/>
+          <a:p>
+            <a:fld id="{6D0ABE42-EEBB-47F0-BC6E-2BB25FA03CFE}" type="slidenum">
+              <a:rPr lang="ko-KR" altLang="en-US" smtClean="0"/>
+              <a:t>25</a:t>
+            </a:fld>
+            <a:endParaRPr lang="ko-KR" altLang="en-US"/>
+          </a:p>
+        </p:txBody>
+      </p:sp>
+    </p:spTree>
+    <p:extLst>
+      <p:ext uri="{BB962C8B-B14F-4D97-AF65-F5344CB8AC3E}">
+        <p14:creationId xmlns:p14="http://schemas.microsoft.com/office/powerpoint/2010/main" val="125401685"/>
+      </p:ext>
+    </p:extLst>
+  </p:cSld>
+  <p:clrMapOvr>
+    <a:masterClrMapping/>
+  </p:clrMapOvr>
+</p:notes>
+</file>
+
+<file path=ppt/notesSlides/notesSlide26.xml><?xml version="1.0" encoding="utf-8"?>
+<p:notes xmlns:a="http://schemas.openxmlformats.org/drawingml/2006/main" xmlns:r="http://schemas.openxmlformats.org/officeDocument/2006/relationships" xmlns:p="http://schemas.openxmlformats.org/presentationml/2006/main">
+  <p:cSld>
+    <p:spTree>
+      <p:nvGrpSpPr>
+        <p:cNvPr id="1" name=""/>
+        <p:cNvGrpSpPr/>
+        <p:nvPr/>
+      </p:nvGrpSpPr>
+      <p:grpSpPr>
+        <a:xfrm>
+          <a:off x="0" y="0"/>
+          <a:ext cx="0" cy="0"/>
+          <a:chOff x="0" y="0"/>
+          <a:chExt cx="0" cy="0"/>
+        </a:xfrm>
+      </p:grpSpPr>
+      <p:sp>
+        <p:nvSpPr>
+          <p:cNvPr id="2" name="슬라이드 이미지 개체 틀 1"/>
+          <p:cNvSpPr>
+            <a:spLocks noGrp="1" noRot="1" noChangeAspect="1"/>
+          </p:cNvSpPr>
+          <p:nvPr>
+            <p:ph type="sldImg"/>
+          </p:nvPr>
+        </p:nvSpPr>
+        <p:spPr/>
+      </p:sp>
+      <p:sp>
+        <p:nvSpPr>
+          <p:cNvPr id="3" name="슬라이드 노트 개체 틀 2"/>
+          <p:cNvSpPr>
+            <a:spLocks noGrp="1"/>
+          </p:cNvSpPr>
+          <p:nvPr>
+            <p:ph type="body" idx="1"/>
+          </p:nvPr>
+        </p:nvSpPr>
+        <p:spPr/>
+        <p:txBody>
+          <a:bodyPr/>
+          <a:lstStyle/>
+          <a:p>
+            <a:endParaRPr lang="ko-KR" altLang="en-US"/>
+          </a:p>
+        </p:txBody>
+      </p:sp>
+      <p:sp>
+        <p:nvSpPr>
+          <p:cNvPr id="4" name="슬라이드 번호 개체 틀 3"/>
+          <p:cNvSpPr>
+            <a:spLocks noGrp="1"/>
+          </p:cNvSpPr>
+          <p:nvPr>
+            <p:ph type="sldNum" sz="quarter" idx="10"/>
+          </p:nvPr>
+        </p:nvSpPr>
+        <p:spPr/>
+        <p:txBody>
+          <a:bodyPr/>
+          <a:lstStyle/>
+          <a:p>
+            <a:fld id="{6D0ABE42-EEBB-47F0-BC6E-2BB25FA03CFE}" type="slidenum">
+              <a:rPr lang="ko-KR" altLang="en-US" smtClean="0"/>
+              <a:t>26</a:t>
+            </a:fld>
+            <a:endParaRPr lang="ko-KR" altLang="en-US"/>
+          </a:p>
+        </p:txBody>
+      </p:sp>
+    </p:spTree>
+    <p:extLst>
+      <p:ext uri="{BB962C8B-B14F-4D97-AF65-F5344CB8AC3E}">
+        <p14:creationId xmlns:p14="http://schemas.microsoft.com/office/powerpoint/2010/main" val="2427949607"/>
+      </p:ext>
+    </p:extLst>
+  </p:cSld>
+  <p:clrMapOvr>
+    <a:masterClrMapping/>
+  </p:clrMapOvr>
+</p:notes>
+</file>
+
+<file path=ppt/notesSlides/notesSlide27.xml><?xml version="1.0" encoding="utf-8"?>
+<p:notes xmlns:a="http://schemas.openxmlformats.org/drawingml/2006/main" xmlns:r="http://schemas.openxmlformats.org/officeDocument/2006/relationships" xmlns:p="http://schemas.openxmlformats.org/presentationml/2006/main">
+  <p:cSld>
+    <p:spTree>
+      <p:nvGrpSpPr>
+        <p:cNvPr id="1" name=""/>
+        <p:cNvGrpSpPr/>
+        <p:nvPr/>
+      </p:nvGrpSpPr>
+      <p:grpSpPr>
+        <a:xfrm>
+          <a:off x="0" y="0"/>
+          <a:ext cx="0" cy="0"/>
+          <a:chOff x="0" y="0"/>
+          <a:chExt cx="0" cy="0"/>
+        </a:xfrm>
+      </p:grpSpPr>
+      <p:sp>
+        <p:nvSpPr>
+          <p:cNvPr id="2" name="슬라이드 이미지 개체 틀 1"/>
+          <p:cNvSpPr>
+            <a:spLocks noGrp="1" noRot="1" noChangeAspect="1"/>
+          </p:cNvSpPr>
+          <p:nvPr>
+            <p:ph type="sldImg"/>
+          </p:nvPr>
+        </p:nvSpPr>
+        <p:spPr/>
+      </p:sp>
+      <p:sp>
+        <p:nvSpPr>
+          <p:cNvPr id="3" name="슬라이드 노트 개체 틀 2"/>
+          <p:cNvSpPr>
+            <a:spLocks noGrp="1"/>
+          </p:cNvSpPr>
+          <p:nvPr>
+            <p:ph type="body" idx="1"/>
+          </p:nvPr>
+        </p:nvSpPr>
+        <p:spPr/>
+        <p:txBody>
+          <a:bodyPr/>
+          <a:lstStyle/>
+          <a:p>
+            <a:endParaRPr lang="ko-KR" altLang="en-US"/>
+          </a:p>
+        </p:txBody>
+      </p:sp>
+      <p:sp>
+        <p:nvSpPr>
+          <p:cNvPr id="4" name="슬라이드 번호 개체 틀 3"/>
+          <p:cNvSpPr>
+            <a:spLocks noGrp="1"/>
+          </p:cNvSpPr>
+          <p:nvPr>
+            <p:ph type="sldNum" sz="quarter" idx="10"/>
+          </p:nvPr>
+        </p:nvSpPr>
+        <p:spPr/>
+        <p:txBody>
+          <a:bodyPr/>
+          <a:lstStyle/>
+          <a:p>
+            <a:fld id="{6D0ABE42-EEBB-47F0-BC6E-2BB25FA03CFE}" type="slidenum">
+              <a:rPr lang="ko-KR" altLang="en-US" smtClean="0"/>
+              <a:t>27</a:t>
+            </a:fld>
+            <a:endParaRPr lang="ko-KR" altLang="en-US"/>
+          </a:p>
+        </p:txBody>
+      </p:sp>
+    </p:spTree>
+    <p:extLst>
+      <p:ext uri="{BB962C8B-B14F-4D97-AF65-F5344CB8AC3E}">
+        <p14:creationId xmlns:p14="http://schemas.microsoft.com/office/powerpoint/2010/main" val="476762646"/>
+      </p:ext>
+    </p:extLst>
+  </p:cSld>
+  <p:clrMapOvr>
+    <a:masterClrMapping/>
+  </p:clrMapOvr>
+</p:notes>
+</file>
+
+<file path=ppt/notesSlides/notesSlide28.xml><?xml version="1.0" encoding="utf-8"?>
+<p:notes xmlns:a="http://schemas.openxmlformats.org/drawingml/2006/main" xmlns:r="http://schemas.openxmlformats.org/officeDocument/2006/relationships" xmlns:p="http://schemas.openxmlformats.org/presentationml/2006/main">
+  <p:cSld>
+    <p:spTree>
+      <p:nvGrpSpPr>
+        <p:cNvPr id="1" name=""/>
+        <p:cNvGrpSpPr/>
+        <p:nvPr/>
+      </p:nvGrpSpPr>
+      <p:grpSpPr>
+        <a:xfrm>
+          <a:off x="0" y="0"/>
+          <a:ext cx="0" cy="0"/>
+          <a:chOff x="0" y="0"/>
+          <a:chExt cx="0" cy="0"/>
+        </a:xfrm>
+      </p:grpSpPr>
+      <p:sp>
+        <p:nvSpPr>
+          <p:cNvPr id="2" name="슬라이드 이미지 개체 틀 1"/>
+          <p:cNvSpPr>
+            <a:spLocks noGrp="1" noRot="1" noChangeAspect="1"/>
+          </p:cNvSpPr>
+          <p:nvPr>
+            <p:ph type="sldImg"/>
+          </p:nvPr>
+        </p:nvSpPr>
+        <p:spPr/>
+      </p:sp>
+      <p:sp>
+        <p:nvSpPr>
+          <p:cNvPr id="3" name="슬라이드 노트 개체 틀 2"/>
+          <p:cNvSpPr>
+            <a:spLocks noGrp="1"/>
+          </p:cNvSpPr>
+          <p:nvPr>
+            <p:ph type="body" idx="1"/>
+          </p:nvPr>
+        </p:nvSpPr>
+        <p:spPr/>
+        <p:txBody>
+          <a:bodyPr/>
+          <a:lstStyle/>
+          <a:p>
+            <a:endParaRPr lang="ko-KR" altLang="en-US"/>
+          </a:p>
+        </p:txBody>
+      </p:sp>
+      <p:sp>
+        <p:nvSpPr>
+          <p:cNvPr id="4" name="슬라이드 번호 개체 틀 3"/>
+          <p:cNvSpPr>
+            <a:spLocks noGrp="1"/>
+          </p:cNvSpPr>
+          <p:nvPr>
+            <p:ph type="sldNum" sz="quarter" idx="10"/>
+          </p:nvPr>
+        </p:nvSpPr>
+        <p:spPr/>
+        <p:txBody>
+          <a:bodyPr/>
+          <a:lstStyle/>
+          <a:p>
+            <a:fld id="{6D0ABE42-EEBB-47F0-BC6E-2BB25FA03CFE}" type="slidenum">
+              <a:rPr lang="ko-KR" altLang="en-US" smtClean="0"/>
+              <a:t>28</a:t>
+            </a:fld>
+            <a:endParaRPr lang="ko-KR" altLang="en-US"/>
+          </a:p>
+        </p:txBody>
+      </p:sp>
+    </p:spTree>
+    <p:extLst>
+      <p:ext uri="{BB962C8B-B14F-4D97-AF65-F5344CB8AC3E}">
         <p14:creationId xmlns:p14="http://schemas.microsoft.com/office/powerpoint/2010/main" val="1671263539"/>
       </p:ext>
     </p:extLst>
@@ -2635,7 +2975,7 @@
           <a:p>
             <a:fld id="{78E89258-A40F-4400-BA1A-638141289729}" type="datetime1">
               <a:rPr lang="ko-KR" altLang="en-US" smtClean="0"/>
-              <a:t>2018-04-24</a:t>
+              <a:t>2018-04-27</a:t>
             </a:fld>
             <a:endParaRPr lang="ko-KR" altLang="en-US"/>
           </a:p>
@@ -2812,7 +3152,7 @@
           <a:p>
             <a:fld id="{CD116CEF-802E-43F7-8932-78519DF2A264}" type="datetime1">
               <a:rPr lang="ko-KR" altLang="en-US" smtClean="0"/>
-              <a:t>2018-04-24</a:t>
+              <a:t>2018-04-27</a:t>
             </a:fld>
             <a:endParaRPr lang="ko-KR" altLang="en-US"/>
           </a:p>
@@ -2992,7 +3332,7 @@
           <a:p>
             <a:fld id="{EFD9D7C3-1982-427D-BFA7-1AF9687AAB0F}" type="datetime1">
               <a:rPr lang="ko-KR" altLang="en-US" smtClean="0"/>
-              <a:t>2018-04-24</a:t>
+              <a:t>2018-04-27</a:t>
             </a:fld>
             <a:endParaRPr lang="ko-KR" altLang="en-US"/>
           </a:p>
@@ -3162,7 +3502,7 @@
           <a:p>
             <a:fld id="{EDD93E7F-B437-40E5-8ACB-B79696783EFA}" type="datetime1">
               <a:rPr lang="ko-KR" altLang="en-US" smtClean="0"/>
-              <a:t>2018-04-24</a:t>
+              <a:t>2018-04-27</a:t>
             </a:fld>
             <a:endParaRPr lang="ko-KR" altLang="en-US"/>
           </a:p>
@@ -3406,7 +3746,7 @@
           <a:p>
             <a:fld id="{DB249950-0BD4-4F6E-BE3F-CB53B7E2FD06}" type="datetime1">
               <a:rPr lang="ko-KR" altLang="en-US" smtClean="0"/>
-              <a:t>2018-04-24</a:t>
+              <a:t>2018-04-27</a:t>
             </a:fld>
             <a:endParaRPr lang="ko-KR" altLang="en-US"/>
           </a:p>
@@ -3638,7 +3978,7 @@
           <a:p>
             <a:fld id="{7B016D7E-32C0-4DB3-B6B3-0506A62840FB}" type="datetime1">
               <a:rPr lang="ko-KR" altLang="en-US" smtClean="0"/>
-              <a:t>2018-04-24</a:t>
+              <a:t>2018-04-27</a:t>
             </a:fld>
             <a:endParaRPr lang="ko-KR" altLang="en-US"/>
           </a:p>
@@ -4005,7 +4345,7 @@
           <a:p>
             <a:fld id="{B246672D-B3FD-4B2E-92C0-4A80DA670927}" type="datetime1">
               <a:rPr lang="ko-KR" altLang="en-US" smtClean="0"/>
-              <a:t>2018-04-24</a:t>
+              <a:t>2018-04-27</a:t>
             </a:fld>
             <a:endParaRPr lang="ko-KR" altLang="en-US"/>
           </a:p>
@@ -4123,7 +4463,7 @@
           <a:p>
             <a:fld id="{9B9B7D2E-B202-4D7A-9519-0C490A04EB9C}" type="datetime1">
               <a:rPr lang="ko-KR" altLang="en-US" smtClean="0"/>
-              <a:t>2018-04-24</a:t>
+              <a:t>2018-04-27</a:t>
             </a:fld>
             <a:endParaRPr lang="ko-KR" altLang="en-US"/>
           </a:p>
@@ -4218,7 +4558,7 @@
           <a:p>
             <a:fld id="{12FB9327-987E-47D6-AE2D-63CED8A79494}" type="datetime1">
               <a:rPr lang="ko-KR" altLang="en-US" smtClean="0"/>
-              <a:t>2018-04-24</a:t>
+              <a:t>2018-04-27</a:t>
             </a:fld>
             <a:endParaRPr lang="ko-KR" altLang="en-US"/>
           </a:p>
@@ -4495,7 +4835,7 @@
           <a:p>
             <a:fld id="{D8D87011-7294-4632-A156-4F695AB9E41C}" type="datetime1">
               <a:rPr lang="ko-KR" altLang="en-US" smtClean="0"/>
-              <a:t>2018-04-24</a:t>
+              <a:t>2018-04-27</a:t>
             </a:fld>
             <a:endParaRPr lang="ko-KR" altLang="en-US"/>
           </a:p>
@@ -4752,7 +5092,7 @@
           <a:p>
             <a:fld id="{1BDC7FDB-72DE-4D65-AF4F-510496DAF70F}" type="datetime1">
               <a:rPr lang="ko-KR" altLang="en-US" smtClean="0"/>
-              <a:t>2018-04-24</a:t>
+              <a:t>2018-04-27</a:t>
             </a:fld>
             <a:endParaRPr lang="ko-KR" altLang="en-US"/>
           </a:p>
@@ -4965,7 +5305,7 @@
           <a:p>
             <a:fld id="{9A286DBF-DB43-470A-A903-26374CB6EF47}" type="datetime1">
               <a:rPr lang="ko-KR" altLang="en-US" smtClean="0"/>
-              <a:t>2018-04-24</a:t>
+              <a:t>2018-04-27</a:t>
             </a:fld>
             <a:endParaRPr lang="ko-KR" altLang="en-US"/>
           </a:p>
@@ -5564,7 +5904,7 @@
           <a:p>
             <a:fld id="{32C03489-23FC-4021-B9AB-958EFB3C0FE7}" type="datetime1">
               <a:rPr lang="ko-KR" altLang="en-US" smtClean="0"/>
-              <a:t>2018-04-24</a:t>
+              <a:t>2018-04-27</a:t>
             </a:fld>
             <a:endParaRPr lang="ko-KR" altLang="en-US"/>
           </a:p>
@@ -5689,12 +6029,6 @@
               </a:rPr>
               <a:t>1.2 Inorganic Crystals for Terahertz Optics</a:t>
             </a:r>
-            <a:endParaRPr lang="en-US" altLang="ko-KR" sz="2800" dirty="0" smtClean="0">
-              <a:solidFill>
-                <a:schemeClr val="bg1"/>
-              </a:solidFill>
-              <a:latin typeface="Arial" panose="020B0604020202020204" pitchFamily="34" charset="0"/>
-            </a:endParaRPr>
           </a:p>
         </p:txBody>
       </p:sp>
@@ -5715,7 +6049,7 @@
           <a:p>
             <a:fld id="{53646E5C-8775-44A9-9523-40B6CCA06789}" type="datetime1">
               <a:rPr lang="ko-KR" altLang="en-US" smtClean="0"/>
-              <a:t>2018-04-25</a:t>
+              <a:t>2018-04-27</a:t>
             </a:fld>
             <a:endParaRPr lang="ko-KR" altLang="en-US"/>
           </a:p>
@@ -5774,11 +6108,6 @@
               </a:rPr>
               <a:t>Diamond</a:t>
             </a:r>
-            <a:endParaRPr lang="en-US" altLang="ko-KR" sz="2000" dirty="0" smtClean="0">
-              <a:solidFill>
-                <a:srgbClr val="3333FF"/>
-              </a:solidFill>
-            </a:endParaRPr>
           </a:p>
         </p:txBody>
       </p:sp>
@@ -5806,11 +6135,7 @@
           <a:p>
             <a:r>
               <a:rPr lang="en-US" altLang="ko-KR" sz="2000" dirty="0" smtClean="0"/>
-              <a:t>Diamon</a:t>
-            </a:r>
-            <a:r>
-              <a:rPr lang="en-US" altLang="ko-KR" sz="2000" dirty="0" smtClean="0"/>
-              <a:t>d is an excellent terahertz optical material, however its use limited by its high cost and the difficulty of fabricating shapes other than thin wafers</a:t>
+              <a:t>Diamond is an excellent terahertz optical material, however its use limited by its high cost and the difficulty of fabricating shapes other than thin wafers</a:t>
             </a:r>
             <a:endParaRPr lang="en-US" altLang="ko-KR" sz="2000" dirty="0"/>
           </a:p>
@@ -5875,11 +6200,6 @@
               </a:rPr>
               <a:t>)</a:t>
             </a:r>
-            <a:endParaRPr lang="en-US" altLang="ko-KR" sz="2000" dirty="0" smtClean="0">
-              <a:solidFill>
-                <a:srgbClr val="3333FF"/>
-              </a:solidFill>
-            </a:endParaRPr>
           </a:p>
         </p:txBody>
       </p:sp>
@@ -6091,12 +6411,6 @@
               </a:rPr>
               <a:t>1.3 Polymers for Terahertz Optics</a:t>
             </a:r>
-            <a:endParaRPr lang="en-US" altLang="ko-KR" sz="2800" dirty="0" smtClean="0">
-              <a:solidFill>
-                <a:schemeClr val="bg1"/>
-              </a:solidFill>
-              <a:latin typeface="Arial" panose="020B0604020202020204" pitchFamily="34" charset="0"/>
-            </a:endParaRPr>
           </a:p>
         </p:txBody>
       </p:sp>
@@ -6117,7 +6431,7 @@
           <a:p>
             <a:fld id="{53646E5C-8775-44A9-9523-40B6CCA06789}" type="datetime1">
               <a:rPr lang="ko-KR" altLang="en-US" smtClean="0"/>
-              <a:t>2018-04-25</a:t>
+              <a:t>2018-04-27</a:t>
             </a:fld>
             <a:endParaRPr lang="ko-KR" altLang="en-US"/>
           </a:p>
@@ -6347,7 +6661,7 @@
           <a:p>
             <a:fld id="{F85A177F-6FD3-496B-8A9C-B332CA04E863}" type="datetime1">
               <a:rPr lang="ko-KR" altLang="en-US" smtClean="0"/>
-              <a:t>2018-04-25</a:t>
+              <a:t>2018-04-27</a:t>
             </a:fld>
             <a:endParaRPr lang="ko-KR" altLang="en-US"/>
           </a:p>
@@ -6470,16 +6784,7 @@
                 </a:solidFill>
                 <a:latin typeface="Arial" panose="020B0604020202020204" pitchFamily="34" charset="0"/>
               </a:rPr>
-              <a:t>2. </a:t>
-            </a:r>
-            <a:r>
-              <a:rPr lang="en-US" altLang="ko-KR" sz="2800" dirty="0" smtClean="0">
-                <a:solidFill>
-                  <a:schemeClr val="bg1"/>
-                </a:solidFill>
-                <a:latin typeface="Arial" panose="020B0604020202020204" pitchFamily="34" charset="0"/>
-              </a:rPr>
-              <a:t>Metal </a:t>
+              <a:t>2. Metal </a:t>
             </a:r>
             <a:r>
               <a:rPr lang="en-US" altLang="ko-KR" sz="2800" dirty="0" err="1" smtClean="0">
@@ -6516,7 +6821,7 @@
           <a:p>
             <a:fld id="{53646E5C-8775-44A9-9523-40B6CCA06789}" type="datetime1">
               <a:rPr lang="ko-KR" altLang="en-US" smtClean="0"/>
-              <a:t>2018-04-24</a:t>
+              <a:t>2018-04-27</a:t>
             </a:fld>
             <a:endParaRPr lang="ko-KR" altLang="en-US"/>
           </a:p>
@@ -6571,7 +6876,6 @@
               <a:rPr lang="en-US" altLang="ko-KR" sz="2000" dirty="0" smtClean="0"/>
               <a:t>Metallic mirrors are arguably the most crucial components of any terahertz system.</a:t>
             </a:r>
-            <a:endParaRPr lang="en-US" altLang="ko-KR" sz="2000" dirty="0" smtClean="0"/>
           </a:p>
         </p:txBody>
       </p:sp>
@@ -6601,12 +6905,11 @@
               <a:rPr lang="en-US" altLang="ko-KR" sz="2000" dirty="0" smtClean="0"/>
               <a:t>The power reflectivity of a good conductor:</a:t>
             </a:r>
-            <a:endParaRPr lang="en-US" altLang="ko-KR" sz="2000" dirty="0" smtClean="0"/>
-          </a:p>
-        </p:txBody>
-      </p:sp>
-      <mc:AlternateContent xmlns:mc="http://schemas.openxmlformats.org/markup-compatibility/2006">
-        <mc:Choice xmlns:a14="http://schemas.microsoft.com/office/drawing/2010/main" Requires="a14">
+          </a:p>
+        </p:txBody>
+      </p:sp>
+      <mc:AlternateContent xmlns:mc="http://schemas.openxmlformats.org/markup-compatibility/2006" xmlns:a14="http://schemas.microsoft.com/office/drawing/2010/main">
+        <mc:Choice Requires="a14">
           <p:sp>
             <p:nvSpPr>
               <p:cNvPr id="5" name="TextBox 4"/>
@@ -6629,6 +6932,7 @@
               </a:bodyPr>
               <a:lstStyle/>
               <a:p>
+                <a:pPr/>
                 <a14:m>
                   <m:oMathPara xmlns:m="http://schemas.openxmlformats.org/officeDocument/2006/math">
                     <m:oMathParaPr>
@@ -6772,7 +7076,7 @@
             </p:txBody>
           </p:sp>
         </mc:Choice>
-        <mc:Fallback>
+        <mc:Fallback xmlns="">
           <p:sp>
             <p:nvSpPr>
               <p:cNvPr id="5" name="TextBox 4"/>
@@ -6811,8 +7115,8 @@
           </p:sp>
         </mc:Fallback>
       </mc:AlternateContent>
-      <mc:AlternateContent xmlns:mc="http://schemas.openxmlformats.org/markup-compatibility/2006">
-        <mc:Choice xmlns:a14="http://schemas.microsoft.com/office/drawing/2010/main" Requires="a14">
+      <mc:AlternateContent xmlns:mc="http://schemas.openxmlformats.org/markup-compatibility/2006" xmlns:a14="http://schemas.microsoft.com/office/drawing/2010/main">
+        <mc:Choice Requires="a14">
           <p:sp>
             <p:nvSpPr>
               <p:cNvPr id="13" name="TextBox 12"/>
@@ -6857,12 +7161,11 @@
                   <a:rPr lang="en-US" altLang="ko-KR" sz="2000" dirty="0" smtClean="0"/>
                   <a:t> Conductivity</a:t>
                 </a:r>
-                <a:endParaRPr lang="en-US" altLang="ko-KR" sz="2000" dirty="0" smtClean="0"/>
               </a:p>
             </p:txBody>
           </p:sp>
         </mc:Choice>
-        <mc:Fallback>
+        <mc:Fallback xmlns="">
           <p:sp>
             <p:nvSpPr>
               <p:cNvPr id="13" name="TextBox 12"/>
@@ -7100,16 +7403,7 @@
                 </a:solidFill>
                 <a:latin typeface="Arial" panose="020B0604020202020204" pitchFamily="34" charset="0"/>
               </a:rPr>
-              <a:t>2. </a:t>
-            </a:r>
-            <a:r>
-              <a:rPr lang="en-US" altLang="ko-KR" sz="2800" dirty="0" smtClean="0">
-                <a:solidFill>
-                  <a:schemeClr val="bg1"/>
-                </a:solidFill>
-                <a:latin typeface="Arial" panose="020B0604020202020204" pitchFamily="34" charset="0"/>
-              </a:rPr>
-              <a:t>Metal </a:t>
+              <a:t>2. Metal </a:t>
             </a:r>
             <a:r>
               <a:rPr lang="en-US" altLang="ko-KR" sz="2800" dirty="0" err="1" smtClean="0">
@@ -7146,7 +7440,7 @@
           <a:p>
             <a:fld id="{53646E5C-8775-44A9-9523-40B6CCA06789}" type="datetime1">
               <a:rPr lang="ko-KR" altLang="en-US" smtClean="0"/>
-              <a:t>2018-04-26</a:t>
+              <a:t>2018-04-27</a:t>
             </a:fld>
             <a:endParaRPr lang="ko-KR" altLang="en-US"/>
           </a:p>
@@ -7252,8 +7546,8 @@
           </a:prstGeom>
         </p:spPr>
       </p:pic>
-      <mc:AlternateContent xmlns:mc="http://schemas.openxmlformats.org/markup-compatibility/2006">
-        <mc:Choice xmlns:a14="http://schemas.microsoft.com/office/drawing/2010/main" Requires="a14">
+      <mc:AlternateContent xmlns:mc="http://schemas.openxmlformats.org/markup-compatibility/2006" xmlns:a14="http://schemas.microsoft.com/office/drawing/2010/main">
+        <mc:Choice Requires="a14">
           <p:sp>
             <p:nvSpPr>
               <p:cNvPr id="4" name="TextBox 3"/>
@@ -7276,6 +7570,7 @@
               </a:bodyPr>
               <a:lstStyle/>
               <a:p>
+                <a:pPr/>
                 <a14:m>
                   <m:oMathPara xmlns:m="http://schemas.openxmlformats.org/officeDocument/2006/math">
                     <m:oMathParaPr>
@@ -7390,7 +7685,7 @@
             </p:txBody>
           </p:sp>
         </mc:Choice>
-        <mc:Fallback>
+        <mc:Fallback xmlns="">
           <p:sp>
             <p:nvSpPr>
               <p:cNvPr id="4" name="TextBox 3"/>
@@ -7597,7 +7892,7 @@
           <a:p>
             <a:fld id="{F85A177F-6FD3-496B-8A9C-B332CA04E863}" type="datetime1">
               <a:rPr lang="ko-KR" altLang="en-US" smtClean="0"/>
-              <a:t>2018-04-26</a:t>
+              <a:t>2018-04-27</a:t>
             </a:fld>
             <a:endParaRPr lang="ko-KR" altLang="en-US"/>
           </a:p>
@@ -7720,23 +8015,8 @@
                 </a:solidFill>
                 <a:latin typeface="Arial" panose="020B0604020202020204" pitchFamily="34" charset="0"/>
               </a:rPr>
-              <a:t>3</a:t>
-            </a:r>
-            <a:r>
-              <a:rPr lang="en-US" altLang="ko-KR" sz="2800" dirty="0" smtClean="0">
-                <a:solidFill>
-                  <a:schemeClr val="bg1"/>
-                </a:solidFill>
-                <a:latin typeface="Arial" panose="020B0604020202020204" pitchFamily="34" charset="0"/>
-              </a:rPr>
-              <a:t>.1 Gaussian Beams</a:t>
-            </a:r>
-            <a:endParaRPr lang="en-US" altLang="ko-KR" sz="2800" dirty="0" smtClean="0">
-              <a:solidFill>
-                <a:schemeClr val="bg1"/>
-              </a:solidFill>
-              <a:latin typeface="Arial" panose="020B0604020202020204" pitchFamily="34" charset="0"/>
-            </a:endParaRPr>
+              <a:t>3.1 Gaussian Beams</a:t>
+            </a:r>
           </a:p>
         </p:txBody>
       </p:sp>
@@ -7757,7 +8037,7 @@
           <a:p>
             <a:fld id="{53646E5C-8775-44A9-9523-40B6CCA06789}" type="datetime1">
               <a:rPr lang="ko-KR" altLang="en-US" smtClean="0"/>
-              <a:t>2018-04-26</a:t>
+              <a:t>2018-04-27</a:t>
             </a:fld>
             <a:endParaRPr lang="ko-KR" altLang="en-US"/>
           </a:p>
@@ -7820,7 +8100,6 @@
               <a:rPr lang="en-US" altLang="ko-KR" sz="2000" dirty="0" smtClean="0"/>
               <a:t>.</a:t>
             </a:r>
-            <a:endParaRPr lang="en-US" altLang="ko-KR" sz="2000" dirty="0" smtClean="0"/>
           </a:p>
         </p:txBody>
       </p:sp>
@@ -7854,16 +8133,11 @@
               </a:rPr>
               <a:t>The Gaussian bean radial distribution</a:t>
             </a:r>
-            <a:endParaRPr lang="en-US" altLang="ko-KR" sz="2000" dirty="0" smtClean="0">
-              <a:solidFill>
-                <a:srgbClr val="3333FF"/>
-              </a:solidFill>
-            </a:endParaRPr>
-          </a:p>
-        </p:txBody>
-      </p:sp>
-      <mc:AlternateContent xmlns:mc="http://schemas.openxmlformats.org/markup-compatibility/2006">
-        <mc:Choice xmlns:a14="http://schemas.microsoft.com/office/drawing/2010/main" Requires="a14">
+          </a:p>
+        </p:txBody>
+      </p:sp>
+      <mc:AlternateContent xmlns:mc="http://schemas.openxmlformats.org/markup-compatibility/2006" xmlns:a14="http://schemas.microsoft.com/office/drawing/2010/main">
+        <mc:Choice Requires="a14">
           <p:sp>
             <p:nvSpPr>
               <p:cNvPr id="3" name="TextBox 2"/>
@@ -7886,6 +8160,7 @@
               </a:bodyPr>
               <a:lstStyle/>
               <a:p>
+                <a:pPr/>
                 <a14:m>
                   <m:oMathPara xmlns:m="http://schemas.openxmlformats.org/officeDocument/2006/math">
                     <m:oMathParaPr>
@@ -8056,7 +8331,7 @@
             </p:txBody>
           </p:sp>
         </mc:Choice>
-        <mc:Fallback>
+        <mc:Fallback xmlns="">
           <p:sp>
             <p:nvSpPr>
               <p:cNvPr id="3" name="TextBox 2"/>
@@ -8095,8 +8370,8 @@
           </p:sp>
         </mc:Fallback>
       </mc:AlternateContent>
-      <mc:AlternateContent xmlns:mc="http://schemas.openxmlformats.org/markup-compatibility/2006">
-        <mc:Choice xmlns:a14="http://schemas.microsoft.com/office/drawing/2010/main" Requires="a14">
+      <mc:AlternateContent xmlns:mc="http://schemas.openxmlformats.org/markup-compatibility/2006" xmlns:a14="http://schemas.microsoft.com/office/drawing/2010/main">
+        <mc:Choice Requires="a14">
           <p:sp>
             <p:nvSpPr>
               <p:cNvPr id="16" name="TextBox 15"/>
@@ -8141,7 +8416,7 @@
             </p:txBody>
           </p:sp>
         </mc:Choice>
-        <mc:Fallback>
+        <mc:Fallback xmlns="">
           <p:sp>
             <p:nvSpPr>
               <p:cNvPr id="16" name="TextBox 15"/>
@@ -8210,16 +8485,11 @@
               </a:rPr>
               <a:t>The minimum radius of the beam waist</a:t>
             </a:r>
-            <a:endParaRPr lang="en-US" altLang="ko-KR" sz="2000" dirty="0" smtClean="0">
-              <a:solidFill>
-                <a:srgbClr val="3333FF"/>
-              </a:solidFill>
-            </a:endParaRPr>
-          </a:p>
-        </p:txBody>
-      </p:sp>
-      <mc:AlternateContent xmlns:mc="http://schemas.openxmlformats.org/markup-compatibility/2006">
-        <mc:Choice xmlns:a14="http://schemas.microsoft.com/office/drawing/2010/main" Requires="a14">
+          </a:p>
+        </p:txBody>
+      </p:sp>
+      <mc:AlternateContent xmlns:mc="http://schemas.openxmlformats.org/markup-compatibility/2006" xmlns:a14="http://schemas.microsoft.com/office/drawing/2010/main">
+        <mc:Choice Requires="a14">
           <p:sp>
             <p:nvSpPr>
               <p:cNvPr id="4" name="TextBox 3"/>
@@ -8242,6 +8512,7 @@
               </a:bodyPr>
               <a:lstStyle/>
               <a:p>
+                <a:pPr/>
                 <a14:m>
                   <m:oMathPara xmlns:m="http://schemas.openxmlformats.org/officeDocument/2006/math">
                     <m:oMathParaPr>
@@ -8365,7 +8636,7 @@
             </p:txBody>
           </p:sp>
         </mc:Choice>
-        <mc:Fallback>
+        <mc:Fallback xmlns="">
           <p:sp>
             <p:nvSpPr>
               <p:cNvPr id="4" name="TextBox 3"/>
@@ -8434,16 +8705,11 @@
               </a:rPr>
               <a:t>Rayleigh length</a:t>
             </a:r>
-            <a:endParaRPr lang="en-US" altLang="ko-KR" sz="2000" dirty="0" smtClean="0">
-              <a:solidFill>
-                <a:srgbClr val="3333FF"/>
-              </a:solidFill>
-            </a:endParaRPr>
-          </a:p>
-        </p:txBody>
-      </p:sp>
-      <mc:AlternateContent xmlns:mc="http://schemas.openxmlformats.org/markup-compatibility/2006">
-        <mc:Choice xmlns:a14="http://schemas.microsoft.com/office/drawing/2010/main" Requires="a14">
+          </a:p>
+        </p:txBody>
+      </p:sp>
+      <mc:AlternateContent xmlns:mc="http://schemas.openxmlformats.org/markup-compatibility/2006" xmlns:a14="http://schemas.microsoft.com/office/drawing/2010/main">
+        <mc:Choice Requires="a14">
           <p:sp>
             <p:nvSpPr>
               <p:cNvPr id="7" name="TextBox 6"/>
@@ -8466,6 +8732,7 @@
               </a:bodyPr>
               <a:lstStyle/>
               <a:p>
+                <a:pPr/>
                 <a14:m>
                   <m:oMathPara xmlns:m="http://schemas.openxmlformats.org/officeDocument/2006/math">
                     <m:oMathParaPr>
@@ -8586,7 +8853,7 @@
             </p:txBody>
           </p:sp>
         </mc:Choice>
-        <mc:Fallback>
+        <mc:Fallback xmlns="">
           <p:sp>
             <p:nvSpPr>
               <p:cNvPr id="7" name="TextBox 6"/>
@@ -8671,16 +8938,11 @@
               </a:rPr>
               <a:t> radius</a:t>
             </a:r>
-            <a:endParaRPr lang="en-US" altLang="ko-KR" sz="2000" dirty="0" smtClean="0">
-              <a:solidFill>
-                <a:srgbClr val="3333FF"/>
-              </a:solidFill>
-            </a:endParaRPr>
-          </a:p>
-        </p:txBody>
-      </p:sp>
-      <mc:AlternateContent xmlns:mc="http://schemas.openxmlformats.org/markup-compatibility/2006">
-        <mc:Choice xmlns:a14="http://schemas.microsoft.com/office/drawing/2010/main" Requires="a14">
+          </a:p>
+        </p:txBody>
+      </p:sp>
+      <mc:AlternateContent xmlns:mc="http://schemas.openxmlformats.org/markup-compatibility/2006" xmlns:a14="http://schemas.microsoft.com/office/drawing/2010/main">
+        <mc:Choice Requires="a14">
           <p:sp>
             <p:nvSpPr>
               <p:cNvPr id="8" name="TextBox 7"/>
@@ -8703,6 +8965,7 @@
               </a:bodyPr>
               <a:lstStyle/>
               <a:p>
+                <a:pPr/>
                 <a14:m>
                   <m:oMathPara xmlns:m="http://schemas.openxmlformats.org/officeDocument/2006/math">
                     <m:oMathParaPr>
@@ -8864,7 +9127,7 @@
             </p:txBody>
           </p:sp>
         </mc:Choice>
-        <mc:Fallback>
+        <mc:Fallback xmlns="">
           <p:sp>
             <p:nvSpPr>
               <p:cNvPr id="8" name="TextBox 7"/>
@@ -8903,8 +9166,8 @@
           </p:sp>
         </mc:Fallback>
       </mc:AlternateContent>
-      <mc:AlternateContent xmlns:mc="http://schemas.openxmlformats.org/markup-compatibility/2006">
-        <mc:Choice xmlns:a14="http://schemas.microsoft.com/office/drawing/2010/main" Requires="a14">
+      <mc:AlternateContent xmlns:mc="http://schemas.openxmlformats.org/markup-compatibility/2006" xmlns:a14="http://schemas.microsoft.com/office/drawing/2010/main">
+        <mc:Choice Requires="a14">
           <p:sp>
             <p:nvSpPr>
               <p:cNvPr id="9" name="TextBox 8"/>
@@ -8927,6 +9190,7 @@
               </a:bodyPr>
               <a:lstStyle/>
               <a:p>
+                <a:pPr/>
                 <a14:m>
                   <m:oMathPara xmlns:m="http://schemas.openxmlformats.org/officeDocument/2006/math">
                     <m:oMathParaPr>
@@ -9069,7 +9333,7 @@
             </p:txBody>
           </p:sp>
         </mc:Choice>
-        <mc:Fallback>
+        <mc:Fallback xmlns="">
           <p:sp>
             <p:nvSpPr>
               <p:cNvPr id="9" name="TextBox 8"/>
@@ -9276,7 +9540,7 @@
           <a:p>
             <a:fld id="{F85A177F-6FD3-496B-8A9C-B332CA04E863}" type="datetime1">
               <a:rPr lang="ko-KR" altLang="en-US" smtClean="0"/>
-              <a:t>2018-04-26</a:t>
+              <a:t>2018-04-27</a:t>
             </a:fld>
             <a:endParaRPr lang="ko-KR" altLang="en-US"/>
           </a:p>
@@ -9401,12 +9665,6 @@
               </a:rPr>
               <a:t>4.1 Terahertz Transparent/Visible Opaque</a:t>
             </a:r>
-            <a:endParaRPr lang="en-US" altLang="ko-KR" sz="2800" dirty="0" smtClean="0">
-              <a:solidFill>
-                <a:schemeClr val="bg1"/>
-              </a:solidFill>
-              <a:latin typeface="Arial" panose="020B0604020202020204" pitchFamily="34" charset="0"/>
-            </a:endParaRPr>
           </a:p>
         </p:txBody>
       </p:sp>
@@ -9490,7 +9748,6 @@
               <a:rPr lang="en-US" altLang="ko-KR" sz="2000" dirty="0" smtClean="0"/>
               <a:t>, or to remove or redirect one of the beams</a:t>
             </a:r>
-            <a:endParaRPr lang="en-US" altLang="ko-KR" sz="2000" dirty="0" smtClean="0"/>
           </a:p>
         </p:txBody>
       </p:sp>
@@ -9562,11 +9819,6 @@
               </a:rPr>
               <a:t>Expanded polymer foams</a:t>
             </a:r>
-            <a:endParaRPr lang="en-US" altLang="ko-KR" sz="2000" dirty="0" smtClean="0">
-              <a:solidFill>
-                <a:srgbClr val="3333FF"/>
-              </a:solidFill>
-            </a:endParaRPr>
           </a:p>
         </p:txBody>
       </p:sp>
@@ -9606,7 +9858,6 @@
               <a:rPr lang="en-US" altLang="ko-KR" sz="2000" dirty="0" smtClean="0"/>
               <a:t>foams</a:t>
             </a:r>
-            <a:endParaRPr lang="en-US" altLang="ko-KR" sz="2000" dirty="0" smtClean="0"/>
           </a:p>
         </p:txBody>
       </p:sp>
@@ -9656,11 +9907,6 @@
               </a:rPr>
               <a:t> (HDPE, PTFE)</a:t>
             </a:r>
-            <a:endParaRPr lang="en-US" altLang="ko-KR" sz="2000" dirty="0" smtClean="0">
-              <a:solidFill>
-                <a:srgbClr val="3333FF"/>
-              </a:solidFill>
-            </a:endParaRPr>
           </a:p>
         </p:txBody>
       </p:sp>
@@ -9694,11 +9940,6 @@
               </a:rPr>
               <a:t>High-resistivity silicon</a:t>
             </a:r>
-            <a:endParaRPr lang="en-US" altLang="ko-KR" sz="2000" dirty="0" smtClean="0">
-              <a:solidFill>
-                <a:srgbClr val="3333FF"/>
-              </a:solidFill>
-            </a:endParaRPr>
           </a:p>
         </p:txBody>
       </p:sp>
@@ -9750,7 +9991,6 @@
               <a:rPr lang="en-US" altLang="ko-KR" sz="2000" dirty="0" smtClean="0"/>
               <a:t> can produce significant terahertz absorption.</a:t>
             </a:r>
-            <a:endParaRPr lang="en-US" altLang="ko-KR" sz="2000" dirty="0" smtClean="0"/>
           </a:p>
         </p:txBody>
       </p:sp>
@@ -9850,12 +10090,6 @@
               </a:rPr>
               <a:t>4.2 Terahertz Opaque/Visible Transparent</a:t>
             </a:r>
-            <a:endParaRPr lang="en-US" altLang="ko-KR" sz="2800" dirty="0" smtClean="0">
-              <a:solidFill>
-                <a:schemeClr val="bg1"/>
-              </a:solidFill>
-              <a:latin typeface="Arial" panose="020B0604020202020204" pitchFamily="34" charset="0"/>
-            </a:endParaRPr>
           </a:p>
         </p:txBody>
       </p:sp>
@@ -9876,7 +10110,7 @@
           <a:p>
             <a:fld id="{53646E5C-8775-44A9-9523-40B6CCA06789}" type="datetime1">
               <a:rPr lang="ko-KR" altLang="en-US" smtClean="0"/>
-              <a:t>2018-04-26</a:t>
+              <a:t>2018-04-27</a:t>
             </a:fld>
             <a:endParaRPr lang="ko-KR" altLang="en-US"/>
           </a:p>
@@ -10416,7 +10650,7 @@
           <a:p>
             <a:fld id="{D71C2118-E1AA-468B-9259-8864ED518988}" type="datetime1">
               <a:rPr lang="ko-KR" altLang="en-US" smtClean="0"/>
-              <a:t>2018-04-24</a:t>
+              <a:t>2018-04-27</a:t>
             </a:fld>
             <a:endParaRPr lang="ko-KR" altLang="en-US"/>
           </a:p>
@@ -10541,12 +10775,6 @@
               </a:rPr>
               <a:t>4.3 Terahertz Reflective/Visible Transparent</a:t>
             </a:r>
-            <a:endParaRPr lang="en-US" altLang="ko-KR" sz="2800" dirty="0" smtClean="0">
-              <a:solidFill>
-                <a:schemeClr val="bg1"/>
-              </a:solidFill>
-              <a:latin typeface="Arial" panose="020B0604020202020204" pitchFamily="34" charset="0"/>
-            </a:endParaRPr>
           </a:p>
         </p:txBody>
       </p:sp>
@@ -10567,7 +10795,7 @@
           <a:p>
             <a:fld id="{53646E5C-8775-44A9-9523-40B6CCA06789}" type="datetime1">
               <a:rPr lang="ko-KR" altLang="en-US" smtClean="0"/>
-              <a:t>2018-04-26</a:t>
+              <a:t>2018-04-27</a:t>
             </a:fld>
             <a:endParaRPr lang="ko-KR" altLang="en-US"/>
           </a:p>
@@ -10622,7 +10850,6 @@
               <a:rPr lang="en-US" altLang="ko-KR" sz="2000" dirty="0" smtClean="0"/>
               <a:t>Visible transparent conductive coatings can act as reflective surfaces for terahertz radiation.</a:t>
             </a:r>
-            <a:endParaRPr lang="en-US" altLang="ko-KR" sz="2000" dirty="0" smtClean="0"/>
           </a:p>
         </p:txBody>
       </p:sp>
@@ -10722,12 +10949,6 @@
               </a:rPr>
               <a:t>4.4 Terahertz Transparent/Visible Reflective</a:t>
             </a:r>
-            <a:endParaRPr lang="en-US" altLang="ko-KR" sz="2800" dirty="0" smtClean="0">
-              <a:solidFill>
-                <a:schemeClr val="bg1"/>
-              </a:solidFill>
-              <a:latin typeface="Arial" panose="020B0604020202020204" pitchFamily="34" charset="0"/>
-            </a:endParaRPr>
           </a:p>
         </p:txBody>
       </p:sp>
@@ -10811,7 +11032,6 @@
               <a:rPr lang="en-US" altLang="ko-KR" sz="2000" dirty="0" smtClean="0"/>
               <a:t> in the visible</a:t>
             </a:r>
-            <a:endParaRPr lang="en-US" altLang="ko-KR" sz="2000" dirty="0" smtClean="0"/>
           </a:p>
         </p:txBody>
       </p:sp>
@@ -10849,12 +11069,11 @@
               <a:rPr lang="en-US" altLang="ko-KR" sz="2000" dirty="0" smtClean="0"/>
               <a:t> skin depth</a:t>
             </a:r>
-            <a:endParaRPr lang="en-US" altLang="ko-KR" sz="2000" dirty="0" smtClean="0"/>
-          </a:p>
-        </p:txBody>
-      </p:sp>
-      <mc:AlternateContent xmlns:mc="http://schemas.openxmlformats.org/markup-compatibility/2006">
-        <mc:Choice xmlns:a14="http://schemas.microsoft.com/office/drawing/2010/main" Requires="a14">
+          </a:p>
+        </p:txBody>
+      </p:sp>
+      <mc:AlternateContent xmlns:mc="http://schemas.openxmlformats.org/markup-compatibility/2006" xmlns:a14="http://schemas.microsoft.com/office/drawing/2010/main">
+        <mc:Choice Requires="a14">
           <p:sp>
             <p:nvSpPr>
               <p:cNvPr id="4" name="TextBox 3"/>
@@ -10877,6 +11096,7 @@
               </a:bodyPr>
               <a:lstStyle/>
               <a:p>
+                <a:pPr/>
                 <a14:m>
                   <m:oMathPara xmlns:m="http://schemas.openxmlformats.org/officeDocument/2006/math">
                     <m:oMathParaPr>
@@ -10964,7 +11184,7 @@
             </p:txBody>
           </p:sp>
         </mc:Choice>
-        <mc:Fallback>
+        <mc:Fallback xmlns="">
           <p:sp>
             <p:nvSpPr>
               <p:cNvPr id="4" name="TextBox 3"/>
@@ -11003,8 +11223,8 @@
           </p:sp>
         </mc:Fallback>
       </mc:AlternateContent>
-      <mc:AlternateContent xmlns:mc="http://schemas.openxmlformats.org/markup-compatibility/2006">
-        <mc:Choice xmlns:a14="http://schemas.microsoft.com/office/drawing/2010/main" Requires="a14">
+      <mc:AlternateContent xmlns:mc="http://schemas.openxmlformats.org/markup-compatibility/2006" xmlns:a14="http://schemas.microsoft.com/office/drawing/2010/main">
+        <mc:Choice Requires="a14">
           <p:sp>
             <p:nvSpPr>
               <p:cNvPr id="5" name="TextBox 4"/>
@@ -11027,6 +11247,7 @@
               </a:bodyPr>
               <a:lstStyle/>
               <a:p>
+                <a:pPr/>
                 <a14:m>
                   <m:oMathPara xmlns:m="http://schemas.openxmlformats.org/officeDocument/2006/math">
                     <m:oMathParaPr>
@@ -11103,7 +11324,7 @@
             </p:txBody>
           </p:sp>
         </mc:Choice>
-        <mc:Fallback>
+        <mc:Fallback xmlns="">
           <p:sp>
             <p:nvSpPr>
               <p:cNvPr id="5" name="TextBox 4"/>
@@ -11205,13 +11426,8 @@
           <a:p>
             <a:r>
               <a:rPr lang="en-US" altLang="ko-KR" sz="1200" dirty="0" smtClean="0"/>
-              <a:t>- </a:t>
-            </a:r>
-            <a:r>
-              <a:rPr lang="en-US" altLang="ko-KR" sz="1200" dirty="0" smtClean="0"/>
-              <a:t>Reflectivity of approximately 80% in the visible</a:t>
-            </a:r>
-            <a:endParaRPr lang="en-US" altLang="ko-KR" sz="1200" dirty="0" smtClean="0"/>
+              <a:t>- Reflectivity of approximately 80% in the visible</a:t>
+            </a:r>
           </a:p>
         </p:txBody>
       </p:sp>
@@ -11383,7 +11599,7 @@
           <a:p>
             <a:fld id="{F85A177F-6FD3-496B-8A9C-B332CA04E863}" type="datetime1">
               <a:rPr lang="ko-KR" altLang="en-US" smtClean="0"/>
-              <a:t>2018-04-26</a:t>
+              <a:t>2018-04-27</a:t>
             </a:fld>
             <a:endParaRPr lang="ko-KR" altLang="en-US"/>
           </a:p>
@@ -11517,12 +11733,6 @@
               </a:rPr>
               <a:t>. Wire-Grid Polarizers</a:t>
             </a:r>
-            <a:endParaRPr lang="en-US" altLang="ko-KR" sz="2800" dirty="0" smtClean="0">
-              <a:solidFill>
-                <a:schemeClr val="bg1"/>
-              </a:solidFill>
-              <a:latin typeface="Arial" panose="020B0604020202020204" pitchFamily="34" charset="0"/>
-            </a:endParaRPr>
           </a:p>
         </p:txBody>
       </p:sp>
@@ -11543,7 +11753,7 @@
           <a:p>
             <a:fld id="{53646E5C-8775-44A9-9523-40B6CCA06789}" type="datetime1">
               <a:rPr lang="ko-KR" altLang="en-US" smtClean="0"/>
-              <a:t>2018-04-26</a:t>
+              <a:t>2018-04-27</a:t>
             </a:fld>
             <a:endParaRPr lang="ko-KR" altLang="en-US"/>
           </a:p>
@@ -11712,6 +11922,819 @@
           <a:lstStyle/>
           <a:p>
             <a:pPr algn="ctr"/>
+            <a:endParaRPr lang="en-US" altLang="ko-KR" sz="2800" dirty="0">
+              <a:solidFill>
+                <a:schemeClr val="bg1"/>
+              </a:solidFill>
+              <a:latin typeface="Arial" panose="020B0604020202020204" pitchFamily="34" charset="0"/>
+            </a:endParaRPr>
+          </a:p>
+        </p:txBody>
+      </p:sp>
+      <p:sp>
+        <p:nvSpPr>
+          <p:cNvPr id="2" name="직사각형 1"/>
+          <p:cNvSpPr/>
+          <p:nvPr/>
+        </p:nvSpPr>
+        <p:spPr>
+          <a:xfrm>
+            <a:off x="1286256" y="2004529"/>
+            <a:ext cx="6571488" cy="2848942"/>
+          </a:xfrm>
+          <a:prstGeom prst="rect">
+            <a:avLst/>
+          </a:prstGeom>
+          <a:noFill/>
+          <a:ln w="38100">
+            <a:solidFill>
+              <a:srgbClr val="3333FF"/>
+            </a:solidFill>
+          </a:ln>
+        </p:spPr>
+        <p:style>
+          <a:lnRef idx="2">
+            <a:schemeClr val="accent1">
+              <a:shade val="50000"/>
+            </a:schemeClr>
+          </a:lnRef>
+          <a:fillRef idx="1">
+            <a:schemeClr val="accent1"/>
+          </a:fillRef>
+          <a:effectRef idx="0">
+            <a:schemeClr val="accent1"/>
+          </a:effectRef>
+          <a:fontRef idx="minor">
+            <a:schemeClr val="lt1"/>
+          </a:fontRef>
+        </p:style>
+        <p:txBody>
+          <a:bodyPr rtlCol="0" anchor="ctr"/>
+          <a:lstStyle/>
+          <a:p>
+            <a:pPr algn="ctr"/>
+            <a:r>
+              <a:rPr lang="en-US" altLang="ko-KR" sz="3600" dirty="0" smtClean="0">
+                <a:solidFill>
+                  <a:srgbClr val="3333FF"/>
+                </a:solidFill>
+                <a:latin typeface="Arial" panose="020B0604020202020204" pitchFamily="34" charset="0"/>
+              </a:rPr>
+              <a:t>Antireflection Coatings</a:t>
+            </a:r>
+            <a:endParaRPr lang="ko-KR" altLang="en-US" sz="3600" dirty="0"/>
+          </a:p>
+        </p:txBody>
+      </p:sp>
+      <p:sp>
+        <p:nvSpPr>
+          <p:cNvPr id="3" name="날짜 개체 틀 2"/>
+          <p:cNvSpPr>
+            <a:spLocks noGrp="1"/>
+          </p:cNvSpPr>
+          <p:nvPr>
+            <p:ph type="dt" sz="half" idx="10"/>
+          </p:nvPr>
+        </p:nvSpPr>
+        <p:spPr/>
+        <p:txBody>
+          <a:bodyPr/>
+          <a:lstStyle/>
+          <a:p>
+            <a:fld id="{F85A177F-6FD3-496B-8A9C-B332CA04E863}" type="datetime1">
+              <a:rPr lang="ko-KR" altLang="en-US" smtClean="0"/>
+              <a:t>2018-04-27</a:t>
+            </a:fld>
+            <a:endParaRPr lang="ko-KR" altLang="en-US"/>
+          </a:p>
+        </p:txBody>
+      </p:sp>
+      <p:sp>
+        <p:nvSpPr>
+          <p:cNvPr id="4" name="슬라이드 번호 개체 틀 3"/>
+          <p:cNvSpPr>
+            <a:spLocks noGrp="1"/>
+          </p:cNvSpPr>
+          <p:nvPr>
+            <p:ph type="sldNum" sz="quarter" idx="12"/>
+          </p:nvPr>
+        </p:nvSpPr>
+        <p:spPr/>
+        <p:txBody>
+          <a:bodyPr/>
+          <a:lstStyle/>
+          <a:p>
+            <a:fld id="{8765F8EB-1186-4395-8E70-F957669279DD}" type="slidenum">
+              <a:rPr lang="ko-KR" altLang="en-US" smtClean="0"/>
+              <a:t>24</a:t>
+            </a:fld>
+            <a:endParaRPr lang="ko-KR" altLang="en-US"/>
+          </a:p>
+        </p:txBody>
+      </p:sp>
+    </p:spTree>
+    <p:extLst>
+      <p:ext uri="{BB962C8B-B14F-4D97-AF65-F5344CB8AC3E}">
+        <p14:creationId xmlns:p14="http://schemas.microsoft.com/office/powerpoint/2010/main" val="2288708033"/>
+      </p:ext>
+    </p:extLst>
+  </p:cSld>
+  <p:clrMapOvr>
+    <a:masterClrMapping/>
+  </p:clrMapOvr>
+  <p:timing>
+    <p:tnLst>
+      <p:par>
+        <p:cTn id="1" dur="indefinite" restart="never" nodeType="tmRoot"/>
+      </p:par>
+    </p:tnLst>
+  </p:timing>
+</p:sld>
+</file>
+
+<file path=ppt/slides/slide25.xml><?xml version="1.0" encoding="utf-8"?>
+<p:sld xmlns:a="http://schemas.openxmlformats.org/drawingml/2006/main" xmlns:r="http://schemas.openxmlformats.org/officeDocument/2006/relationships" xmlns:p="http://schemas.openxmlformats.org/presentationml/2006/main">
+  <p:cSld>
+    <p:spTree>
+      <p:nvGrpSpPr>
+        <p:cNvPr id="1" name=""/>
+        <p:cNvGrpSpPr/>
+        <p:nvPr/>
+      </p:nvGrpSpPr>
+      <p:grpSpPr>
+        <a:xfrm>
+          <a:off x="0" y="0"/>
+          <a:ext cx="0" cy="0"/>
+          <a:chOff x="0" y="0"/>
+          <a:chExt cx="0" cy="0"/>
+        </a:xfrm>
+      </p:grpSpPr>
+      <p:sp>
+        <p:nvSpPr>
+          <p:cNvPr id="6199" name="Rectangle 55"/>
+          <p:cNvSpPr>
+            <a:spLocks noChangeArrowheads="1"/>
+          </p:cNvSpPr>
+          <p:nvPr/>
+        </p:nvSpPr>
+        <p:spPr bwMode="auto">
+          <a:xfrm>
+            <a:off x="0" y="0"/>
+            <a:ext cx="9144000" cy="692150"/>
+          </a:xfrm>
+          <a:prstGeom prst="rect">
+            <a:avLst/>
+          </a:prstGeom>
+          <a:solidFill>
+            <a:srgbClr val="3333FF"/>
+          </a:solidFill>
+          <a:ln>
+            <a:noFill/>
+          </a:ln>
+          <a:effectLst/>
+          <a:extLst>
+            <a:ext uri="{91240B29-F687-4F45-9708-019B960494DF}">
+              <a14:hiddenLine xmlns:a14="http://schemas.microsoft.com/office/drawing/2010/main" w="9525">
+                <a:solidFill>
+                  <a:schemeClr val="tx1"/>
+                </a:solidFill>
+                <a:miter lim="800000"/>
+                <a:headEnd/>
+                <a:tailEnd/>
+              </a14:hiddenLine>
+            </a:ext>
+            <a:ext uri="{AF507438-7753-43E0-B8FC-AC1667EBCBE1}">
+              <a14:hiddenEffects xmlns:a14="http://schemas.microsoft.com/office/drawing/2010/main">
+                <a:effectLst>
+                  <a:outerShdw dist="35921" dir="2700000" algn="ctr" rotWithShape="0">
+                    <a:schemeClr val="bg2"/>
+                  </a:outerShdw>
+                </a:effectLst>
+              </a14:hiddenEffects>
+            </a:ext>
+          </a:extLst>
+        </p:spPr>
+        <p:txBody>
+          <a:bodyPr wrap="none" anchor="ctr"/>
+          <a:lstStyle/>
+          <a:p>
+            <a:pPr algn="ctr"/>
+            <a:r>
+              <a:rPr lang="en-US" altLang="ko-KR" sz="2800" dirty="0">
+                <a:solidFill>
+                  <a:schemeClr val="bg1"/>
+                </a:solidFill>
+                <a:latin typeface="Arial" panose="020B0604020202020204" pitchFamily="34" charset="0"/>
+              </a:rPr>
+              <a:t>6</a:t>
+            </a:r>
+            <a:r>
+              <a:rPr lang="en-US" altLang="ko-KR" sz="2800" dirty="0" smtClean="0">
+                <a:solidFill>
+                  <a:schemeClr val="bg1"/>
+                </a:solidFill>
+                <a:latin typeface="Arial" panose="020B0604020202020204" pitchFamily="34" charset="0"/>
+              </a:rPr>
+              <a:t>. Antireflection Coatings</a:t>
+            </a:r>
+            <a:endParaRPr lang="en-US" altLang="ko-KR" sz="2800" dirty="0" smtClean="0">
+              <a:solidFill>
+                <a:schemeClr val="bg1"/>
+              </a:solidFill>
+              <a:latin typeface="Arial" panose="020B0604020202020204" pitchFamily="34" charset="0"/>
+            </a:endParaRPr>
+          </a:p>
+        </p:txBody>
+      </p:sp>
+      <p:sp>
+        <p:nvSpPr>
+          <p:cNvPr id="2" name="날짜 개체 틀 1"/>
+          <p:cNvSpPr>
+            <a:spLocks noGrp="1"/>
+          </p:cNvSpPr>
+          <p:nvPr>
+            <p:ph type="dt" sz="half" idx="10"/>
+          </p:nvPr>
+        </p:nvSpPr>
+        <p:spPr/>
+        <p:txBody>
+          <a:bodyPr/>
+          <a:lstStyle/>
+          <a:p>
+            <a:fld id="{53646E5C-8775-44A9-9523-40B6CCA06789}" type="datetime1">
+              <a:rPr lang="ko-KR" altLang="en-US" smtClean="0"/>
+              <a:t>2018-04-27</a:t>
+            </a:fld>
+            <a:endParaRPr lang="ko-KR" altLang="en-US"/>
+          </a:p>
+        </p:txBody>
+      </p:sp>
+      <p:sp>
+        <p:nvSpPr>
+          <p:cNvPr id="15" name="슬라이드 번호 개체 틀 14"/>
+          <p:cNvSpPr>
+            <a:spLocks noGrp="1"/>
+          </p:cNvSpPr>
+          <p:nvPr>
+            <p:ph type="sldNum" sz="quarter" idx="12"/>
+          </p:nvPr>
+        </p:nvSpPr>
+        <p:spPr/>
+        <p:txBody>
+          <a:bodyPr/>
+          <a:lstStyle/>
+          <a:p>
+            <a:fld id="{8765F8EB-1186-4395-8E70-F957669279DD}" type="slidenum">
+              <a:rPr lang="ko-KR" altLang="en-US" smtClean="0"/>
+              <a:t>25</a:t>
+            </a:fld>
+            <a:endParaRPr lang="ko-KR" altLang="en-US"/>
+          </a:p>
+        </p:txBody>
+      </p:sp>
+      <p:sp>
+        <p:nvSpPr>
+          <p:cNvPr id="10" name="TextBox 9"/>
+          <p:cNvSpPr txBox="1"/>
+          <p:nvPr/>
+        </p:nvSpPr>
+        <p:spPr>
+          <a:xfrm>
+            <a:off x="720969" y="907902"/>
+            <a:ext cx="7794381" cy="1015663"/>
+          </a:xfrm>
+          <a:prstGeom prst="rect">
+            <a:avLst/>
+          </a:prstGeom>
+          <a:noFill/>
+        </p:spPr>
+        <p:txBody>
+          <a:bodyPr wrap="square" rtlCol="0">
+            <a:spAutoFit/>
+          </a:bodyPr>
+          <a:lstStyle/>
+          <a:p>
+            <a:r>
+              <a:rPr lang="en-US" altLang="ko-KR" sz="2000" dirty="0" smtClean="0"/>
+              <a:t>The thickness of the metal coating on a mirror must be sufficiently large</a:t>
+            </a:r>
+          </a:p>
+          <a:p>
+            <a:r>
+              <a:rPr lang="en-US" altLang="ko-KR" sz="2000" dirty="0" smtClean="0">
+                <a:sym typeface="Wingdings" panose="05000000000000000000" pitchFamily="2" charset="2"/>
+              </a:rPr>
+              <a:t> It must be capable of containing the currents induced by the </a:t>
+            </a:r>
+            <a:r>
+              <a:rPr lang="en-US" altLang="ko-KR" sz="2000" dirty="0" smtClean="0">
+                <a:solidFill>
+                  <a:srgbClr val="3333FF"/>
+                </a:solidFill>
+                <a:sym typeface="Wingdings" panose="05000000000000000000" pitchFamily="2" charset="2"/>
+              </a:rPr>
+              <a:t>interaction with the electromagnetic field</a:t>
+            </a:r>
+            <a:r>
+              <a:rPr lang="en-US" altLang="ko-KR" sz="2000" dirty="0" smtClean="0">
+                <a:sym typeface="Wingdings" panose="05000000000000000000" pitchFamily="2" charset="2"/>
+              </a:rPr>
+              <a:t>.</a:t>
+            </a:r>
+            <a:endParaRPr lang="en-US" altLang="ko-KR" sz="2000" dirty="0" smtClean="0"/>
+          </a:p>
+        </p:txBody>
+      </p:sp>
+    </p:spTree>
+    <p:extLst>
+      <p:ext uri="{BB962C8B-B14F-4D97-AF65-F5344CB8AC3E}">
+        <p14:creationId xmlns:p14="http://schemas.microsoft.com/office/powerpoint/2010/main" val="2553701077"/>
+      </p:ext>
+    </p:extLst>
+  </p:cSld>
+  <p:clrMapOvr>
+    <a:masterClrMapping/>
+  </p:clrMapOvr>
+  <p:timing>
+    <p:tnLst>
+      <p:par>
+        <p:cTn id="1" dur="indefinite" restart="never" nodeType="tmRoot"/>
+      </p:par>
+    </p:tnLst>
+  </p:timing>
+</p:sld>
+</file>
+
+<file path=ppt/slides/slide26.xml><?xml version="1.0" encoding="utf-8"?>
+<p:sld xmlns:a="http://schemas.openxmlformats.org/drawingml/2006/main" xmlns:r="http://schemas.openxmlformats.org/officeDocument/2006/relationships" xmlns:p="http://schemas.openxmlformats.org/presentationml/2006/main">
+  <p:cSld>
+    <p:spTree>
+      <p:nvGrpSpPr>
+        <p:cNvPr id="1" name=""/>
+        <p:cNvGrpSpPr/>
+        <p:nvPr/>
+      </p:nvGrpSpPr>
+      <p:grpSpPr>
+        <a:xfrm>
+          <a:off x="0" y="0"/>
+          <a:ext cx="0" cy="0"/>
+          <a:chOff x="0" y="0"/>
+          <a:chExt cx="0" cy="0"/>
+        </a:xfrm>
+      </p:grpSpPr>
+      <p:sp>
+        <p:nvSpPr>
+          <p:cNvPr id="6199" name="Rectangle 55"/>
+          <p:cNvSpPr>
+            <a:spLocks noChangeArrowheads="1"/>
+          </p:cNvSpPr>
+          <p:nvPr/>
+        </p:nvSpPr>
+        <p:spPr bwMode="auto">
+          <a:xfrm>
+            <a:off x="0" y="0"/>
+            <a:ext cx="9144000" cy="692150"/>
+          </a:xfrm>
+          <a:prstGeom prst="rect">
+            <a:avLst/>
+          </a:prstGeom>
+          <a:solidFill>
+            <a:srgbClr val="3333FF"/>
+          </a:solidFill>
+          <a:ln>
+            <a:noFill/>
+          </a:ln>
+          <a:effectLst/>
+          <a:extLst>
+            <a:ext uri="{91240B29-F687-4F45-9708-019B960494DF}">
+              <a14:hiddenLine xmlns:a14="http://schemas.microsoft.com/office/drawing/2010/main" w="9525">
+                <a:solidFill>
+                  <a:schemeClr val="tx1"/>
+                </a:solidFill>
+                <a:miter lim="800000"/>
+                <a:headEnd/>
+                <a:tailEnd/>
+              </a14:hiddenLine>
+            </a:ext>
+            <a:ext uri="{AF507438-7753-43E0-B8FC-AC1667EBCBE1}">
+              <a14:hiddenEffects xmlns:a14="http://schemas.microsoft.com/office/drawing/2010/main">
+                <a:effectLst>
+                  <a:outerShdw dist="35921" dir="2700000" algn="ctr" rotWithShape="0">
+                    <a:schemeClr val="bg2"/>
+                  </a:outerShdw>
+                </a:effectLst>
+              </a14:hiddenEffects>
+            </a:ext>
+          </a:extLst>
+        </p:spPr>
+        <p:txBody>
+          <a:bodyPr wrap="none" anchor="ctr"/>
+          <a:lstStyle/>
+          <a:p>
+            <a:pPr algn="ctr"/>
+            <a:endParaRPr lang="en-US" altLang="ko-KR" sz="2800" dirty="0">
+              <a:solidFill>
+                <a:schemeClr val="bg1"/>
+              </a:solidFill>
+              <a:latin typeface="Arial" panose="020B0604020202020204" pitchFamily="34" charset="0"/>
+            </a:endParaRPr>
+          </a:p>
+        </p:txBody>
+      </p:sp>
+      <p:sp>
+        <p:nvSpPr>
+          <p:cNvPr id="2" name="직사각형 1"/>
+          <p:cNvSpPr/>
+          <p:nvPr/>
+        </p:nvSpPr>
+        <p:spPr>
+          <a:xfrm>
+            <a:off x="1286256" y="2004529"/>
+            <a:ext cx="6571488" cy="2848942"/>
+          </a:xfrm>
+          <a:prstGeom prst="rect">
+            <a:avLst/>
+          </a:prstGeom>
+          <a:noFill/>
+          <a:ln w="38100">
+            <a:solidFill>
+              <a:srgbClr val="3333FF"/>
+            </a:solidFill>
+          </a:ln>
+        </p:spPr>
+        <p:style>
+          <a:lnRef idx="2">
+            <a:schemeClr val="accent1">
+              <a:shade val="50000"/>
+            </a:schemeClr>
+          </a:lnRef>
+          <a:fillRef idx="1">
+            <a:schemeClr val="accent1"/>
+          </a:fillRef>
+          <a:effectRef idx="0">
+            <a:schemeClr val="accent1"/>
+          </a:effectRef>
+          <a:fontRef idx="minor">
+            <a:schemeClr val="lt1"/>
+          </a:fontRef>
+        </p:style>
+        <p:txBody>
+          <a:bodyPr rtlCol="0" anchor="ctr"/>
+          <a:lstStyle/>
+          <a:p>
+            <a:pPr algn="ctr"/>
+            <a:r>
+              <a:rPr lang="en-US" altLang="ko-KR" sz="3600" dirty="0" smtClean="0">
+                <a:solidFill>
+                  <a:srgbClr val="3333FF"/>
+                </a:solidFill>
+                <a:latin typeface="Arial" panose="020B0604020202020204" pitchFamily="34" charset="0"/>
+              </a:rPr>
+              <a:t>Photonic Crystal Fibers and</a:t>
+            </a:r>
+          </a:p>
+          <a:p>
+            <a:pPr algn="ctr"/>
+            <a:r>
+              <a:rPr lang="en-US" altLang="ko-KR" sz="3600" dirty="0" smtClean="0">
+                <a:solidFill>
+                  <a:srgbClr val="3333FF"/>
+                </a:solidFill>
+                <a:latin typeface="Arial" panose="020B0604020202020204" pitchFamily="34" charset="0"/>
+              </a:rPr>
+              <a:t>Terahertz Waveguides</a:t>
+            </a:r>
+            <a:endParaRPr lang="ko-KR" altLang="en-US" sz="3600" dirty="0"/>
+          </a:p>
+        </p:txBody>
+      </p:sp>
+      <p:sp>
+        <p:nvSpPr>
+          <p:cNvPr id="3" name="날짜 개체 틀 2"/>
+          <p:cNvSpPr>
+            <a:spLocks noGrp="1"/>
+          </p:cNvSpPr>
+          <p:nvPr>
+            <p:ph type="dt" sz="half" idx="10"/>
+          </p:nvPr>
+        </p:nvSpPr>
+        <p:spPr/>
+        <p:txBody>
+          <a:bodyPr/>
+          <a:lstStyle/>
+          <a:p>
+            <a:fld id="{F85A177F-6FD3-496B-8A9C-B332CA04E863}" type="datetime1">
+              <a:rPr lang="ko-KR" altLang="en-US" smtClean="0"/>
+              <a:t>2018-04-27</a:t>
+            </a:fld>
+            <a:endParaRPr lang="ko-KR" altLang="en-US"/>
+          </a:p>
+        </p:txBody>
+      </p:sp>
+      <p:sp>
+        <p:nvSpPr>
+          <p:cNvPr id="4" name="슬라이드 번호 개체 틀 3"/>
+          <p:cNvSpPr>
+            <a:spLocks noGrp="1"/>
+          </p:cNvSpPr>
+          <p:nvPr>
+            <p:ph type="sldNum" sz="quarter" idx="12"/>
+          </p:nvPr>
+        </p:nvSpPr>
+        <p:spPr/>
+        <p:txBody>
+          <a:bodyPr/>
+          <a:lstStyle/>
+          <a:p>
+            <a:fld id="{8765F8EB-1186-4395-8E70-F957669279DD}" type="slidenum">
+              <a:rPr lang="ko-KR" altLang="en-US" smtClean="0"/>
+              <a:t>26</a:t>
+            </a:fld>
+            <a:endParaRPr lang="ko-KR" altLang="en-US"/>
+          </a:p>
+        </p:txBody>
+      </p:sp>
+    </p:spTree>
+    <p:extLst>
+      <p:ext uri="{BB962C8B-B14F-4D97-AF65-F5344CB8AC3E}">
+        <p14:creationId xmlns:p14="http://schemas.microsoft.com/office/powerpoint/2010/main" val="409856037"/>
+      </p:ext>
+    </p:extLst>
+  </p:cSld>
+  <p:clrMapOvr>
+    <a:masterClrMapping/>
+  </p:clrMapOvr>
+  <p:timing>
+    <p:tnLst>
+      <p:par>
+        <p:cTn id="1" dur="indefinite" restart="never" nodeType="tmRoot"/>
+      </p:par>
+    </p:tnLst>
+  </p:timing>
+</p:sld>
+</file>
+
+<file path=ppt/slides/slide27.xml><?xml version="1.0" encoding="utf-8"?>
+<p:sld xmlns:a="http://schemas.openxmlformats.org/drawingml/2006/main" xmlns:r="http://schemas.openxmlformats.org/officeDocument/2006/relationships" xmlns:p="http://schemas.openxmlformats.org/presentationml/2006/main">
+  <p:cSld>
+    <p:spTree>
+      <p:nvGrpSpPr>
+        <p:cNvPr id="1" name=""/>
+        <p:cNvGrpSpPr/>
+        <p:nvPr/>
+      </p:nvGrpSpPr>
+      <p:grpSpPr>
+        <a:xfrm>
+          <a:off x="0" y="0"/>
+          <a:ext cx="0" cy="0"/>
+          <a:chOff x="0" y="0"/>
+          <a:chExt cx="0" cy="0"/>
+        </a:xfrm>
+      </p:grpSpPr>
+      <p:sp>
+        <p:nvSpPr>
+          <p:cNvPr id="6199" name="Rectangle 55"/>
+          <p:cNvSpPr>
+            <a:spLocks noChangeArrowheads="1"/>
+          </p:cNvSpPr>
+          <p:nvPr/>
+        </p:nvSpPr>
+        <p:spPr bwMode="auto">
+          <a:xfrm>
+            <a:off x="0" y="0"/>
+            <a:ext cx="9144000" cy="692150"/>
+          </a:xfrm>
+          <a:prstGeom prst="rect">
+            <a:avLst/>
+          </a:prstGeom>
+          <a:solidFill>
+            <a:srgbClr val="3333FF"/>
+          </a:solidFill>
+          <a:ln>
+            <a:noFill/>
+          </a:ln>
+          <a:effectLst/>
+          <a:extLst>
+            <a:ext uri="{91240B29-F687-4F45-9708-019B960494DF}">
+              <a14:hiddenLine xmlns:a14="http://schemas.microsoft.com/office/drawing/2010/main" w="9525">
+                <a:solidFill>
+                  <a:schemeClr val="tx1"/>
+                </a:solidFill>
+                <a:miter lim="800000"/>
+                <a:headEnd/>
+                <a:tailEnd/>
+              </a14:hiddenLine>
+            </a:ext>
+            <a:ext uri="{AF507438-7753-43E0-B8FC-AC1667EBCBE1}">
+              <a14:hiddenEffects xmlns:a14="http://schemas.microsoft.com/office/drawing/2010/main">
+                <a:effectLst>
+                  <a:outerShdw dist="35921" dir="2700000" algn="ctr" rotWithShape="0">
+                    <a:schemeClr val="bg2"/>
+                  </a:outerShdw>
+                </a:effectLst>
+              </a14:hiddenEffects>
+            </a:ext>
+          </a:extLst>
+        </p:spPr>
+        <p:txBody>
+          <a:bodyPr wrap="none" anchor="ctr"/>
+          <a:lstStyle/>
+          <a:p>
+            <a:pPr algn="ctr"/>
+            <a:r>
+              <a:rPr lang="en-US" altLang="ko-KR" sz="2800" dirty="0">
+                <a:solidFill>
+                  <a:schemeClr val="bg1"/>
+                </a:solidFill>
+                <a:latin typeface="Arial" panose="020B0604020202020204" pitchFamily="34" charset="0"/>
+              </a:rPr>
+              <a:t>7</a:t>
+            </a:r>
+            <a:r>
+              <a:rPr lang="en-US" altLang="ko-KR" sz="2800" dirty="0" smtClean="0">
+                <a:solidFill>
+                  <a:schemeClr val="bg1"/>
+                </a:solidFill>
+                <a:latin typeface="Arial" panose="020B0604020202020204" pitchFamily="34" charset="0"/>
+              </a:rPr>
+              <a:t>. Photonic Crystal Fibers and Terahertz Waveguides</a:t>
+            </a:r>
+            <a:endParaRPr lang="en-US" altLang="ko-KR" sz="2800" dirty="0" smtClean="0">
+              <a:solidFill>
+                <a:schemeClr val="bg1"/>
+              </a:solidFill>
+              <a:latin typeface="Arial" panose="020B0604020202020204" pitchFamily="34" charset="0"/>
+            </a:endParaRPr>
+          </a:p>
+        </p:txBody>
+      </p:sp>
+      <p:sp>
+        <p:nvSpPr>
+          <p:cNvPr id="2" name="날짜 개체 틀 1"/>
+          <p:cNvSpPr>
+            <a:spLocks noGrp="1"/>
+          </p:cNvSpPr>
+          <p:nvPr>
+            <p:ph type="dt" sz="half" idx="10"/>
+          </p:nvPr>
+        </p:nvSpPr>
+        <p:spPr/>
+        <p:txBody>
+          <a:bodyPr/>
+          <a:lstStyle/>
+          <a:p>
+            <a:fld id="{53646E5C-8775-44A9-9523-40B6CCA06789}" type="datetime1">
+              <a:rPr lang="ko-KR" altLang="en-US" smtClean="0"/>
+              <a:t>2018-04-27</a:t>
+            </a:fld>
+            <a:endParaRPr lang="ko-KR" altLang="en-US"/>
+          </a:p>
+        </p:txBody>
+      </p:sp>
+      <p:sp>
+        <p:nvSpPr>
+          <p:cNvPr id="15" name="슬라이드 번호 개체 틀 14"/>
+          <p:cNvSpPr>
+            <a:spLocks noGrp="1"/>
+          </p:cNvSpPr>
+          <p:nvPr>
+            <p:ph type="sldNum" sz="quarter" idx="12"/>
+          </p:nvPr>
+        </p:nvSpPr>
+        <p:spPr/>
+        <p:txBody>
+          <a:bodyPr/>
+          <a:lstStyle/>
+          <a:p>
+            <a:fld id="{8765F8EB-1186-4395-8E70-F957669279DD}" type="slidenum">
+              <a:rPr lang="ko-KR" altLang="en-US" smtClean="0"/>
+              <a:t>27</a:t>
+            </a:fld>
+            <a:endParaRPr lang="ko-KR" altLang="en-US"/>
+          </a:p>
+        </p:txBody>
+      </p:sp>
+      <p:sp>
+        <p:nvSpPr>
+          <p:cNvPr id="10" name="TextBox 9"/>
+          <p:cNvSpPr txBox="1"/>
+          <p:nvPr/>
+        </p:nvSpPr>
+        <p:spPr>
+          <a:xfrm>
+            <a:off x="720969" y="907902"/>
+            <a:ext cx="7794381" cy="400110"/>
+          </a:xfrm>
+          <a:prstGeom prst="rect">
+            <a:avLst/>
+          </a:prstGeom>
+          <a:noFill/>
+        </p:spPr>
+        <p:txBody>
+          <a:bodyPr wrap="square" rtlCol="0">
+            <a:spAutoFit/>
+          </a:bodyPr>
+          <a:lstStyle/>
+          <a:p>
+            <a:r>
+              <a:rPr lang="en-US" altLang="ko-KR" sz="2000" dirty="0" smtClean="0"/>
+              <a:t>The thickness </a:t>
+            </a:r>
+            <a:r>
+              <a:rPr lang="en-US" altLang="ko-KR" sz="2000" dirty="0" smtClean="0"/>
+              <a:t>of</a:t>
+            </a:r>
+            <a:endParaRPr lang="en-US" altLang="ko-KR" sz="2000" dirty="0" smtClean="0"/>
+          </a:p>
+        </p:txBody>
+      </p:sp>
+    </p:spTree>
+    <p:extLst>
+      <p:ext uri="{BB962C8B-B14F-4D97-AF65-F5344CB8AC3E}">
+        <p14:creationId xmlns:p14="http://schemas.microsoft.com/office/powerpoint/2010/main" val="3320129937"/>
+      </p:ext>
+    </p:extLst>
+  </p:cSld>
+  <p:clrMapOvr>
+    <a:masterClrMapping/>
+  </p:clrMapOvr>
+  <p:timing>
+    <p:tnLst>
+      <p:par>
+        <p:cTn id="1" dur="indefinite" restart="never" nodeType="tmRoot"/>
+      </p:par>
+    </p:tnLst>
+  </p:timing>
+</p:sld>
+</file>
+
+<file path=ppt/slides/slide28.xml><?xml version="1.0" encoding="utf-8"?>
+<p:sld xmlns:a="http://schemas.openxmlformats.org/drawingml/2006/main" xmlns:r="http://schemas.openxmlformats.org/officeDocument/2006/relationships" xmlns:p="http://schemas.openxmlformats.org/presentationml/2006/main">
+  <p:cSld>
+    <p:spTree>
+      <p:nvGrpSpPr>
+        <p:cNvPr id="1" name=""/>
+        <p:cNvGrpSpPr/>
+        <p:nvPr/>
+      </p:nvGrpSpPr>
+      <p:grpSpPr>
+        <a:xfrm>
+          <a:off x="0" y="0"/>
+          <a:ext cx="0" cy="0"/>
+          <a:chOff x="0" y="0"/>
+          <a:chExt cx="0" cy="0"/>
+        </a:xfrm>
+      </p:grpSpPr>
+      <p:sp>
+        <p:nvSpPr>
+          <p:cNvPr id="6199" name="Rectangle 55"/>
+          <p:cNvSpPr>
+            <a:spLocks noChangeArrowheads="1"/>
+          </p:cNvSpPr>
+          <p:nvPr/>
+        </p:nvSpPr>
+        <p:spPr bwMode="auto">
+          <a:xfrm>
+            <a:off x="0" y="0"/>
+            <a:ext cx="9144000" cy="692150"/>
+          </a:xfrm>
+          <a:prstGeom prst="rect">
+            <a:avLst/>
+          </a:prstGeom>
+          <a:solidFill>
+            <a:srgbClr val="3333FF"/>
+          </a:solidFill>
+          <a:ln>
+            <a:noFill/>
+          </a:ln>
+          <a:effectLst/>
+          <a:extLst>
+            <a:ext uri="{91240B29-F687-4F45-9708-019B960494DF}">
+              <a14:hiddenLine xmlns:a14="http://schemas.microsoft.com/office/drawing/2010/main" w="9525">
+                <a:solidFill>
+                  <a:schemeClr val="tx1"/>
+                </a:solidFill>
+                <a:miter lim="800000"/>
+                <a:headEnd/>
+                <a:tailEnd/>
+              </a14:hiddenLine>
+            </a:ext>
+            <a:ext uri="{AF507438-7753-43E0-B8FC-AC1667EBCBE1}">
+              <a14:hiddenEffects xmlns:a14="http://schemas.microsoft.com/office/drawing/2010/main">
+                <a:effectLst>
+                  <a:outerShdw dist="35921" dir="2700000" algn="ctr" rotWithShape="0">
+                    <a:schemeClr val="bg2"/>
+                  </a:outerShdw>
+                </a:effectLst>
+              </a14:hiddenEffects>
+            </a:ext>
+          </a:extLst>
+        </p:spPr>
+        <p:txBody>
+          <a:bodyPr wrap="none" anchor="ctr"/>
+          <a:lstStyle/>
+          <a:p>
+            <a:pPr algn="ctr"/>
             <a:r>
               <a:rPr lang="en-US" altLang="ko-KR" sz="2800" dirty="0" smtClean="0">
                 <a:solidFill>
@@ -11798,10 +12821,6 @@
               </a:rPr>
               <a:t>, Vol. 12, 1995, pp. 212-219.</a:t>
             </a:r>
-            <a:endParaRPr lang="en-US" altLang="ko-KR" dirty="0" smtClean="0">
-              <a:latin typeface="Times New Roman" panose="02020603050405020304" pitchFamily="18" charset="0"/>
-              <a:cs typeface="Times New Roman" panose="02020603050405020304" pitchFamily="18" charset="0"/>
-            </a:endParaRPr>
           </a:p>
         </p:txBody>
       </p:sp>
@@ -11822,7 +12841,7 @@
           <a:p>
             <a:fld id="{6509A91F-0059-474E-BAEC-65E67593FE25}" type="datetime1">
               <a:rPr lang="ko-KR" altLang="en-US" smtClean="0"/>
-              <a:t>2018-04-26</a:t>
+              <a:t>2018-04-27</a:t>
             </a:fld>
             <a:endParaRPr lang="ko-KR" altLang="en-US"/>
           </a:p>
@@ -11845,7 +12864,7 @@
           <a:p>
             <a:fld id="{8765F8EB-1186-4395-8E70-F957669279DD}" type="slidenum">
               <a:rPr lang="ko-KR" altLang="en-US" smtClean="0"/>
-              <a:t>24</a:t>
+              <a:t>28</a:t>
             </a:fld>
             <a:endParaRPr lang="ko-KR" altLang="en-US"/>
           </a:p>
@@ -12019,7 +13038,7 @@
           <a:p>
             <a:fld id="{F85A177F-6FD3-496B-8A9C-B332CA04E863}" type="datetime1">
               <a:rPr lang="ko-KR" altLang="en-US" smtClean="0"/>
-              <a:t>2018-04-24</a:t>
+              <a:t>2018-04-27</a:t>
             </a:fld>
             <a:endParaRPr lang="ko-KR" altLang="en-US"/>
           </a:p>
@@ -12144,12 +13163,6 @@
               </a:rPr>
               <a:t>1.1 Transparency at Terahertz Frequencies</a:t>
             </a:r>
-            <a:endParaRPr lang="en-US" altLang="ko-KR" sz="2800" dirty="0" smtClean="0">
-              <a:solidFill>
-                <a:schemeClr val="bg1"/>
-              </a:solidFill>
-              <a:latin typeface="Arial" panose="020B0604020202020204" pitchFamily="34" charset="0"/>
-            </a:endParaRPr>
           </a:p>
         </p:txBody>
       </p:sp>
@@ -12170,7 +13183,7 @@
           <a:p>
             <a:fld id="{53646E5C-8775-44A9-9523-40B6CCA06789}" type="datetime1">
               <a:rPr lang="ko-KR" altLang="en-US" smtClean="0"/>
-              <a:t>2018-04-25</a:t>
+              <a:t>2018-04-27</a:t>
             </a:fld>
             <a:endParaRPr lang="ko-KR" altLang="en-US"/>
           </a:p>
@@ -12225,7 +13238,6 @@
               <a:rPr lang="en-US" altLang="ko-KR" sz="2000" dirty="0" smtClean="0"/>
               <a:t>Material absorption at terahertz frequencies arises from several mechanisms</a:t>
             </a:r>
-            <a:endParaRPr lang="en-US" altLang="ko-KR" sz="2000" dirty="0" smtClean="0"/>
           </a:p>
         </p:txBody>
       </p:sp>
@@ -12259,11 +13271,6 @@
               </a:rPr>
               <a:t>Free Carrier Absorption</a:t>
             </a:r>
-            <a:endParaRPr lang="en-US" altLang="ko-KR" sz="2000" dirty="0" smtClean="0">
-              <a:solidFill>
-                <a:srgbClr val="3333FF"/>
-              </a:solidFill>
-            </a:endParaRPr>
           </a:p>
         </p:txBody>
       </p:sp>
@@ -12305,7 +13312,6 @@
               <a:rPr lang="en-US" altLang="ko-KR" sz="2000" dirty="0" smtClean="0"/>
               <a:t> model of carrier transport</a:t>
             </a:r>
-            <a:endParaRPr lang="en-US" altLang="ko-KR" sz="2000" dirty="0" smtClean="0"/>
           </a:p>
         </p:txBody>
       </p:sp>
@@ -12333,8 +13339,8 @@
           </a:prstGeom>
         </p:spPr>
       </p:pic>
-      <mc:AlternateContent xmlns:mc="http://schemas.openxmlformats.org/markup-compatibility/2006">
-        <mc:Choice xmlns:a14="http://schemas.microsoft.com/office/drawing/2010/main" Requires="a14">
+      <mc:AlternateContent xmlns:mc="http://schemas.openxmlformats.org/markup-compatibility/2006" xmlns:a14="http://schemas.microsoft.com/office/drawing/2010/main">
+        <mc:Choice Requires="a14">
           <p:sp>
             <p:nvSpPr>
               <p:cNvPr id="10" name="TextBox 9"/>
@@ -12357,6 +13363,7 @@
               </a:bodyPr>
               <a:lstStyle/>
               <a:p>
+                <a:pPr/>
                 <a14:m>
                   <m:oMathPara xmlns:m="http://schemas.openxmlformats.org/officeDocument/2006/math">
                     <m:oMathParaPr>
@@ -12666,7 +13673,7 @@
             </p:txBody>
           </p:sp>
         </mc:Choice>
-        <mc:Fallback>
+        <mc:Fallback xmlns="">
           <p:sp>
             <p:nvSpPr>
               <p:cNvPr id="10" name="TextBox 9"/>
@@ -12705,8 +13712,8 @@
           </p:sp>
         </mc:Fallback>
       </mc:AlternateContent>
-      <mc:AlternateContent xmlns:mc="http://schemas.openxmlformats.org/markup-compatibility/2006">
-        <mc:Choice xmlns:a14="http://schemas.microsoft.com/office/drawing/2010/main" Requires="a14">
+      <mc:AlternateContent xmlns:mc="http://schemas.openxmlformats.org/markup-compatibility/2006" xmlns:a14="http://schemas.microsoft.com/office/drawing/2010/main">
+        <mc:Choice Requires="a14">
           <p:sp>
             <p:nvSpPr>
               <p:cNvPr id="16" name="TextBox 15"/>
@@ -12729,6 +13736,7 @@
               </a:bodyPr>
               <a:lstStyle/>
               <a:p>
+                <a:pPr/>
                 <a14:m>
                   <m:oMathPara xmlns:m="http://schemas.openxmlformats.org/officeDocument/2006/math">
                     <m:oMathParaPr>
@@ -13064,7 +14072,7 @@
             </p:txBody>
           </p:sp>
         </mc:Choice>
-        <mc:Fallback>
+        <mc:Fallback xmlns="">
           <p:sp>
             <p:nvSpPr>
               <p:cNvPr id="16" name="TextBox 15"/>
@@ -13129,7 +14137,6 @@
               <a:rPr lang="en-US" altLang="ko-KR" sz="1400" dirty="0" smtClean="0"/>
               <a:t>0.1~0.5 THz</a:t>
             </a:r>
-            <a:endParaRPr lang="en-US" altLang="ko-KR" sz="1400" dirty="0" smtClean="0"/>
           </a:p>
         </p:txBody>
       </p:sp>
@@ -13267,12 +14274,6 @@
               </a:rPr>
               <a:t>1.1 Transparency at Terahertz Frequencies</a:t>
             </a:r>
-            <a:endParaRPr lang="en-US" altLang="ko-KR" sz="2800" dirty="0" smtClean="0">
-              <a:solidFill>
-                <a:schemeClr val="bg1"/>
-              </a:solidFill>
-              <a:latin typeface="Arial" panose="020B0604020202020204" pitchFamily="34" charset="0"/>
-            </a:endParaRPr>
           </a:p>
         </p:txBody>
       </p:sp>
@@ -13293,7 +14294,7 @@
           <a:p>
             <a:fld id="{53646E5C-8775-44A9-9523-40B6CCA06789}" type="datetime1">
               <a:rPr lang="ko-KR" altLang="en-US" smtClean="0"/>
-              <a:t>2018-04-24</a:t>
+              <a:t>2018-04-27</a:t>
             </a:fld>
             <a:endParaRPr lang="ko-KR" altLang="en-US"/>
           </a:p>
@@ -13352,11 +14353,6 @@
               </a:rPr>
               <a:t>Absorption by Lattice Modes (Phonons)</a:t>
             </a:r>
-            <a:endParaRPr lang="en-US" altLang="ko-KR" sz="2000" dirty="0" smtClean="0">
-              <a:solidFill>
-                <a:srgbClr val="3333FF"/>
-              </a:solidFill>
-            </a:endParaRPr>
           </a:p>
         </p:txBody>
       </p:sp>
@@ -13394,7 +14390,6 @@
               <a:rPr lang="en-US" altLang="ko-KR" sz="2000" dirty="0" smtClean="0"/>
               <a:t>) of the lattice.</a:t>
             </a:r>
-            <a:endParaRPr lang="en-US" altLang="ko-KR" sz="2000" dirty="0" smtClean="0"/>
           </a:p>
         </p:txBody>
       </p:sp>
@@ -13494,12 +14489,6 @@
               </a:rPr>
               <a:t>1.1 Transparency at Terahertz Frequencies</a:t>
             </a:r>
-            <a:endParaRPr lang="en-US" altLang="ko-KR" sz="2800" dirty="0" smtClean="0">
-              <a:solidFill>
-                <a:schemeClr val="bg1"/>
-              </a:solidFill>
-              <a:latin typeface="Arial" panose="020B0604020202020204" pitchFamily="34" charset="0"/>
-            </a:endParaRPr>
           </a:p>
         </p:txBody>
       </p:sp>
@@ -13520,7 +14509,7 @@
           <a:p>
             <a:fld id="{53646E5C-8775-44A9-9523-40B6CCA06789}" type="datetime1">
               <a:rPr lang="ko-KR" altLang="en-US" smtClean="0"/>
-              <a:t>2018-04-25</a:t>
+              <a:t>2018-04-27</a:t>
             </a:fld>
             <a:endParaRPr lang="ko-KR" altLang="en-US"/>
           </a:p>
@@ -13595,11 +14584,6 @@
               </a:rPr>
               <a:t> in Polar Materials</a:t>
             </a:r>
-            <a:endParaRPr lang="en-US" altLang="ko-KR" sz="2000" dirty="0" smtClean="0">
-              <a:solidFill>
-                <a:srgbClr val="3333FF"/>
-              </a:solidFill>
-            </a:endParaRPr>
           </a:p>
         </p:txBody>
       </p:sp>
@@ -13629,7 +14613,6 @@
               <a:rPr lang="en-US" altLang="ko-KR" sz="2000" dirty="0" smtClean="0"/>
               <a:t>At higher frequencies the diploe motions are impeded by friction in the material, in consequence of which their response is delayed relative to the field, manifesting as absorption.</a:t>
             </a:r>
-            <a:endParaRPr lang="en-US" altLang="ko-KR" sz="2000" dirty="0" smtClean="0"/>
           </a:p>
         </p:txBody>
       </p:sp>
@@ -13753,12 +14736,6 @@
               </a:rPr>
               <a:t>1.1 Transparency at Terahertz Frequencies</a:t>
             </a:r>
-            <a:endParaRPr lang="en-US" altLang="ko-KR" sz="2800" dirty="0" smtClean="0">
-              <a:solidFill>
-                <a:schemeClr val="bg1"/>
-              </a:solidFill>
-              <a:latin typeface="Arial" panose="020B0604020202020204" pitchFamily="34" charset="0"/>
-            </a:endParaRPr>
           </a:p>
         </p:txBody>
       </p:sp>
@@ -13779,7 +14756,7 @@
           <a:p>
             <a:fld id="{53646E5C-8775-44A9-9523-40B6CCA06789}" type="datetime1">
               <a:rPr lang="ko-KR" altLang="en-US" smtClean="0"/>
-              <a:t>2018-04-25</a:t>
+              <a:t>2018-04-27</a:t>
             </a:fld>
             <a:endParaRPr lang="ko-KR" altLang="en-US"/>
           </a:p>
@@ -13880,7 +14857,6 @@
               <a:rPr lang="en-US" altLang="ko-KR" sz="2000" dirty="0" smtClean="0"/>
               <a:t>Medium- and long-range microscopic disorder in amorphous materials gives rise to absorption by coupling terahertz radiation into the acoustic phonon modes.</a:t>
             </a:r>
-            <a:endParaRPr lang="en-US" altLang="ko-KR" sz="2000" dirty="0" smtClean="0"/>
           </a:p>
         </p:txBody>
       </p:sp>
@@ -14004,12 +14980,6 @@
               </a:rPr>
               <a:t>1.2 Inorganic Crystals for Terahertz Optics</a:t>
             </a:r>
-            <a:endParaRPr lang="en-US" altLang="ko-KR" sz="2800" dirty="0" smtClean="0">
-              <a:solidFill>
-                <a:schemeClr val="bg1"/>
-              </a:solidFill>
-              <a:latin typeface="Arial" panose="020B0604020202020204" pitchFamily="34" charset="0"/>
-            </a:endParaRPr>
           </a:p>
         </p:txBody>
       </p:sp>
@@ -14030,7 +15000,7 @@
           <a:p>
             <a:fld id="{53646E5C-8775-44A9-9523-40B6CCA06789}" type="datetime1">
               <a:rPr lang="ko-KR" altLang="en-US" smtClean="0"/>
-              <a:t>2018-04-25</a:t>
+              <a:t>2018-04-27</a:t>
             </a:fld>
             <a:endParaRPr lang="ko-KR" altLang="en-US"/>
           </a:p>
@@ -14089,11 +15059,6 @@
               </a:rPr>
               <a:t>Silicon</a:t>
             </a:r>
-            <a:endParaRPr lang="en-US" altLang="ko-KR" sz="2000" dirty="0" smtClean="0">
-              <a:solidFill>
-                <a:srgbClr val="3333FF"/>
-              </a:solidFill>
-            </a:endParaRPr>
           </a:p>
         </p:txBody>
       </p:sp>
@@ -14236,11 +15201,6 @@
               </a:rPr>
               <a:t>Germanium</a:t>
             </a:r>
-            <a:endParaRPr lang="en-US" altLang="ko-KR" sz="2000" dirty="0" smtClean="0">
-              <a:solidFill>
-                <a:srgbClr val="3333FF"/>
-              </a:solidFill>
-            </a:endParaRPr>
           </a:p>
         </p:txBody>
       </p:sp>
@@ -14451,12 +15411,6 @@
               </a:rPr>
               <a:t>1.2 Inorganic Crystals for Terahertz Optics</a:t>
             </a:r>
-            <a:endParaRPr lang="en-US" altLang="ko-KR" sz="2800" dirty="0" smtClean="0">
-              <a:solidFill>
-                <a:schemeClr val="bg1"/>
-              </a:solidFill>
-              <a:latin typeface="Arial" panose="020B0604020202020204" pitchFamily="34" charset="0"/>
-            </a:endParaRPr>
           </a:p>
         </p:txBody>
       </p:sp>
@@ -14477,7 +15431,7 @@
           <a:p>
             <a:fld id="{53646E5C-8775-44A9-9523-40B6CCA06789}" type="datetime1">
               <a:rPr lang="ko-KR" altLang="en-US" smtClean="0"/>
-              <a:t>2018-04-25</a:t>
+              <a:t>2018-04-27</a:t>
             </a:fld>
             <a:endParaRPr lang="ko-KR" altLang="en-US"/>
           </a:p>
@@ -14552,11 +15506,6 @@
               </a:rPr>
               <a:t>)</a:t>
             </a:r>
-            <a:endParaRPr lang="en-US" altLang="ko-KR" sz="2000" dirty="0" smtClean="0">
-              <a:solidFill>
-                <a:srgbClr val="3333FF"/>
-              </a:solidFill>
-            </a:endParaRPr>
           </a:p>
         </p:txBody>
       </p:sp>
@@ -14654,11 +15603,6 @@
               </a:rPr>
               <a:t>)</a:t>
             </a:r>
-            <a:endParaRPr lang="en-US" altLang="ko-KR" sz="2000" dirty="0" smtClean="0">
-              <a:solidFill>
-                <a:srgbClr val="3333FF"/>
-              </a:solidFill>
-            </a:endParaRPr>
           </a:p>
         </p:txBody>
       </p:sp>

--- a/Terahertz Metrology/Ch8/Terahertz Metrology_Ch8.pptx
+++ b/Terahertz Metrology/Ch8/Terahertz Metrology_Ch8.pptx
@@ -5,7 +5,7 @@
     <p:sldMasterId id="2147483660" r:id="rId1"/>
   </p:sldMasterIdLst>
   <p:notesMasterIdLst>
-    <p:notesMasterId r:id="rId30"/>
+    <p:notesMasterId r:id="rId31"/>
   </p:notesMasterIdLst>
   <p:sldIdLst>
     <p:sldId id="258" r:id="rId2"/>
@@ -35,7 +35,8 @@
     <p:sldId id="303" r:id="rId26"/>
     <p:sldId id="304" r:id="rId27"/>
     <p:sldId id="305" r:id="rId28"/>
-    <p:sldId id="275" r:id="rId29"/>
+    <p:sldId id="306" r:id="rId29"/>
+    <p:sldId id="275" r:id="rId30"/>
   </p:sldIdLst>
   <p:sldSz cx="9144000" cy="6858000" type="screen4x3"/>
   <p:notesSz cx="6735763" cy="9866313"/>
@@ -224,7 +225,7 @@
           <a:p>
             <a:fld id="{A9D6DECA-6E4E-4D09-9277-E151A2E3F74C}" type="datetimeFigureOut">
               <a:rPr lang="ko-KR" altLang="en-US" smtClean="0"/>
-              <a:t>2018-04-27</a:t>
+              <a:t>2018-04-29</a:t>
             </a:fld>
             <a:endParaRPr lang="ko-KR" altLang="en-US"/>
           </a:p>
@@ -2246,6 +2247,90 @@
     </p:spTree>
     <p:extLst>
       <p:ext uri="{BB962C8B-B14F-4D97-AF65-F5344CB8AC3E}">
+        <p14:creationId xmlns:p14="http://schemas.microsoft.com/office/powerpoint/2010/main" val="3030299865"/>
+      </p:ext>
+    </p:extLst>
+  </p:cSld>
+  <p:clrMapOvr>
+    <a:masterClrMapping/>
+  </p:clrMapOvr>
+</p:notes>
+</file>
+
+<file path=ppt/notesSlides/notesSlide29.xml><?xml version="1.0" encoding="utf-8"?>
+<p:notes xmlns:a="http://schemas.openxmlformats.org/drawingml/2006/main" xmlns:r="http://schemas.openxmlformats.org/officeDocument/2006/relationships" xmlns:p="http://schemas.openxmlformats.org/presentationml/2006/main">
+  <p:cSld>
+    <p:spTree>
+      <p:nvGrpSpPr>
+        <p:cNvPr id="1" name=""/>
+        <p:cNvGrpSpPr/>
+        <p:nvPr/>
+      </p:nvGrpSpPr>
+      <p:grpSpPr>
+        <a:xfrm>
+          <a:off x="0" y="0"/>
+          <a:ext cx="0" cy="0"/>
+          <a:chOff x="0" y="0"/>
+          <a:chExt cx="0" cy="0"/>
+        </a:xfrm>
+      </p:grpSpPr>
+      <p:sp>
+        <p:nvSpPr>
+          <p:cNvPr id="2" name="슬라이드 이미지 개체 틀 1"/>
+          <p:cNvSpPr>
+            <a:spLocks noGrp="1" noRot="1" noChangeAspect="1"/>
+          </p:cNvSpPr>
+          <p:nvPr>
+            <p:ph type="sldImg"/>
+          </p:nvPr>
+        </p:nvSpPr>
+        <p:spPr/>
+      </p:sp>
+      <p:sp>
+        <p:nvSpPr>
+          <p:cNvPr id="3" name="슬라이드 노트 개체 틀 2"/>
+          <p:cNvSpPr>
+            <a:spLocks noGrp="1"/>
+          </p:cNvSpPr>
+          <p:nvPr>
+            <p:ph type="body" idx="1"/>
+          </p:nvPr>
+        </p:nvSpPr>
+        <p:spPr/>
+        <p:txBody>
+          <a:bodyPr/>
+          <a:lstStyle/>
+          <a:p>
+            <a:endParaRPr lang="ko-KR" altLang="en-US"/>
+          </a:p>
+        </p:txBody>
+      </p:sp>
+      <p:sp>
+        <p:nvSpPr>
+          <p:cNvPr id="4" name="슬라이드 번호 개체 틀 3"/>
+          <p:cNvSpPr>
+            <a:spLocks noGrp="1"/>
+          </p:cNvSpPr>
+          <p:nvPr>
+            <p:ph type="sldNum" sz="quarter" idx="10"/>
+          </p:nvPr>
+        </p:nvSpPr>
+        <p:spPr/>
+        <p:txBody>
+          <a:bodyPr/>
+          <a:lstStyle/>
+          <a:p>
+            <a:fld id="{6D0ABE42-EEBB-47F0-BC6E-2BB25FA03CFE}" type="slidenum">
+              <a:rPr lang="ko-KR" altLang="en-US" smtClean="0"/>
+              <a:t>29</a:t>
+            </a:fld>
+            <a:endParaRPr lang="ko-KR" altLang="en-US"/>
+          </a:p>
+        </p:txBody>
+      </p:sp>
+    </p:spTree>
+    <p:extLst>
+      <p:ext uri="{BB962C8B-B14F-4D97-AF65-F5344CB8AC3E}">
         <p14:creationId xmlns:p14="http://schemas.microsoft.com/office/powerpoint/2010/main" val="1671263539"/>
       </p:ext>
     </p:extLst>
@@ -2975,7 +3060,7 @@
           <a:p>
             <a:fld id="{78E89258-A40F-4400-BA1A-638141289729}" type="datetime1">
               <a:rPr lang="ko-KR" altLang="en-US" smtClean="0"/>
-              <a:t>2018-04-27</a:t>
+              <a:t>2018-04-29</a:t>
             </a:fld>
             <a:endParaRPr lang="ko-KR" altLang="en-US"/>
           </a:p>
@@ -3152,7 +3237,7 @@
           <a:p>
             <a:fld id="{CD116CEF-802E-43F7-8932-78519DF2A264}" type="datetime1">
               <a:rPr lang="ko-KR" altLang="en-US" smtClean="0"/>
-              <a:t>2018-04-27</a:t>
+              <a:t>2018-04-29</a:t>
             </a:fld>
             <a:endParaRPr lang="ko-KR" altLang="en-US"/>
           </a:p>
@@ -3332,7 +3417,7 @@
           <a:p>
             <a:fld id="{EFD9D7C3-1982-427D-BFA7-1AF9687AAB0F}" type="datetime1">
               <a:rPr lang="ko-KR" altLang="en-US" smtClean="0"/>
-              <a:t>2018-04-27</a:t>
+              <a:t>2018-04-29</a:t>
             </a:fld>
             <a:endParaRPr lang="ko-KR" altLang="en-US"/>
           </a:p>
@@ -3502,7 +3587,7 @@
           <a:p>
             <a:fld id="{EDD93E7F-B437-40E5-8ACB-B79696783EFA}" type="datetime1">
               <a:rPr lang="ko-KR" altLang="en-US" smtClean="0"/>
-              <a:t>2018-04-27</a:t>
+              <a:t>2018-04-29</a:t>
             </a:fld>
             <a:endParaRPr lang="ko-KR" altLang="en-US"/>
           </a:p>
@@ -3746,7 +3831,7 @@
           <a:p>
             <a:fld id="{DB249950-0BD4-4F6E-BE3F-CB53B7E2FD06}" type="datetime1">
               <a:rPr lang="ko-KR" altLang="en-US" smtClean="0"/>
-              <a:t>2018-04-27</a:t>
+              <a:t>2018-04-29</a:t>
             </a:fld>
             <a:endParaRPr lang="ko-KR" altLang="en-US"/>
           </a:p>
@@ -3978,7 +4063,7 @@
           <a:p>
             <a:fld id="{7B016D7E-32C0-4DB3-B6B3-0506A62840FB}" type="datetime1">
               <a:rPr lang="ko-KR" altLang="en-US" smtClean="0"/>
-              <a:t>2018-04-27</a:t>
+              <a:t>2018-04-29</a:t>
             </a:fld>
             <a:endParaRPr lang="ko-KR" altLang="en-US"/>
           </a:p>
@@ -4345,7 +4430,7 @@
           <a:p>
             <a:fld id="{B246672D-B3FD-4B2E-92C0-4A80DA670927}" type="datetime1">
               <a:rPr lang="ko-KR" altLang="en-US" smtClean="0"/>
-              <a:t>2018-04-27</a:t>
+              <a:t>2018-04-29</a:t>
             </a:fld>
             <a:endParaRPr lang="ko-KR" altLang="en-US"/>
           </a:p>
@@ -4463,7 +4548,7 @@
           <a:p>
             <a:fld id="{9B9B7D2E-B202-4D7A-9519-0C490A04EB9C}" type="datetime1">
               <a:rPr lang="ko-KR" altLang="en-US" smtClean="0"/>
-              <a:t>2018-04-27</a:t>
+              <a:t>2018-04-29</a:t>
             </a:fld>
             <a:endParaRPr lang="ko-KR" altLang="en-US"/>
           </a:p>
@@ -4558,7 +4643,7 @@
           <a:p>
             <a:fld id="{12FB9327-987E-47D6-AE2D-63CED8A79494}" type="datetime1">
               <a:rPr lang="ko-KR" altLang="en-US" smtClean="0"/>
-              <a:t>2018-04-27</a:t>
+              <a:t>2018-04-29</a:t>
             </a:fld>
             <a:endParaRPr lang="ko-KR" altLang="en-US"/>
           </a:p>
@@ -4835,7 +4920,7 @@
           <a:p>
             <a:fld id="{D8D87011-7294-4632-A156-4F695AB9E41C}" type="datetime1">
               <a:rPr lang="ko-KR" altLang="en-US" smtClean="0"/>
-              <a:t>2018-04-27</a:t>
+              <a:t>2018-04-29</a:t>
             </a:fld>
             <a:endParaRPr lang="ko-KR" altLang="en-US"/>
           </a:p>
@@ -5092,7 +5177,7 @@
           <a:p>
             <a:fld id="{1BDC7FDB-72DE-4D65-AF4F-510496DAF70F}" type="datetime1">
               <a:rPr lang="ko-KR" altLang="en-US" smtClean="0"/>
-              <a:t>2018-04-27</a:t>
+              <a:t>2018-04-29</a:t>
             </a:fld>
             <a:endParaRPr lang="ko-KR" altLang="en-US"/>
           </a:p>
@@ -5305,7 +5390,7 @@
           <a:p>
             <a:fld id="{9A286DBF-DB43-470A-A903-26374CB6EF47}" type="datetime1">
               <a:rPr lang="ko-KR" altLang="en-US" smtClean="0"/>
-              <a:t>2018-04-27</a:t>
+              <a:t>2018-04-29</a:t>
             </a:fld>
             <a:endParaRPr lang="ko-KR" altLang="en-US"/>
           </a:p>
@@ -5904,7 +5989,7 @@
           <a:p>
             <a:fld id="{32C03489-23FC-4021-B9AB-958EFB3C0FE7}" type="datetime1">
               <a:rPr lang="ko-KR" altLang="en-US" smtClean="0"/>
-              <a:t>2018-04-27</a:t>
+              <a:t>2018-04-29</a:t>
             </a:fld>
             <a:endParaRPr lang="ko-KR" altLang="en-US"/>
           </a:p>
@@ -6049,7 +6134,7 @@
           <a:p>
             <a:fld id="{53646E5C-8775-44A9-9523-40B6CCA06789}" type="datetime1">
               <a:rPr lang="ko-KR" altLang="en-US" smtClean="0"/>
-              <a:t>2018-04-27</a:t>
+              <a:t>2018-04-29</a:t>
             </a:fld>
             <a:endParaRPr lang="ko-KR" altLang="en-US"/>
           </a:p>
@@ -6431,7 +6516,7 @@
           <a:p>
             <a:fld id="{53646E5C-8775-44A9-9523-40B6CCA06789}" type="datetime1">
               <a:rPr lang="ko-KR" altLang="en-US" smtClean="0"/>
-              <a:t>2018-04-27</a:t>
+              <a:t>2018-04-29</a:t>
             </a:fld>
             <a:endParaRPr lang="ko-KR" altLang="en-US"/>
           </a:p>
@@ -6661,7 +6746,7 @@
           <a:p>
             <a:fld id="{F85A177F-6FD3-496B-8A9C-B332CA04E863}" type="datetime1">
               <a:rPr lang="ko-KR" altLang="en-US" smtClean="0"/>
-              <a:t>2018-04-27</a:t>
+              <a:t>2018-04-29</a:t>
             </a:fld>
             <a:endParaRPr lang="ko-KR" altLang="en-US"/>
           </a:p>
@@ -6821,7 +6906,7 @@
           <a:p>
             <a:fld id="{53646E5C-8775-44A9-9523-40B6CCA06789}" type="datetime1">
               <a:rPr lang="ko-KR" altLang="en-US" smtClean="0"/>
-              <a:t>2018-04-27</a:t>
+              <a:t>2018-04-29</a:t>
             </a:fld>
             <a:endParaRPr lang="ko-KR" altLang="en-US"/>
           </a:p>
@@ -7440,7 +7525,7 @@
           <a:p>
             <a:fld id="{53646E5C-8775-44A9-9523-40B6CCA06789}" type="datetime1">
               <a:rPr lang="ko-KR" altLang="en-US" smtClean="0"/>
-              <a:t>2018-04-27</a:t>
+              <a:t>2018-04-29</a:t>
             </a:fld>
             <a:endParaRPr lang="ko-KR" altLang="en-US"/>
           </a:p>
@@ -7892,7 +7977,7 @@
           <a:p>
             <a:fld id="{F85A177F-6FD3-496B-8A9C-B332CA04E863}" type="datetime1">
               <a:rPr lang="ko-KR" altLang="en-US" smtClean="0"/>
-              <a:t>2018-04-27</a:t>
+              <a:t>2018-04-29</a:t>
             </a:fld>
             <a:endParaRPr lang="ko-KR" altLang="en-US"/>
           </a:p>
@@ -8037,7 +8122,7 @@
           <a:p>
             <a:fld id="{53646E5C-8775-44A9-9523-40B6CCA06789}" type="datetime1">
               <a:rPr lang="ko-KR" altLang="en-US" smtClean="0"/>
-              <a:t>2018-04-27</a:t>
+              <a:t>2018-04-29</a:t>
             </a:fld>
             <a:endParaRPr lang="ko-KR" altLang="en-US"/>
           </a:p>
@@ -8093,8 +8178,8 @@
               <a:t>Radiation in the terahertz band has wavelength that are comparable to the sixe of the optical </a:t>
             </a:r>
             <a:r>
-              <a:rPr lang="en-US" altLang="ko-KR" sz="2000" dirty="0" err="1" smtClean="0"/>
-              <a:t>ccomponents</a:t>
+              <a:rPr lang="en-US" altLang="ko-KR" sz="2000" dirty="0" smtClean="0"/>
+              <a:t>components</a:t>
             </a:r>
             <a:r>
               <a:rPr lang="en-US" altLang="ko-KR" sz="2000" dirty="0" smtClean="0"/>
@@ -9540,7 +9625,7 @@
           <a:p>
             <a:fld id="{F85A177F-6FD3-496B-8A9C-B332CA04E863}" type="datetime1">
               <a:rPr lang="ko-KR" altLang="en-US" smtClean="0"/>
-              <a:t>2018-04-27</a:t>
+              <a:t>2018-04-29</a:t>
             </a:fld>
             <a:endParaRPr lang="ko-KR" altLang="en-US"/>
           </a:p>
@@ -9685,7 +9770,7 @@
           <a:p>
             <a:fld id="{53646E5C-8775-44A9-9523-40B6CCA06789}" type="datetime1">
               <a:rPr lang="ko-KR" altLang="en-US" smtClean="0"/>
-              <a:t>2018-04-27</a:t>
+              <a:t>2018-04-29</a:t>
             </a:fld>
             <a:endParaRPr lang="ko-KR" altLang="en-US"/>
           </a:p>
@@ -9738,15 +9823,7 @@
           <a:p>
             <a:r>
               <a:rPr lang="en-US" altLang="ko-KR" sz="2000" dirty="0" smtClean="0"/>
-              <a:t>It is often necessary to combine visible and terahertz beams so that they </a:t>
-            </a:r>
-            <a:r>
-              <a:rPr lang="en-US" altLang="ko-KR" sz="2000" dirty="0" err="1" smtClean="0"/>
-              <a:t>copropagate</a:t>
-            </a:r>
-            <a:r>
-              <a:rPr lang="en-US" altLang="ko-KR" sz="2000" dirty="0" smtClean="0"/>
-              <a:t>, or to remove or redirect one of the beams</a:t>
+              <a:t>It is often necessary to combine visible and terahertz beams so that they copropagate, or to remove or redirect one of the beams</a:t>
             </a:r>
           </a:p>
         </p:txBody>
@@ -10110,7 +10187,7 @@
           <a:p>
             <a:fld id="{53646E5C-8775-44A9-9523-40B6CCA06789}" type="datetime1">
               <a:rPr lang="ko-KR" altLang="en-US" smtClean="0"/>
-              <a:t>2018-04-27</a:t>
+              <a:t>2018-04-29</a:t>
             </a:fld>
             <a:endParaRPr lang="ko-KR" altLang="en-US"/>
           </a:p>
@@ -10650,7 +10727,7 @@
           <a:p>
             <a:fld id="{D71C2118-E1AA-468B-9259-8864ED518988}" type="datetime1">
               <a:rPr lang="ko-KR" altLang="en-US" smtClean="0"/>
-              <a:t>2018-04-27</a:t>
+              <a:t>2018-04-29</a:t>
             </a:fld>
             <a:endParaRPr lang="ko-KR" altLang="en-US"/>
           </a:p>
@@ -10795,7 +10872,7 @@
           <a:p>
             <a:fld id="{53646E5C-8775-44A9-9523-40B6CCA06789}" type="datetime1">
               <a:rPr lang="ko-KR" altLang="en-US" smtClean="0"/>
-              <a:t>2018-04-27</a:t>
+              <a:t>2018-04-29</a:t>
             </a:fld>
             <a:endParaRPr lang="ko-KR" altLang="en-US"/>
           </a:p>
@@ -10850,6 +10927,345 @@
               <a:rPr lang="en-US" altLang="ko-KR" sz="2000" dirty="0" smtClean="0"/>
               <a:t>Visible transparent conductive coatings can act as reflective surfaces for terahertz radiation.</a:t>
             </a:r>
+          </a:p>
+        </p:txBody>
+      </p:sp>
+      <p:sp>
+        <p:nvSpPr>
+          <p:cNvPr id="6" name="TextBox 5"/>
+          <p:cNvSpPr txBox="1"/>
+          <p:nvPr/>
+        </p:nvSpPr>
+        <p:spPr>
+          <a:xfrm>
+            <a:off x="720969" y="5291357"/>
+            <a:ext cx="7794381" cy="707886"/>
+          </a:xfrm>
+          <a:prstGeom prst="rect">
+            <a:avLst/>
+          </a:prstGeom>
+          <a:noFill/>
+        </p:spPr>
+        <p:txBody>
+          <a:bodyPr wrap="square" rtlCol="0">
+            <a:spAutoFit/>
+          </a:bodyPr>
+          <a:lstStyle/>
+          <a:p>
+            <a:r>
+              <a:rPr lang="en-US" altLang="ko-KR" sz="2000" dirty="0" smtClean="0"/>
+              <a:t>One of the best-known transparent conductors that has been studied and used as a terahertz reflector is indium-tin-oxide (</a:t>
+            </a:r>
+            <a:r>
+              <a:rPr lang="en-US" altLang="ko-KR" sz="2000" dirty="0" smtClean="0"/>
+              <a:t>ITO)</a:t>
+            </a:r>
+            <a:endParaRPr lang="en-US" altLang="ko-KR" sz="2000" dirty="0" smtClean="0"/>
+          </a:p>
+        </p:txBody>
+      </p:sp>
+      <p:pic>
+        <p:nvPicPr>
+          <p:cNvPr id="7" name="그림 6"/>
+          <p:cNvPicPr>
+            <a:picLocks noChangeAspect="1"/>
+          </p:cNvPicPr>
+          <p:nvPr/>
+        </p:nvPicPr>
+        <p:blipFill>
+          <a:blip r:embed="rId3"/>
+          <a:stretch>
+            <a:fillRect/>
+          </a:stretch>
+        </p:blipFill>
+        <p:spPr>
+          <a:xfrm>
+            <a:off x="2937909" y="1615788"/>
+            <a:ext cx="3360499" cy="2499350"/>
+          </a:xfrm>
+          <a:prstGeom prst="rect">
+            <a:avLst/>
+          </a:prstGeom>
+        </p:spPr>
+      </p:pic>
+      <p:cxnSp>
+        <p:nvCxnSpPr>
+          <p:cNvPr id="9" name="직선 화살표 연결선 8"/>
+          <p:cNvCxnSpPr/>
+          <p:nvPr/>
+        </p:nvCxnSpPr>
+        <p:spPr>
+          <a:xfrm flipH="1">
+            <a:off x="3157728" y="1461900"/>
+            <a:ext cx="2498930" cy="369640"/>
+          </a:xfrm>
+          <a:prstGeom prst="straightConnector1">
+            <a:avLst/>
+          </a:prstGeom>
+          <a:ln>
+            <a:solidFill>
+              <a:srgbClr val="FF0000"/>
+            </a:solidFill>
+            <a:tailEnd type="triangle"/>
+          </a:ln>
+        </p:spPr>
+        <p:style>
+          <a:lnRef idx="3">
+            <a:schemeClr val="accent2"/>
+          </a:lnRef>
+          <a:fillRef idx="0">
+            <a:schemeClr val="accent2"/>
+          </a:fillRef>
+          <a:effectRef idx="2">
+            <a:schemeClr val="accent2"/>
+          </a:effectRef>
+          <a:fontRef idx="minor">
+            <a:schemeClr val="tx1"/>
+          </a:fontRef>
+        </p:style>
+      </p:cxnSp>
+      <mc:AlternateContent xmlns:mc="http://schemas.openxmlformats.org/markup-compatibility/2006">
+        <mc:Choice xmlns:a14="http://schemas.microsoft.com/office/drawing/2010/main" Requires="a14">
+          <p:sp>
+            <p:nvSpPr>
+              <p:cNvPr id="3" name="TextBox 2"/>
+              <p:cNvSpPr txBox="1"/>
+              <p:nvPr/>
+            </p:nvSpPr>
+            <p:spPr>
+              <a:xfrm>
+                <a:off x="5656658" y="1290633"/>
+                <a:ext cx="989951" cy="276999"/>
+              </a:xfrm>
+              <a:prstGeom prst="rect">
+                <a:avLst/>
+              </a:prstGeom>
+              <a:noFill/>
+            </p:spPr>
+            <p:txBody>
+              <a:bodyPr wrap="none" lIns="0" tIns="0" rIns="0" bIns="0" rtlCol="0">
+                <a:spAutoFit/>
+              </a:bodyPr>
+              <a:lstStyle/>
+              <a:p>
+                <a14:m>
+                  <m:oMathPara xmlns:m="http://schemas.openxmlformats.org/officeDocument/2006/math">
+                    <m:oMathParaPr>
+                      <m:jc m:val="centerGroup"/>
+                    </m:oMathParaPr>
+                    <m:oMath xmlns:m="http://schemas.openxmlformats.org/officeDocument/2006/math">
+                      <m:r>
+                        <a:rPr lang="en-US" altLang="ko-KR" b="0" i="1" smtClean="0">
+                          <a:latin typeface="Cambria Math" panose="02040503050406030204" pitchFamily="18" charset="0"/>
+                        </a:rPr>
+                        <m:t>𝜔</m:t>
+                      </m:r>
+                      <m:sSub>
+                        <m:sSubPr>
+                          <m:ctrlPr>
+                            <a:rPr lang="en-US" altLang="ko-KR" b="0" i="1" smtClean="0">
+                              <a:latin typeface="Cambria Math" panose="02040503050406030204" pitchFamily="18" charset="0"/>
+                            </a:rPr>
+                          </m:ctrlPr>
+                        </m:sSubPr>
+                        <m:e>
+                          <m:r>
+                            <a:rPr lang="en-US" altLang="ko-KR" b="0" i="1" smtClean="0">
+                              <a:latin typeface="Cambria Math" panose="02040503050406030204" pitchFamily="18" charset="0"/>
+                            </a:rPr>
+                            <m:t>𝜏</m:t>
+                          </m:r>
+                        </m:e>
+                        <m:sub>
+                          <m:r>
+                            <a:rPr lang="en-US" altLang="ko-KR" b="0" i="1" smtClean="0">
+                              <a:latin typeface="Cambria Math" panose="02040503050406030204" pitchFamily="18" charset="0"/>
+                            </a:rPr>
+                            <m:t>𝑐</m:t>
+                          </m:r>
+                        </m:sub>
+                      </m:sSub>
+                      <m:r>
+                        <a:rPr lang="en-US" altLang="ko-KR" b="0" i="1" smtClean="0">
+                          <a:latin typeface="Cambria Math" panose="02040503050406030204" pitchFamily="18" charset="0"/>
+                          <a:ea typeface="Cambria Math" panose="02040503050406030204" pitchFamily="18" charset="0"/>
+                        </a:rPr>
+                        <m:t>≪</m:t>
+                      </m:r>
+                      <m:sSub>
+                        <m:sSubPr>
+                          <m:ctrlPr>
+                            <a:rPr lang="en-US" altLang="ko-KR" b="0" i="1" smtClean="0">
+                              <a:latin typeface="Cambria Math" panose="02040503050406030204" pitchFamily="18" charset="0"/>
+                              <a:ea typeface="Cambria Math" panose="02040503050406030204" pitchFamily="18" charset="0"/>
+                            </a:rPr>
+                          </m:ctrlPr>
+                        </m:sSubPr>
+                        <m:e>
+                          <m:r>
+                            <a:rPr lang="en-US" altLang="ko-KR" b="0" i="1" smtClean="0">
+                              <a:latin typeface="Cambria Math" panose="02040503050406030204" pitchFamily="18" charset="0"/>
+                              <a:ea typeface="Cambria Math" panose="02040503050406030204" pitchFamily="18" charset="0"/>
+                            </a:rPr>
+                            <m:t>𝜎</m:t>
+                          </m:r>
+                        </m:e>
+                        <m:sub>
+                          <m:r>
+                            <a:rPr lang="en-US" altLang="ko-KR" b="0" i="1" smtClean="0">
+                              <a:latin typeface="Cambria Math" panose="02040503050406030204" pitchFamily="18" charset="0"/>
+                              <a:ea typeface="Cambria Math" panose="02040503050406030204" pitchFamily="18" charset="0"/>
+                            </a:rPr>
+                            <m:t>0</m:t>
+                          </m:r>
+                        </m:sub>
+                      </m:sSub>
+                    </m:oMath>
+                  </m:oMathPara>
+                </a14:m>
+                <a:endParaRPr lang="ko-KR" altLang="en-US" dirty="0"/>
+              </a:p>
+            </p:txBody>
+          </p:sp>
+        </mc:Choice>
+        <mc:Fallback>
+          <p:sp>
+            <p:nvSpPr>
+              <p:cNvPr id="3" name="TextBox 2"/>
+              <p:cNvSpPr txBox="1">
+                <a:spLocks noRot="1" noChangeAspect="1" noMove="1" noResize="1" noEditPoints="1" noAdjustHandles="1" noChangeArrowheads="1" noChangeShapeType="1" noTextEdit="1"/>
+              </p:cNvSpPr>
+              <p:nvPr/>
+            </p:nvSpPr>
+            <p:spPr>
+              <a:xfrm>
+                <a:off x="5656658" y="1290633"/>
+                <a:ext cx="989951" cy="276999"/>
+              </a:xfrm>
+              <a:prstGeom prst="rect">
+                <a:avLst/>
+              </a:prstGeom>
+              <a:blipFill>
+                <a:blip r:embed="rId4"/>
+                <a:stretch>
+                  <a:fillRect l="-3086" r="-1235" b="-15556"/>
+                </a:stretch>
+              </a:blipFill>
+            </p:spPr>
+            <p:txBody>
+              <a:bodyPr/>
+              <a:lstStyle/>
+              <a:p>
+                <a:r>
+                  <a:rPr lang="ko-KR" altLang="en-US">
+                    <a:noFill/>
+                  </a:rPr>
+                  <a:t> </a:t>
+                </a:r>
+              </a:p>
+            </p:txBody>
+          </p:sp>
+        </mc:Fallback>
+      </mc:AlternateContent>
+      <p:sp>
+        <p:nvSpPr>
+          <p:cNvPr id="12" name="TextBox 11"/>
+          <p:cNvSpPr txBox="1"/>
+          <p:nvPr/>
+        </p:nvSpPr>
+        <p:spPr>
+          <a:xfrm>
+            <a:off x="720969" y="4108624"/>
+            <a:ext cx="7794381" cy="1015663"/>
+          </a:xfrm>
+          <a:prstGeom prst="rect">
+            <a:avLst/>
+          </a:prstGeom>
+          <a:noFill/>
+        </p:spPr>
+        <p:txBody>
+          <a:bodyPr wrap="square" rtlCol="0">
+            <a:spAutoFit/>
+          </a:bodyPr>
+          <a:lstStyle/>
+          <a:p>
+            <a:r>
+              <a:rPr lang="en-US" altLang="ko-KR" sz="2000" dirty="0"/>
+              <a:t>In metals relaxation times </a:t>
+            </a:r>
+            <a:r>
+              <a:rPr lang="en-US" altLang="ko-KR" sz="2000" dirty="0" smtClean="0"/>
+              <a:t>(10</a:t>
+            </a:r>
+            <a:r>
+              <a:rPr lang="en-US" altLang="ko-KR" sz="2000" baseline="30000" dirty="0" smtClean="0"/>
+              <a:t>–18</a:t>
+            </a:r>
+            <a:r>
+              <a:rPr lang="en-US" altLang="ko-KR" sz="2000" dirty="0" smtClean="0"/>
+              <a:t> s) </a:t>
+            </a:r>
+            <a:r>
+              <a:rPr lang="en-US" altLang="ko-KR" sz="2000" dirty="0" smtClean="0">
+                <a:sym typeface="Wingdings" panose="05000000000000000000" pitchFamily="2" charset="2"/>
+              </a:rPr>
+              <a:t> </a:t>
+            </a:r>
+            <a:r>
+              <a:rPr lang="en-US" altLang="ko-KR" sz="2000" dirty="0" smtClean="0"/>
+              <a:t>ultraviolet.</a:t>
+            </a:r>
+          </a:p>
+          <a:p>
+            <a:r>
+              <a:rPr lang="en-US" altLang="ko-KR" sz="2000" dirty="0" smtClean="0"/>
+              <a:t>In </a:t>
+            </a:r>
+            <a:r>
+              <a:rPr lang="en-US" altLang="ko-KR" sz="2000" dirty="0"/>
+              <a:t>transparent </a:t>
+            </a:r>
+            <a:r>
+              <a:rPr lang="en-US" altLang="ko-KR" sz="2000" dirty="0" smtClean="0"/>
+              <a:t>conductors relaxation times(10</a:t>
+            </a:r>
+            <a:r>
+              <a:rPr lang="en-US" altLang="ko-KR" sz="2000" baseline="30000" dirty="0" smtClean="0"/>
+              <a:t>–14</a:t>
+            </a:r>
+            <a:r>
+              <a:rPr lang="en-US" altLang="ko-KR" sz="2000" dirty="0" smtClean="0"/>
+              <a:t> s) </a:t>
+            </a:r>
+            <a:r>
+              <a:rPr lang="en-US" altLang="ko-KR" sz="2000" dirty="0" smtClean="0">
+                <a:sym typeface="Wingdings" panose="05000000000000000000" pitchFamily="2" charset="2"/>
+              </a:rPr>
+              <a:t></a:t>
+            </a:r>
+            <a:r>
+              <a:rPr lang="en-US" altLang="ko-KR" sz="2000" dirty="0" smtClean="0"/>
+              <a:t> terahertz</a:t>
+            </a:r>
+          </a:p>
+          <a:p>
+            <a:r>
+              <a:rPr lang="en-US" altLang="ko-KR" sz="2000" dirty="0"/>
+              <a:t>&amp;</a:t>
+            </a:r>
+            <a:r>
+              <a:rPr lang="en-US" altLang="ko-KR" sz="2000" dirty="0" smtClean="0"/>
+              <a:t>reflectivity </a:t>
+            </a:r>
+            <a:r>
+              <a:rPr lang="en-US" altLang="ko-KR" sz="2000" dirty="0"/>
+              <a:t>decreases steeply in </a:t>
+            </a:r>
+            <a:r>
+              <a:rPr lang="en-US" altLang="ko-KR" sz="2000" dirty="0" smtClean="0"/>
+              <a:t>the visible</a:t>
+            </a:r>
+            <a:endParaRPr lang="en-US" altLang="ko-KR" sz="2000" dirty="0" smtClean="0"/>
           </a:p>
         </p:txBody>
       </p:sp>
@@ -10969,7 +11385,7 @@
           <a:p>
             <a:fld id="{53646E5C-8775-44A9-9523-40B6CCA06789}" type="datetime1">
               <a:rPr lang="ko-KR" altLang="en-US" smtClean="0"/>
-              <a:t>2018-04-27</a:t>
+              <a:t>2018-04-29</a:t>
             </a:fld>
             <a:endParaRPr lang="ko-KR" altLang="en-US"/>
           </a:p>
@@ -11025,12 +11441,12 @@
               <a:t>Such films are semitransparent to terahertz beams and are </a:t>
             </a:r>
             <a:r>
-              <a:rPr lang="en-US" altLang="ko-KR" sz="2000" dirty="0" err="1" smtClean="0"/>
-              <a:t>semireflective</a:t>
-            </a:r>
-            <a:r>
               <a:rPr lang="en-US" altLang="ko-KR" sz="2000" dirty="0" smtClean="0"/>
-              <a:t> in the visible</a:t>
+              <a:t>semi-reflective </a:t>
+            </a:r>
+            <a:r>
+              <a:rPr lang="en-US" altLang="ko-KR" sz="2000" dirty="0" smtClean="0"/>
+              <a:t>in the visible</a:t>
             </a:r>
           </a:p>
         </p:txBody>
@@ -11599,7 +12015,7 @@
           <a:p>
             <a:fld id="{F85A177F-6FD3-496B-8A9C-B332CA04E863}" type="datetime1">
               <a:rPr lang="ko-KR" altLang="en-US" smtClean="0"/>
-              <a:t>2018-04-27</a:t>
+              <a:t>2018-04-29</a:t>
             </a:fld>
             <a:endParaRPr lang="ko-KR" altLang="en-US"/>
           </a:p>
@@ -11753,7 +12169,7 @@
           <a:p>
             <a:fld id="{53646E5C-8775-44A9-9523-40B6CCA06789}" type="datetime1">
               <a:rPr lang="ko-KR" altLang="en-US" smtClean="0"/>
-              <a:t>2018-04-27</a:t>
+              <a:t>2018-04-29</a:t>
             </a:fld>
             <a:endParaRPr lang="ko-KR" altLang="en-US"/>
           </a:p>
@@ -11806,35 +12222,1513 @@
           <a:p>
             <a:r>
               <a:rPr lang="en-US" altLang="ko-KR" sz="2000" dirty="0" smtClean="0"/>
-              <a:t>The thickness of the metal coating on a mirror must be sufficiently large</a:t>
-            </a:r>
-          </a:p>
-          <a:p>
-            <a:r>
-              <a:rPr lang="en-US" altLang="ko-KR" sz="2000" dirty="0" smtClean="0">
-                <a:sym typeface="Wingdings" panose="05000000000000000000" pitchFamily="2" charset="2"/>
-              </a:rPr>
-              <a:t> It must be capable of containing the currents induced by the </a:t>
+              <a:t>Wire-grid polarizers perform excellently in terms of </a:t>
             </a:r>
             <a:r>
               <a:rPr lang="en-US" altLang="ko-KR" sz="2000" dirty="0" smtClean="0">
                 <a:solidFill>
                   <a:srgbClr val="3333FF"/>
                 </a:solidFill>
-                <a:sym typeface="Wingdings" panose="05000000000000000000" pitchFamily="2" charset="2"/>
               </a:rPr>
-              <a:t>interaction with the electromagnetic field</a:t>
+              <a:t>broad bandwidth</a:t>
+            </a:r>
+            <a:r>
+              <a:rPr lang="en-US" altLang="ko-KR" sz="2000" dirty="0" smtClean="0"/>
+              <a:t>, </a:t>
             </a:r>
             <a:r>
               <a:rPr lang="en-US" altLang="ko-KR" sz="2000" dirty="0" smtClean="0">
-                <a:sym typeface="Wingdings" panose="05000000000000000000" pitchFamily="2" charset="2"/>
+                <a:solidFill>
+                  <a:srgbClr val="3333FF"/>
+                </a:solidFill>
+              </a:rPr>
+              <a:t>high polarization extinction ratio and low transmission loss</a:t>
+            </a:r>
+            <a:r>
+              <a:rPr lang="en-US" altLang="ko-KR" sz="2000" dirty="0" smtClean="0"/>
+              <a:t>, and many refinements on the design have been demonstrated.</a:t>
+            </a:r>
+            <a:endParaRPr lang="en-US" altLang="ko-KR" sz="2000" dirty="0" smtClean="0"/>
+          </a:p>
+        </p:txBody>
+      </p:sp>
+      <p:sp>
+        <p:nvSpPr>
+          <p:cNvPr id="7" name="TextBox 6"/>
+          <p:cNvSpPr txBox="1"/>
+          <p:nvPr/>
+        </p:nvSpPr>
+        <p:spPr>
+          <a:xfrm>
+            <a:off x="268165" y="6078224"/>
+            <a:ext cx="8607669" cy="253916"/>
+          </a:xfrm>
+          <a:prstGeom prst="rect">
+            <a:avLst/>
+          </a:prstGeom>
+          <a:noFill/>
+        </p:spPr>
+        <p:txBody>
+          <a:bodyPr wrap="square" rtlCol="0">
+            <a:spAutoFit/>
+          </a:bodyPr>
+          <a:lstStyle/>
+          <a:p>
+            <a:r>
+              <a:rPr lang="en-US" altLang="ko-KR" sz="1050" dirty="0" err="1">
+                <a:latin typeface="Times New Roman" panose="02020603050405020304" pitchFamily="18" charset="0"/>
+                <a:cs typeface="Times New Roman" panose="02020603050405020304" pitchFamily="18" charset="0"/>
+              </a:rPr>
+              <a:t>Auton</a:t>
+            </a:r>
+            <a:r>
+              <a:rPr lang="en-US" altLang="ko-KR" sz="1050" dirty="0">
+                <a:latin typeface="Times New Roman" panose="02020603050405020304" pitchFamily="18" charset="0"/>
+                <a:cs typeface="Times New Roman" panose="02020603050405020304" pitchFamily="18" charset="0"/>
+              </a:rPr>
+              <a:t>, J. P., “Infrared Transmission Polarizers by Photolithography,” </a:t>
+            </a:r>
+            <a:r>
+              <a:rPr lang="en-US" altLang="ko-KR" sz="1050" i="1" dirty="0">
+                <a:latin typeface="Times New Roman" panose="02020603050405020304" pitchFamily="18" charset="0"/>
+                <a:cs typeface="Times New Roman" panose="02020603050405020304" pitchFamily="18" charset="0"/>
+              </a:rPr>
+              <a:t>App. Opt.</a:t>
+            </a:r>
+            <a:r>
+              <a:rPr lang="en-US" altLang="ko-KR" sz="1050" dirty="0">
+                <a:latin typeface="Times New Roman" panose="02020603050405020304" pitchFamily="18" charset="0"/>
+                <a:cs typeface="Times New Roman" panose="02020603050405020304" pitchFamily="18" charset="0"/>
+              </a:rPr>
+              <a:t>, Vol. 6, </a:t>
+            </a:r>
+            <a:r>
+              <a:rPr lang="en-US" altLang="ko-KR" sz="1050" dirty="0" smtClean="0">
+                <a:latin typeface="Times New Roman" panose="02020603050405020304" pitchFamily="18" charset="0"/>
+                <a:cs typeface="Times New Roman" panose="02020603050405020304" pitchFamily="18" charset="0"/>
+              </a:rPr>
+              <a:t>1967</a:t>
+            </a:r>
+            <a:r>
+              <a:rPr lang="en-US" altLang="ko-KR" sz="1050" dirty="0">
+                <a:latin typeface="Times New Roman" panose="02020603050405020304" pitchFamily="18" charset="0"/>
+                <a:cs typeface="Times New Roman" panose="02020603050405020304" pitchFamily="18" charset="0"/>
               </a:rPr>
               <a:t>.</a:t>
             </a:r>
-            <a:endParaRPr lang="en-US" altLang="ko-KR" sz="2000" dirty="0" smtClean="0"/>
-          </a:p>
-        </p:txBody>
-      </p:sp>
+          </a:p>
+        </p:txBody>
+      </p:sp>
+      <p:pic>
+        <p:nvPicPr>
+          <p:cNvPr id="4" name="그림 3"/>
+          <p:cNvPicPr>
+            <a:picLocks noChangeAspect="1"/>
+          </p:cNvPicPr>
+          <p:nvPr/>
+        </p:nvPicPr>
+        <p:blipFill>
+          <a:blip r:embed="rId3"/>
+          <a:stretch>
+            <a:fillRect/>
+          </a:stretch>
+        </p:blipFill>
+        <p:spPr>
+          <a:xfrm>
+            <a:off x="5835376" y="2139317"/>
+            <a:ext cx="2918538" cy="2720191"/>
+          </a:xfrm>
+          <a:prstGeom prst="rect">
+            <a:avLst/>
+          </a:prstGeom>
+        </p:spPr>
+      </p:pic>
+      <mc:AlternateContent xmlns:mc="http://schemas.openxmlformats.org/markup-compatibility/2006">
+        <mc:Choice xmlns:a14="http://schemas.microsoft.com/office/drawing/2010/main" Requires="a14">
+          <p:sp>
+            <p:nvSpPr>
+              <p:cNvPr id="5" name="TextBox 4"/>
+              <p:cNvSpPr txBox="1"/>
+              <p:nvPr/>
+            </p:nvSpPr>
+            <p:spPr>
+              <a:xfrm>
+                <a:off x="6345936" y="4936760"/>
+                <a:ext cx="860877" cy="276999"/>
+              </a:xfrm>
+              <a:prstGeom prst="rect">
+                <a:avLst/>
+              </a:prstGeom>
+              <a:noFill/>
+            </p:spPr>
+            <p:txBody>
+              <a:bodyPr wrap="none" lIns="0" tIns="0" rIns="0" bIns="0" rtlCol="0">
+                <a:spAutoFit/>
+              </a:bodyPr>
+              <a:lstStyle/>
+              <a:p>
+                <a14:m>
+                  <m:oMathPara xmlns:m="http://schemas.openxmlformats.org/officeDocument/2006/math">
+                    <m:oMathParaPr>
+                      <m:jc m:val="centerGroup"/>
+                    </m:oMathParaPr>
+                    <m:oMath xmlns:m="http://schemas.openxmlformats.org/officeDocument/2006/math">
+                      <m:r>
+                        <a:rPr lang="en-US" altLang="ko-KR" b="0" i="1" smtClean="0">
+                          <a:latin typeface="Cambria Math" panose="02040503050406030204" pitchFamily="18" charset="0"/>
+                        </a:rPr>
+                        <m:t>𝜆</m:t>
+                      </m:r>
+                      <m:r>
+                        <a:rPr lang="en-US" altLang="ko-KR" b="0" i="1" smtClean="0">
+                          <a:latin typeface="Cambria Math" panose="02040503050406030204" pitchFamily="18" charset="0"/>
+                        </a:rPr>
+                        <m:t>/</m:t>
+                      </m:r>
+                      <m:r>
+                        <a:rPr lang="en-US" altLang="ko-KR" b="0" i="1" smtClean="0">
+                          <a:latin typeface="Cambria Math" panose="02040503050406030204" pitchFamily="18" charset="0"/>
+                        </a:rPr>
+                        <m:t>𝑑</m:t>
+                      </m:r>
+                      <m:r>
+                        <a:rPr lang="en-US" altLang="ko-KR" b="0" i="1" smtClean="0">
+                          <a:latin typeface="Cambria Math" panose="02040503050406030204" pitchFamily="18" charset="0"/>
+                        </a:rPr>
+                        <m:t>=5</m:t>
+                      </m:r>
+                    </m:oMath>
+                  </m:oMathPara>
+                </a14:m>
+                <a:endParaRPr lang="ko-KR" altLang="en-US" dirty="0"/>
+              </a:p>
+            </p:txBody>
+          </p:sp>
+        </mc:Choice>
+        <mc:Fallback>
+          <p:sp>
+            <p:nvSpPr>
+              <p:cNvPr id="5" name="TextBox 4"/>
+              <p:cNvSpPr txBox="1">
+                <a:spLocks noRot="1" noChangeAspect="1" noMove="1" noResize="1" noEditPoints="1" noAdjustHandles="1" noChangeArrowheads="1" noChangeShapeType="1" noTextEdit="1"/>
+              </p:cNvSpPr>
+              <p:nvPr/>
+            </p:nvSpPr>
+            <p:spPr>
+              <a:xfrm>
+                <a:off x="6345936" y="4936760"/>
+                <a:ext cx="860877" cy="276999"/>
+              </a:xfrm>
+              <a:prstGeom prst="rect">
+                <a:avLst/>
+              </a:prstGeom>
+              <a:blipFill>
+                <a:blip r:embed="rId4"/>
+                <a:stretch>
+                  <a:fillRect l="-6383" t="-2222" r="-6383" b="-35556"/>
+                </a:stretch>
+              </a:blipFill>
+            </p:spPr>
+            <p:txBody>
+              <a:bodyPr/>
+              <a:lstStyle/>
+              <a:p>
+                <a:r>
+                  <a:rPr lang="ko-KR" altLang="en-US">
+                    <a:noFill/>
+                  </a:rPr>
+                  <a:t> </a:t>
+                </a:r>
+              </a:p>
+            </p:txBody>
+          </p:sp>
+        </mc:Fallback>
+      </mc:AlternateContent>
+      <mc:AlternateContent xmlns:mc="http://schemas.openxmlformats.org/markup-compatibility/2006">
+        <mc:Choice xmlns:a14="http://schemas.microsoft.com/office/drawing/2010/main" Requires="a14">
+          <p:sp>
+            <p:nvSpPr>
+              <p:cNvPr id="12" name="TextBox 11"/>
+              <p:cNvSpPr txBox="1"/>
+              <p:nvPr/>
+            </p:nvSpPr>
+            <p:spPr>
+              <a:xfrm>
+                <a:off x="6357157" y="5213759"/>
+                <a:ext cx="849656" cy="276999"/>
+              </a:xfrm>
+              <a:prstGeom prst="rect">
+                <a:avLst/>
+              </a:prstGeom>
+              <a:noFill/>
+            </p:spPr>
+            <p:txBody>
+              <a:bodyPr wrap="none" lIns="0" tIns="0" rIns="0" bIns="0" rtlCol="0">
+                <a:spAutoFit/>
+              </a:bodyPr>
+              <a:lstStyle/>
+              <a:p>
+                <a14:m>
+                  <m:oMath xmlns:m="http://schemas.openxmlformats.org/officeDocument/2006/math">
+                    <m:r>
+                      <a:rPr lang="en-US" altLang="ko-KR" b="0" i="1" smtClean="0">
+                        <a:latin typeface="Cambria Math" panose="02040503050406030204" pitchFamily="18" charset="0"/>
+                      </a:rPr>
+                      <m:t>𝜆</m:t>
+                    </m:r>
+                    <m:r>
+                      <a:rPr lang="en-US" altLang="ko-KR" b="0" i="1" smtClean="0">
+                        <a:latin typeface="Cambria Math" panose="02040503050406030204" pitchFamily="18" charset="0"/>
+                      </a:rPr>
+                      <m:t>/</m:t>
+                    </m:r>
+                    <m:r>
+                      <a:rPr lang="en-US" altLang="ko-KR" b="0" i="1" smtClean="0">
+                        <a:latin typeface="Cambria Math" panose="02040503050406030204" pitchFamily="18" charset="0"/>
+                      </a:rPr>
+                      <m:t>𝑑</m:t>
+                    </m:r>
+                    <m:r>
+                      <a:rPr lang="en-US" altLang="ko-KR" b="0" i="1" smtClean="0">
+                        <a:latin typeface="Cambria Math" panose="02040503050406030204" pitchFamily="18" charset="0"/>
+                      </a:rPr>
+                      <m:t>=</m:t>
+                    </m:r>
+                  </m:oMath>
+                </a14:m>
+                <a:r>
+                  <a:rPr lang="en-US" altLang="ko-KR" dirty="0" smtClean="0"/>
+                  <a:t>10</a:t>
+                </a:r>
+                <a:endParaRPr lang="ko-KR" altLang="en-US" dirty="0"/>
+              </a:p>
+            </p:txBody>
+          </p:sp>
+        </mc:Choice>
+        <mc:Fallback>
+          <p:sp>
+            <p:nvSpPr>
+              <p:cNvPr id="12" name="TextBox 11"/>
+              <p:cNvSpPr txBox="1">
+                <a:spLocks noRot="1" noChangeAspect="1" noMove="1" noResize="1" noEditPoints="1" noAdjustHandles="1" noChangeArrowheads="1" noChangeShapeType="1" noTextEdit="1"/>
+              </p:cNvSpPr>
+              <p:nvPr/>
+            </p:nvSpPr>
+            <p:spPr>
+              <a:xfrm>
+                <a:off x="6357157" y="5213759"/>
+                <a:ext cx="849656" cy="276999"/>
+              </a:xfrm>
+              <a:prstGeom prst="rect">
+                <a:avLst/>
+              </a:prstGeom>
+              <a:blipFill>
+                <a:blip r:embed="rId5"/>
+                <a:stretch>
+                  <a:fillRect l="-10072" t="-28261" r="-15827" b="-50000"/>
+                </a:stretch>
+              </a:blipFill>
+            </p:spPr>
+            <p:txBody>
+              <a:bodyPr/>
+              <a:lstStyle/>
+              <a:p>
+                <a:r>
+                  <a:rPr lang="ko-KR" altLang="en-US">
+                    <a:noFill/>
+                  </a:rPr>
+                  <a:t> </a:t>
+                </a:r>
+              </a:p>
+            </p:txBody>
+          </p:sp>
+        </mc:Fallback>
+      </mc:AlternateContent>
+      <p:cxnSp>
+        <p:nvCxnSpPr>
+          <p:cNvPr id="8" name="직선 연결선 7"/>
+          <p:cNvCxnSpPr/>
+          <p:nvPr/>
+        </p:nvCxnSpPr>
+        <p:spPr>
+          <a:xfrm>
+            <a:off x="7294645" y="5075259"/>
+            <a:ext cx="837419" cy="0"/>
+          </a:xfrm>
+          <a:prstGeom prst="line">
+            <a:avLst/>
+          </a:prstGeom>
+          <a:ln w="28575">
+            <a:solidFill>
+              <a:schemeClr val="tx1"/>
+            </a:solidFill>
+          </a:ln>
+        </p:spPr>
+        <p:style>
+          <a:lnRef idx="1">
+            <a:schemeClr val="accent1"/>
+          </a:lnRef>
+          <a:fillRef idx="0">
+            <a:schemeClr val="accent1"/>
+          </a:fillRef>
+          <a:effectRef idx="0">
+            <a:schemeClr val="accent1"/>
+          </a:effectRef>
+          <a:fontRef idx="minor">
+            <a:schemeClr val="tx1"/>
+          </a:fontRef>
+        </p:style>
+      </p:cxnSp>
+      <p:cxnSp>
+        <p:nvCxnSpPr>
+          <p:cNvPr id="14" name="직선 연결선 13"/>
+          <p:cNvCxnSpPr/>
+          <p:nvPr/>
+        </p:nvCxnSpPr>
+        <p:spPr>
+          <a:xfrm>
+            <a:off x="7294645" y="5352258"/>
+            <a:ext cx="837419" cy="0"/>
+          </a:xfrm>
+          <a:prstGeom prst="line">
+            <a:avLst/>
+          </a:prstGeom>
+          <a:ln w="28575">
+            <a:solidFill>
+              <a:schemeClr val="tx1"/>
+            </a:solidFill>
+            <a:prstDash val="dash"/>
+          </a:ln>
+        </p:spPr>
+        <p:style>
+          <a:lnRef idx="1">
+            <a:schemeClr val="accent1"/>
+          </a:lnRef>
+          <a:fillRef idx="0">
+            <a:schemeClr val="accent1"/>
+          </a:fillRef>
+          <a:effectRef idx="0">
+            <a:schemeClr val="accent1"/>
+          </a:effectRef>
+          <a:fontRef idx="minor">
+            <a:schemeClr val="tx1"/>
+          </a:fontRef>
+        </p:style>
+      </p:cxnSp>
+      <p:cxnSp>
+        <p:nvCxnSpPr>
+          <p:cNvPr id="16" name="직선 화살표 연결선 15"/>
+          <p:cNvCxnSpPr>
+            <a:stCxn id="17" idx="3"/>
+          </p:cNvCxnSpPr>
+          <p:nvPr/>
+        </p:nvCxnSpPr>
+        <p:spPr>
+          <a:xfrm>
+            <a:off x="5561950" y="2630980"/>
+            <a:ext cx="783986" cy="1029625"/>
+          </a:xfrm>
+          <a:prstGeom prst="straightConnector1">
+            <a:avLst/>
+          </a:prstGeom>
+          <a:ln>
+            <a:solidFill>
+              <a:srgbClr val="FF0000"/>
+            </a:solidFill>
+            <a:tailEnd type="triangle"/>
+          </a:ln>
+        </p:spPr>
+        <p:style>
+          <a:lnRef idx="3">
+            <a:schemeClr val="accent2"/>
+          </a:lnRef>
+          <a:fillRef idx="0">
+            <a:schemeClr val="accent2"/>
+          </a:fillRef>
+          <a:effectRef idx="2">
+            <a:schemeClr val="accent2"/>
+          </a:effectRef>
+          <a:fontRef idx="minor">
+            <a:schemeClr val="tx1"/>
+          </a:fontRef>
+        </p:style>
+      </p:cxnSp>
+      <mc:AlternateContent xmlns:mc="http://schemas.openxmlformats.org/markup-compatibility/2006">
+        <mc:Choice xmlns:a14="http://schemas.microsoft.com/office/drawing/2010/main" Requires="a14">
+          <p:sp>
+            <p:nvSpPr>
+              <p:cNvPr id="17" name="TextBox 16"/>
+              <p:cNvSpPr txBox="1"/>
+              <p:nvPr/>
+            </p:nvSpPr>
+            <p:spPr>
+              <a:xfrm>
+                <a:off x="4571999" y="2492480"/>
+                <a:ext cx="989951" cy="276999"/>
+              </a:xfrm>
+              <a:prstGeom prst="rect">
+                <a:avLst/>
+              </a:prstGeom>
+              <a:noFill/>
+            </p:spPr>
+            <p:txBody>
+              <a:bodyPr wrap="square" lIns="0" tIns="0" rIns="0" bIns="0" rtlCol="0">
+                <a:spAutoFit/>
+              </a:bodyPr>
+              <a:lstStyle/>
+              <a:p>
+                <a14:m>
+                  <m:oMathPara xmlns:m="http://schemas.openxmlformats.org/officeDocument/2006/math">
+                    <m:oMathParaPr>
+                      <m:jc m:val="centerGroup"/>
+                    </m:oMathParaPr>
+                    <m:oMath xmlns:m="http://schemas.openxmlformats.org/officeDocument/2006/math">
+                      <m:r>
+                        <a:rPr lang="en-US" altLang="ko-KR" b="0" i="1" smtClean="0">
+                          <a:latin typeface="Cambria Math" panose="02040503050406030204" pitchFamily="18" charset="0"/>
+                        </a:rPr>
+                        <m:t>𝑑</m:t>
+                      </m:r>
+                      <m:r>
+                        <a:rPr lang="en-US" altLang="ko-KR" b="0" i="1" smtClean="0">
+                          <a:latin typeface="Cambria Math" panose="02040503050406030204" pitchFamily="18" charset="0"/>
+                        </a:rPr>
+                        <m:t>=2</m:t>
+                      </m:r>
+                      <m:r>
+                        <a:rPr lang="en-US" altLang="ko-KR" b="0" i="1" smtClean="0">
+                          <a:latin typeface="Cambria Math" panose="02040503050406030204" pitchFamily="18" charset="0"/>
+                        </a:rPr>
+                        <m:t>𝑎</m:t>
+                      </m:r>
+                    </m:oMath>
+                  </m:oMathPara>
+                </a14:m>
+                <a:endParaRPr lang="ko-KR" altLang="en-US" dirty="0"/>
+              </a:p>
+            </p:txBody>
+          </p:sp>
+        </mc:Choice>
+        <mc:Fallback>
+          <p:sp>
+            <p:nvSpPr>
+              <p:cNvPr id="17" name="TextBox 16"/>
+              <p:cNvSpPr txBox="1">
+                <a:spLocks noRot="1" noChangeAspect="1" noMove="1" noResize="1" noEditPoints="1" noAdjustHandles="1" noChangeArrowheads="1" noChangeShapeType="1" noTextEdit="1"/>
+              </p:cNvSpPr>
+              <p:nvPr/>
+            </p:nvSpPr>
+            <p:spPr>
+              <a:xfrm>
+                <a:off x="4571999" y="2492480"/>
+                <a:ext cx="989951" cy="276999"/>
+              </a:xfrm>
+              <a:prstGeom prst="rect">
+                <a:avLst/>
+              </a:prstGeom>
+              <a:blipFill>
+                <a:blip r:embed="rId6"/>
+                <a:stretch>
+                  <a:fillRect b="-8889"/>
+                </a:stretch>
+              </a:blipFill>
+            </p:spPr>
+            <p:txBody>
+              <a:bodyPr/>
+              <a:lstStyle/>
+              <a:p>
+                <a:r>
+                  <a:rPr lang="ko-KR" altLang="en-US">
+                    <a:noFill/>
+                  </a:rPr>
+                  <a:t> </a:t>
+                </a:r>
+              </a:p>
+            </p:txBody>
+          </p:sp>
+        </mc:Fallback>
+      </mc:AlternateContent>
+      <mc:AlternateContent xmlns:mc="http://schemas.openxmlformats.org/markup-compatibility/2006">
+        <mc:Choice xmlns:a14="http://schemas.microsoft.com/office/drawing/2010/main" Requires="a14">
+          <p:sp>
+            <p:nvSpPr>
+              <p:cNvPr id="19" name="TextBox 18"/>
+              <p:cNvSpPr txBox="1"/>
+              <p:nvPr/>
+            </p:nvSpPr>
+            <p:spPr>
+              <a:xfrm>
+                <a:off x="890084" y="2119365"/>
+                <a:ext cx="2363468" cy="650114"/>
+              </a:xfrm>
+              <a:prstGeom prst="rect">
+                <a:avLst/>
+              </a:prstGeom>
+              <a:noFill/>
+            </p:spPr>
+            <p:txBody>
+              <a:bodyPr wrap="none" lIns="0" tIns="0" rIns="0" bIns="0" rtlCol="0">
+                <a:spAutoFit/>
+              </a:bodyPr>
+              <a:lstStyle/>
+              <a:p>
+                <a14:m>
+                  <m:oMathPara xmlns:m="http://schemas.openxmlformats.org/officeDocument/2006/math">
+                    <m:oMathParaPr>
+                      <m:jc m:val="centerGroup"/>
+                    </m:oMathParaPr>
+                    <m:oMath xmlns:m="http://schemas.openxmlformats.org/officeDocument/2006/math">
+                      <m:sSub>
+                        <m:sSubPr>
+                          <m:ctrlPr>
+                            <a:rPr lang="en-US" altLang="ko-KR" b="0" i="1" smtClean="0">
+                              <a:latin typeface="Cambria Math" panose="02040503050406030204" pitchFamily="18" charset="0"/>
+                            </a:rPr>
+                          </m:ctrlPr>
+                        </m:sSubPr>
+                        <m:e>
+                          <m:r>
+                            <a:rPr lang="en-US" altLang="ko-KR" b="0" i="1" smtClean="0">
+                              <a:latin typeface="Cambria Math" panose="02040503050406030204" pitchFamily="18" charset="0"/>
+                            </a:rPr>
+                            <m:t>𝑘</m:t>
+                          </m:r>
+                        </m:e>
+                        <m:sub>
+                          <m:r>
+                            <a:rPr lang="en-US" altLang="ko-KR" b="0" i="1" smtClean="0">
+                              <a:latin typeface="Cambria Math" panose="02040503050406030204" pitchFamily="18" charset="0"/>
+                            </a:rPr>
+                            <m:t>1</m:t>
+                          </m:r>
+                        </m:sub>
+                      </m:sSub>
+                      <m:r>
+                        <a:rPr lang="en-US" altLang="ko-KR" b="0" i="1" smtClean="0">
+                          <a:latin typeface="Cambria Math" panose="02040503050406030204" pitchFamily="18" charset="0"/>
+                        </a:rPr>
+                        <m:t>=</m:t>
+                      </m:r>
+                      <m:f>
+                        <m:fPr>
+                          <m:ctrlPr>
+                            <a:rPr lang="en-US" altLang="ko-KR" b="0" i="1" smtClean="0">
+                              <a:latin typeface="Cambria Math" panose="02040503050406030204" pitchFamily="18" charset="0"/>
+                            </a:rPr>
+                          </m:ctrlPr>
+                        </m:fPr>
+                        <m:num>
+                          <m:r>
+                            <a:rPr lang="en-US" altLang="ko-KR" b="0" i="1" smtClean="0">
+                              <a:latin typeface="Cambria Math" panose="02040503050406030204" pitchFamily="18" charset="0"/>
+                            </a:rPr>
+                            <m:t>4</m:t>
+                          </m:r>
+                          <m:r>
+                            <a:rPr lang="en-US" altLang="ko-KR" b="0" i="1" smtClean="0">
+                              <a:latin typeface="Cambria Math" panose="02040503050406030204" pitchFamily="18" charset="0"/>
+                            </a:rPr>
+                            <m:t>𝑛</m:t>
+                          </m:r>
+                          <m:sSubSup>
+                            <m:sSubSupPr>
+                              <m:ctrlPr>
+                                <a:rPr lang="en-US" altLang="ko-KR" b="0" i="1" smtClean="0">
+                                  <a:latin typeface="Cambria Math" panose="02040503050406030204" pitchFamily="18" charset="0"/>
+                                </a:rPr>
+                              </m:ctrlPr>
+                            </m:sSubSupPr>
+                            <m:e>
+                              <m:r>
+                                <a:rPr lang="en-US" altLang="ko-KR" b="0" i="1" smtClean="0">
+                                  <a:latin typeface="Cambria Math" panose="02040503050406030204" pitchFamily="18" charset="0"/>
+                                </a:rPr>
+                                <m:t>𝐺</m:t>
+                              </m:r>
+                            </m:e>
+                            <m:sub>
+                              <m:r>
+                                <a:rPr lang="en-US" altLang="ko-KR" b="0" i="1" smtClean="0">
+                                  <a:latin typeface="Cambria Math" panose="02040503050406030204" pitchFamily="18" charset="0"/>
+                                </a:rPr>
+                                <m:t>𝑝𝑒𝑟𝑝</m:t>
+                              </m:r>
+                            </m:sub>
+                            <m:sup>
+                              <m:r>
+                                <a:rPr lang="en-US" altLang="ko-KR" b="0" i="1" smtClean="0">
+                                  <a:latin typeface="Cambria Math" panose="02040503050406030204" pitchFamily="18" charset="0"/>
+                                </a:rPr>
+                                <m:t>2</m:t>
+                              </m:r>
+                            </m:sup>
+                          </m:sSubSup>
+                        </m:num>
+                        <m:den>
+                          <m:sSup>
+                            <m:sSupPr>
+                              <m:ctrlPr>
+                                <a:rPr lang="en-US" altLang="ko-KR" b="0" i="1" smtClean="0">
+                                  <a:latin typeface="Cambria Math" panose="02040503050406030204" pitchFamily="18" charset="0"/>
+                                </a:rPr>
+                              </m:ctrlPr>
+                            </m:sSupPr>
+                            <m:e>
+                              <m:d>
+                                <m:dPr>
+                                  <m:ctrlPr>
+                                    <a:rPr lang="en-US" altLang="ko-KR" b="0" i="1" smtClean="0">
+                                      <a:latin typeface="Cambria Math" panose="02040503050406030204" pitchFamily="18" charset="0"/>
+                                    </a:rPr>
+                                  </m:ctrlPr>
+                                </m:dPr>
+                                <m:e>
+                                  <m:r>
+                                    <a:rPr lang="en-US" altLang="ko-KR" b="0" i="1" smtClean="0">
+                                      <a:latin typeface="Cambria Math" panose="02040503050406030204" pitchFamily="18" charset="0"/>
+                                    </a:rPr>
+                                    <m:t>1+</m:t>
+                                  </m:r>
+                                  <m:r>
+                                    <a:rPr lang="en-US" altLang="ko-KR" b="0" i="1" smtClean="0">
+                                      <a:latin typeface="Cambria Math" panose="02040503050406030204" pitchFamily="18" charset="0"/>
+                                    </a:rPr>
+                                    <m:t>𝑛</m:t>
+                                  </m:r>
+                                </m:e>
+                              </m:d>
+                            </m:e>
+                            <m:sup>
+                              <m:r>
+                                <a:rPr lang="en-US" altLang="ko-KR" b="0" i="1" smtClean="0">
+                                  <a:latin typeface="Cambria Math" panose="02040503050406030204" pitchFamily="18" charset="0"/>
+                                </a:rPr>
+                                <m:t>2</m:t>
+                              </m:r>
+                            </m:sup>
+                          </m:sSup>
+                          <m:sSubSup>
+                            <m:sSubSupPr>
+                              <m:ctrlPr>
+                                <a:rPr lang="en-US" altLang="ko-KR" b="0" i="1" smtClean="0">
+                                  <a:latin typeface="Cambria Math" panose="02040503050406030204" pitchFamily="18" charset="0"/>
+                                </a:rPr>
+                              </m:ctrlPr>
+                            </m:sSubSupPr>
+                            <m:e>
+                              <m:r>
+                                <a:rPr lang="en-US" altLang="ko-KR" b="0" i="1" smtClean="0">
+                                  <a:latin typeface="Cambria Math" panose="02040503050406030204" pitchFamily="18" charset="0"/>
+                                </a:rPr>
+                                <m:t>𝐺</m:t>
+                              </m:r>
+                            </m:e>
+                            <m:sub>
+                              <m:r>
+                                <a:rPr lang="en-US" altLang="ko-KR" b="0" i="1" smtClean="0">
+                                  <a:latin typeface="Cambria Math" panose="02040503050406030204" pitchFamily="18" charset="0"/>
+                                </a:rPr>
+                                <m:t>𝑝𝑟𝑒𝑝</m:t>
+                              </m:r>
+                            </m:sub>
+                            <m:sup>
+                              <m:r>
+                                <a:rPr lang="en-US" altLang="ko-KR" b="0" i="1" smtClean="0">
+                                  <a:latin typeface="Cambria Math" panose="02040503050406030204" pitchFamily="18" charset="0"/>
+                                </a:rPr>
+                                <m:t>2</m:t>
+                              </m:r>
+                            </m:sup>
+                          </m:sSubSup>
+                          <m:r>
+                            <a:rPr lang="en-US" altLang="ko-KR" b="0" i="1" smtClean="0">
+                              <a:latin typeface="Cambria Math" panose="02040503050406030204" pitchFamily="18" charset="0"/>
+                            </a:rPr>
+                            <m:t>+1</m:t>
+                          </m:r>
+                        </m:den>
+                      </m:f>
+                    </m:oMath>
+                  </m:oMathPara>
+                </a14:m>
+                <a:endParaRPr lang="ko-KR" altLang="en-US" dirty="0"/>
+              </a:p>
+            </p:txBody>
+          </p:sp>
+        </mc:Choice>
+        <mc:Fallback>
+          <p:sp>
+            <p:nvSpPr>
+              <p:cNvPr id="19" name="TextBox 18"/>
+              <p:cNvSpPr txBox="1">
+                <a:spLocks noRot="1" noChangeAspect="1" noMove="1" noResize="1" noEditPoints="1" noAdjustHandles="1" noChangeArrowheads="1" noChangeShapeType="1" noTextEdit="1"/>
+              </p:cNvSpPr>
+              <p:nvPr/>
+            </p:nvSpPr>
+            <p:spPr>
+              <a:xfrm>
+                <a:off x="890084" y="2119365"/>
+                <a:ext cx="2363468" cy="650114"/>
+              </a:xfrm>
+              <a:prstGeom prst="rect">
+                <a:avLst/>
+              </a:prstGeom>
+              <a:blipFill>
+                <a:blip r:embed="rId7"/>
+                <a:stretch>
+                  <a:fillRect/>
+                </a:stretch>
+              </a:blipFill>
+            </p:spPr>
+            <p:txBody>
+              <a:bodyPr/>
+              <a:lstStyle/>
+              <a:p>
+                <a:r>
+                  <a:rPr lang="ko-KR" altLang="en-US">
+                    <a:noFill/>
+                  </a:rPr>
+                  <a:t> </a:t>
+                </a:r>
+              </a:p>
+            </p:txBody>
+          </p:sp>
+        </mc:Fallback>
+      </mc:AlternateContent>
+      <mc:AlternateContent xmlns:mc="http://schemas.openxmlformats.org/markup-compatibility/2006">
+        <mc:Choice xmlns:a14="http://schemas.microsoft.com/office/drawing/2010/main" Requires="a14">
+          <p:sp>
+            <p:nvSpPr>
+              <p:cNvPr id="21" name="TextBox 20"/>
+              <p:cNvSpPr txBox="1"/>
+              <p:nvPr/>
+            </p:nvSpPr>
+            <p:spPr>
+              <a:xfrm>
+                <a:off x="890084" y="2817224"/>
+                <a:ext cx="2385268" cy="650114"/>
+              </a:xfrm>
+              <a:prstGeom prst="rect">
+                <a:avLst/>
+              </a:prstGeom>
+              <a:noFill/>
+            </p:spPr>
+            <p:txBody>
+              <a:bodyPr wrap="none" lIns="0" tIns="0" rIns="0" bIns="0" rtlCol="0">
+                <a:spAutoFit/>
+              </a:bodyPr>
+              <a:lstStyle/>
+              <a:p>
+                <a14:m>
+                  <m:oMathPara xmlns:m="http://schemas.openxmlformats.org/officeDocument/2006/math">
+                    <m:oMathParaPr>
+                      <m:jc m:val="centerGroup"/>
+                    </m:oMathParaPr>
+                    <m:oMath xmlns:m="http://schemas.openxmlformats.org/officeDocument/2006/math">
+                      <m:sSub>
+                        <m:sSubPr>
+                          <m:ctrlPr>
+                            <a:rPr lang="en-US" altLang="ko-KR" b="0" i="1" smtClean="0">
+                              <a:latin typeface="Cambria Math" panose="02040503050406030204" pitchFamily="18" charset="0"/>
+                            </a:rPr>
+                          </m:ctrlPr>
+                        </m:sSubPr>
+                        <m:e>
+                          <m:r>
+                            <a:rPr lang="en-US" altLang="ko-KR" b="0" i="1" smtClean="0">
+                              <a:latin typeface="Cambria Math" panose="02040503050406030204" pitchFamily="18" charset="0"/>
+                            </a:rPr>
+                            <m:t>𝑘</m:t>
+                          </m:r>
+                        </m:e>
+                        <m:sub>
+                          <m:r>
+                            <a:rPr lang="en-US" altLang="ko-KR" b="0" i="1" smtClean="0">
+                              <a:latin typeface="Cambria Math" panose="02040503050406030204" pitchFamily="18" charset="0"/>
+                            </a:rPr>
+                            <m:t>2</m:t>
+                          </m:r>
+                        </m:sub>
+                      </m:sSub>
+                      <m:r>
+                        <a:rPr lang="en-US" altLang="ko-KR" b="0" i="1" smtClean="0">
+                          <a:latin typeface="Cambria Math" panose="02040503050406030204" pitchFamily="18" charset="0"/>
+                        </a:rPr>
+                        <m:t>=</m:t>
+                      </m:r>
+                      <m:f>
+                        <m:fPr>
+                          <m:ctrlPr>
+                            <a:rPr lang="en-US" altLang="ko-KR" b="0" i="1" smtClean="0">
+                              <a:latin typeface="Cambria Math" panose="02040503050406030204" pitchFamily="18" charset="0"/>
+                            </a:rPr>
+                          </m:ctrlPr>
+                        </m:fPr>
+                        <m:num>
+                          <m:r>
+                            <a:rPr lang="en-US" altLang="ko-KR" b="0" i="1" smtClean="0">
+                              <a:latin typeface="Cambria Math" panose="02040503050406030204" pitchFamily="18" charset="0"/>
+                            </a:rPr>
+                            <m:t>4</m:t>
+                          </m:r>
+                          <m:r>
+                            <a:rPr lang="en-US" altLang="ko-KR" b="0" i="1" smtClean="0">
+                              <a:latin typeface="Cambria Math" panose="02040503050406030204" pitchFamily="18" charset="0"/>
+                            </a:rPr>
+                            <m:t>𝑛</m:t>
+                          </m:r>
+                          <m:sSubSup>
+                            <m:sSubSupPr>
+                              <m:ctrlPr>
+                                <a:rPr lang="en-US" altLang="ko-KR" b="0" i="1" smtClean="0">
+                                  <a:latin typeface="Cambria Math" panose="02040503050406030204" pitchFamily="18" charset="0"/>
+                                </a:rPr>
+                              </m:ctrlPr>
+                            </m:sSubSupPr>
+                            <m:e>
+                              <m:r>
+                                <a:rPr lang="en-US" altLang="ko-KR" b="0" i="1" smtClean="0">
+                                  <a:latin typeface="Cambria Math" panose="02040503050406030204" pitchFamily="18" charset="0"/>
+                                </a:rPr>
+                                <m:t>𝐺</m:t>
+                              </m:r>
+                            </m:e>
+                            <m:sub>
+                              <m:r>
+                                <a:rPr lang="en-US" altLang="ko-KR" b="0" i="1" smtClean="0">
+                                  <a:latin typeface="Cambria Math" panose="02040503050406030204" pitchFamily="18" charset="0"/>
+                                </a:rPr>
+                                <m:t>𝑝𝑎𝑟𝑎</m:t>
+                              </m:r>
+                            </m:sub>
+                            <m:sup>
+                              <m:r>
+                                <a:rPr lang="en-US" altLang="ko-KR" b="0" i="1" smtClean="0">
+                                  <a:latin typeface="Cambria Math" panose="02040503050406030204" pitchFamily="18" charset="0"/>
+                                </a:rPr>
+                                <m:t>2</m:t>
+                              </m:r>
+                            </m:sup>
+                          </m:sSubSup>
+                        </m:num>
+                        <m:den>
+                          <m:sSup>
+                            <m:sSupPr>
+                              <m:ctrlPr>
+                                <a:rPr lang="en-US" altLang="ko-KR" b="0" i="1" smtClean="0">
+                                  <a:latin typeface="Cambria Math" panose="02040503050406030204" pitchFamily="18" charset="0"/>
+                                </a:rPr>
+                              </m:ctrlPr>
+                            </m:sSupPr>
+                            <m:e>
+                              <m:d>
+                                <m:dPr>
+                                  <m:ctrlPr>
+                                    <a:rPr lang="en-US" altLang="ko-KR" b="0" i="1" smtClean="0">
+                                      <a:latin typeface="Cambria Math" panose="02040503050406030204" pitchFamily="18" charset="0"/>
+                                    </a:rPr>
+                                  </m:ctrlPr>
+                                </m:dPr>
+                                <m:e>
+                                  <m:r>
+                                    <a:rPr lang="en-US" altLang="ko-KR" b="0" i="1" smtClean="0">
+                                      <a:latin typeface="Cambria Math" panose="02040503050406030204" pitchFamily="18" charset="0"/>
+                                    </a:rPr>
+                                    <m:t>1+</m:t>
+                                  </m:r>
+                                  <m:r>
+                                    <a:rPr lang="en-US" altLang="ko-KR" b="0" i="1" smtClean="0">
+                                      <a:latin typeface="Cambria Math" panose="02040503050406030204" pitchFamily="18" charset="0"/>
+                                    </a:rPr>
+                                    <m:t>𝑛</m:t>
+                                  </m:r>
+                                </m:e>
+                              </m:d>
+                            </m:e>
+                            <m:sup>
+                              <m:r>
+                                <a:rPr lang="en-US" altLang="ko-KR" b="0" i="1" smtClean="0">
+                                  <a:latin typeface="Cambria Math" panose="02040503050406030204" pitchFamily="18" charset="0"/>
+                                </a:rPr>
+                                <m:t>2</m:t>
+                              </m:r>
+                            </m:sup>
+                          </m:sSup>
+                          <m:sSubSup>
+                            <m:sSubSupPr>
+                              <m:ctrlPr>
+                                <a:rPr lang="en-US" altLang="ko-KR" b="0" i="1" smtClean="0">
+                                  <a:latin typeface="Cambria Math" panose="02040503050406030204" pitchFamily="18" charset="0"/>
+                                </a:rPr>
+                              </m:ctrlPr>
+                            </m:sSubSupPr>
+                            <m:e>
+                              <m:r>
+                                <a:rPr lang="en-US" altLang="ko-KR" b="0" i="1" smtClean="0">
+                                  <a:latin typeface="Cambria Math" panose="02040503050406030204" pitchFamily="18" charset="0"/>
+                                </a:rPr>
+                                <m:t>𝐺</m:t>
+                              </m:r>
+                            </m:e>
+                            <m:sub>
+                              <m:r>
+                                <a:rPr lang="en-US" altLang="ko-KR" b="0" i="1" smtClean="0">
+                                  <a:latin typeface="Cambria Math" panose="02040503050406030204" pitchFamily="18" charset="0"/>
+                                </a:rPr>
+                                <m:t>𝑝𝑎𝑟𝑎</m:t>
+                              </m:r>
+                            </m:sub>
+                            <m:sup>
+                              <m:r>
+                                <a:rPr lang="en-US" altLang="ko-KR" b="0" i="1" smtClean="0">
+                                  <a:latin typeface="Cambria Math" panose="02040503050406030204" pitchFamily="18" charset="0"/>
+                                </a:rPr>
+                                <m:t>2</m:t>
+                              </m:r>
+                            </m:sup>
+                          </m:sSubSup>
+                          <m:r>
+                            <a:rPr lang="en-US" altLang="ko-KR" b="0" i="1" smtClean="0">
+                              <a:latin typeface="Cambria Math" panose="02040503050406030204" pitchFamily="18" charset="0"/>
+                            </a:rPr>
+                            <m:t>+1</m:t>
+                          </m:r>
+                        </m:den>
+                      </m:f>
+                    </m:oMath>
+                  </m:oMathPara>
+                </a14:m>
+                <a:endParaRPr lang="ko-KR" altLang="en-US" dirty="0"/>
+              </a:p>
+            </p:txBody>
+          </p:sp>
+        </mc:Choice>
+        <mc:Fallback>
+          <p:sp>
+            <p:nvSpPr>
+              <p:cNvPr id="21" name="TextBox 20"/>
+              <p:cNvSpPr txBox="1">
+                <a:spLocks noRot="1" noChangeAspect="1" noMove="1" noResize="1" noEditPoints="1" noAdjustHandles="1" noChangeArrowheads="1" noChangeShapeType="1" noTextEdit="1"/>
+              </p:cNvSpPr>
+              <p:nvPr/>
+            </p:nvSpPr>
+            <p:spPr>
+              <a:xfrm>
+                <a:off x="890084" y="2817224"/>
+                <a:ext cx="2385268" cy="650114"/>
+              </a:xfrm>
+              <a:prstGeom prst="rect">
+                <a:avLst/>
+              </a:prstGeom>
+              <a:blipFill>
+                <a:blip r:embed="rId8"/>
+                <a:stretch>
+                  <a:fillRect/>
+                </a:stretch>
+              </a:blipFill>
+            </p:spPr>
+            <p:txBody>
+              <a:bodyPr/>
+              <a:lstStyle/>
+              <a:p>
+                <a:r>
+                  <a:rPr lang="ko-KR" altLang="en-US">
+                    <a:noFill/>
+                  </a:rPr>
+                  <a:t> </a:t>
+                </a:r>
+              </a:p>
+            </p:txBody>
+          </p:sp>
+        </mc:Fallback>
+      </mc:AlternateContent>
+      <mc:AlternateContent xmlns:mc="http://schemas.openxmlformats.org/markup-compatibility/2006">
+        <mc:Choice xmlns:a14="http://schemas.microsoft.com/office/drawing/2010/main" Requires="a14">
+          <p:sp>
+            <p:nvSpPr>
+              <p:cNvPr id="20" name="TextBox 19"/>
+              <p:cNvSpPr txBox="1"/>
+              <p:nvPr/>
+            </p:nvSpPr>
+            <p:spPr>
+              <a:xfrm>
+                <a:off x="890084" y="3548880"/>
+                <a:ext cx="1321131" cy="526041"/>
+              </a:xfrm>
+              <a:prstGeom prst="rect">
+                <a:avLst/>
+              </a:prstGeom>
+              <a:noFill/>
+            </p:spPr>
+            <p:txBody>
+              <a:bodyPr wrap="none" lIns="0" tIns="0" rIns="0" bIns="0" rtlCol="0">
+                <a:spAutoFit/>
+              </a:bodyPr>
+              <a:lstStyle/>
+              <a:p>
+                <a14:m>
+                  <m:oMathPara xmlns:m="http://schemas.openxmlformats.org/officeDocument/2006/math">
+                    <m:oMathParaPr>
+                      <m:jc m:val="centerGroup"/>
+                    </m:oMathParaPr>
+                    <m:oMath xmlns:m="http://schemas.openxmlformats.org/officeDocument/2006/math">
+                      <m:sSub>
+                        <m:sSubPr>
+                          <m:ctrlPr>
+                            <a:rPr lang="en-US" altLang="ko-KR" b="0" i="1" smtClean="0">
+                              <a:latin typeface="Cambria Math" panose="02040503050406030204" pitchFamily="18" charset="0"/>
+                            </a:rPr>
+                          </m:ctrlPr>
+                        </m:sSubPr>
+                        <m:e>
+                          <m:r>
+                            <a:rPr lang="en-US" altLang="ko-KR" b="0" i="1" smtClean="0">
+                              <a:latin typeface="Cambria Math" panose="02040503050406030204" pitchFamily="18" charset="0"/>
+                            </a:rPr>
+                            <m:t>𝐺</m:t>
+                          </m:r>
+                        </m:e>
+                        <m:sub>
+                          <m:r>
+                            <a:rPr lang="en-US" altLang="ko-KR" b="0" i="1" smtClean="0">
+                              <a:latin typeface="Cambria Math" panose="02040503050406030204" pitchFamily="18" charset="0"/>
+                            </a:rPr>
+                            <m:t>𝑝𝑟𝑒𝑝</m:t>
+                          </m:r>
+                        </m:sub>
+                      </m:sSub>
+                      <m:r>
+                        <a:rPr lang="en-US" altLang="ko-KR" i="1">
+                          <a:latin typeface="Cambria Math" panose="02040503050406030204" pitchFamily="18" charset="0"/>
+                          <a:ea typeface="Cambria Math" panose="02040503050406030204" pitchFamily="18" charset="0"/>
+                        </a:rPr>
+                        <m:t>≈</m:t>
+                      </m:r>
+                      <m:f>
+                        <m:fPr>
+                          <m:ctrlPr>
+                            <a:rPr lang="en-US" altLang="ko-KR" b="0" i="1" smtClean="0">
+                              <a:latin typeface="Cambria Math" panose="02040503050406030204" pitchFamily="18" charset="0"/>
+                            </a:rPr>
+                          </m:ctrlPr>
+                        </m:fPr>
+                        <m:num>
+                          <m:r>
+                            <a:rPr lang="en-US" altLang="ko-KR" b="0" i="1" smtClean="0">
+                              <a:latin typeface="Cambria Math" panose="02040503050406030204" pitchFamily="18" charset="0"/>
+                            </a:rPr>
+                            <m:t>𝜆</m:t>
+                          </m:r>
+                        </m:num>
+                        <m:den>
+                          <m:r>
+                            <a:rPr lang="en-US" altLang="ko-KR" b="0" i="1" smtClean="0">
+                              <a:latin typeface="Cambria Math" panose="02040503050406030204" pitchFamily="18" charset="0"/>
+                            </a:rPr>
+                            <m:t>𝑑</m:t>
+                          </m:r>
+                        </m:den>
+                      </m:f>
+                      <m:f>
+                        <m:fPr>
+                          <m:ctrlPr>
+                            <a:rPr lang="en-US" altLang="ko-KR" b="0" i="1" smtClean="0">
+                              <a:latin typeface="Cambria Math" panose="02040503050406030204" pitchFamily="18" charset="0"/>
+                            </a:rPr>
+                          </m:ctrlPr>
+                        </m:fPr>
+                        <m:num>
+                          <m:r>
+                            <a:rPr lang="en-US" altLang="ko-KR" b="0" i="1" smtClean="0">
+                              <a:latin typeface="Cambria Math" panose="02040503050406030204" pitchFamily="18" charset="0"/>
+                            </a:rPr>
+                            <m:t>1</m:t>
+                          </m:r>
+                        </m:num>
+                        <m:den>
+                          <m:r>
+                            <a:rPr lang="en-US" altLang="ko-KR" b="0" i="1" smtClean="0">
+                              <a:latin typeface="Cambria Math" panose="02040503050406030204" pitchFamily="18" charset="0"/>
+                            </a:rPr>
+                            <m:t>4</m:t>
+                          </m:r>
+                          <m:r>
+                            <a:rPr lang="en-US" altLang="ko-KR" b="0" i="1" smtClean="0">
+                              <a:latin typeface="Cambria Math" panose="02040503050406030204" pitchFamily="18" charset="0"/>
+                            </a:rPr>
+                            <m:t>𝑆</m:t>
+                          </m:r>
+                        </m:den>
+                      </m:f>
+                    </m:oMath>
+                  </m:oMathPara>
+                </a14:m>
+                <a:endParaRPr lang="ko-KR" altLang="en-US" dirty="0"/>
+              </a:p>
+            </p:txBody>
+          </p:sp>
+        </mc:Choice>
+        <mc:Fallback>
+          <p:sp>
+            <p:nvSpPr>
+              <p:cNvPr id="20" name="TextBox 19"/>
+              <p:cNvSpPr txBox="1">
+                <a:spLocks noRot="1" noChangeAspect="1" noMove="1" noResize="1" noEditPoints="1" noAdjustHandles="1" noChangeArrowheads="1" noChangeShapeType="1" noTextEdit="1"/>
+              </p:cNvSpPr>
+              <p:nvPr/>
+            </p:nvSpPr>
+            <p:spPr>
+              <a:xfrm>
+                <a:off x="890084" y="3548880"/>
+                <a:ext cx="1321131" cy="526041"/>
+              </a:xfrm>
+              <a:prstGeom prst="rect">
+                <a:avLst/>
+              </a:prstGeom>
+              <a:blipFill>
+                <a:blip r:embed="rId9"/>
+                <a:stretch>
+                  <a:fillRect/>
+                </a:stretch>
+              </a:blipFill>
+            </p:spPr>
+            <p:txBody>
+              <a:bodyPr/>
+              <a:lstStyle/>
+              <a:p>
+                <a:r>
+                  <a:rPr lang="ko-KR" altLang="en-US">
+                    <a:noFill/>
+                  </a:rPr>
+                  <a:t> </a:t>
+                </a:r>
+              </a:p>
+            </p:txBody>
+          </p:sp>
+        </mc:Fallback>
+      </mc:AlternateContent>
+      <mc:AlternateContent xmlns:mc="http://schemas.openxmlformats.org/markup-compatibility/2006">
+        <mc:Choice xmlns:a14="http://schemas.microsoft.com/office/drawing/2010/main" Requires="a14">
+          <p:sp>
+            <p:nvSpPr>
+              <p:cNvPr id="23" name="TextBox 22"/>
+              <p:cNvSpPr txBox="1"/>
+              <p:nvPr/>
+            </p:nvSpPr>
+            <p:spPr>
+              <a:xfrm>
+                <a:off x="2629315" y="3548880"/>
+                <a:ext cx="1192891" cy="525978"/>
+              </a:xfrm>
+              <a:prstGeom prst="rect">
+                <a:avLst/>
+              </a:prstGeom>
+              <a:noFill/>
+            </p:spPr>
+            <p:txBody>
+              <a:bodyPr wrap="none" lIns="0" tIns="0" rIns="0" bIns="0" rtlCol="0">
+                <a:spAutoFit/>
+              </a:bodyPr>
+              <a:lstStyle/>
+              <a:p>
+                <a14:m>
+                  <m:oMathPara xmlns:m="http://schemas.openxmlformats.org/officeDocument/2006/math">
+                    <m:oMathParaPr>
+                      <m:jc m:val="centerGroup"/>
+                    </m:oMathParaPr>
+                    <m:oMath xmlns:m="http://schemas.openxmlformats.org/officeDocument/2006/math">
+                      <m:sSub>
+                        <m:sSubPr>
+                          <m:ctrlPr>
+                            <a:rPr lang="en-US" altLang="ko-KR" b="0" i="1" smtClean="0">
+                              <a:latin typeface="Cambria Math" panose="02040503050406030204" pitchFamily="18" charset="0"/>
+                            </a:rPr>
+                          </m:ctrlPr>
+                        </m:sSubPr>
+                        <m:e>
+                          <m:r>
+                            <a:rPr lang="en-US" altLang="ko-KR" b="0" i="1" smtClean="0">
+                              <a:latin typeface="Cambria Math" panose="02040503050406030204" pitchFamily="18" charset="0"/>
+                            </a:rPr>
+                            <m:t>𝐺</m:t>
+                          </m:r>
+                        </m:e>
+                        <m:sub>
+                          <m:r>
+                            <a:rPr lang="en-US" altLang="ko-KR" b="0" i="1" smtClean="0">
+                              <a:latin typeface="Cambria Math" panose="02040503050406030204" pitchFamily="18" charset="0"/>
+                            </a:rPr>
+                            <m:t>𝑝𝑟𝑒𝑝</m:t>
+                          </m:r>
+                        </m:sub>
+                      </m:sSub>
+                      <m:r>
+                        <a:rPr lang="en-US" altLang="ko-KR" i="1">
+                          <a:latin typeface="Cambria Math" panose="02040503050406030204" pitchFamily="18" charset="0"/>
+                          <a:ea typeface="Cambria Math" panose="02040503050406030204" pitchFamily="18" charset="0"/>
+                        </a:rPr>
+                        <m:t>≈</m:t>
+                      </m:r>
+                      <m:f>
+                        <m:fPr>
+                          <m:ctrlPr>
+                            <a:rPr lang="en-US" altLang="ko-KR" b="0" i="1" smtClean="0">
+                              <a:latin typeface="Cambria Math" panose="02040503050406030204" pitchFamily="18" charset="0"/>
+                            </a:rPr>
+                          </m:ctrlPr>
+                        </m:fPr>
+                        <m:num>
+                          <m:r>
+                            <a:rPr lang="en-US" altLang="ko-KR" b="0" i="1" smtClean="0">
+                              <a:latin typeface="Cambria Math" panose="02040503050406030204" pitchFamily="18" charset="0"/>
+                            </a:rPr>
+                            <m:t>𝑑</m:t>
+                          </m:r>
+                        </m:num>
+                        <m:den>
+                          <m:r>
+                            <a:rPr lang="en-US" altLang="ko-KR" b="0" i="1" smtClean="0">
+                              <a:latin typeface="Cambria Math" panose="02040503050406030204" pitchFamily="18" charset="0"/>
+                            </a:rPr>
+                            <m:t>𝜆</m:t>
+                          </m:r>
+                        </m:den>
+                      </m:f>
+                      <m:r>
+                        <a:rPr lang="en-US" altLang="ko-KR" b="0" i="1" smtClean="0">
+                          <a:latin typeface="Cambria Math" panose="02040503050406030204" pitchFamily="18" charset="0"/>
+                        </a:rPr>
+                        <m:t>𝑆</m:t>
+                      </m:r>
+                    </m:oMath>
+                  </m:oMathPara>
+                </a14:m>
+                <a:endParaRPr lang="ko-KR" altLang="en-US" dirty="0"/>
+              </a:p>
+            </p:txBody>
+          </p:sp>
+        </mc:Choice>
+        <mc:Fallback>
+          <p:sp>
+            <p:nvSpPr>
+              <p:cNvPr id="23" name="TextBox 22"/>
+              <p:cNvSpPr txBox="1">
+                <a:spLocks noRot="1" noChangeAspect="1" noMove="1" noResize="1" noEditPoints="1" noAdjustHandles="1" noChangeArrowheads="1" noChangeShapeType="1" noTextEdit="1"/>
+              </p:cNvSpPr>
+              <p:nvPr/>
+            </p:nvSpPr>
+            <p:spPr>
+              <a:xfrm>
+                <a:off x="2629315" y="3548880"/>
+                <a:ext cx="1192891" cy="525978"/>
+              </a:xfrm>
+              <a:prstGeom prst="rect">
+                <a:avLst/>
+              </a:prstGeom>
+              <a:blipFill>
+                <a:blip r:embed="rId10"/>
+                <a:stretch>
+                  <a:fillRect/>
+                </a:stretch>
+              </a:blipFill>
+            </p:spPr>
+            <p:txBody>
+              <a:bodyPr/>
+              <a:lstStyle/>
+              <a:p>
+                <a:r>
+                  <a:rPr lang="ko-KR" altLang="en-US">
+                    <a:noFill/>
+                  </a:rPr>
+                  <a:t> </a:t>
+                </a:r>
+              </a:p>
+            </p:txBody>
+          </p:sp>
+        </mc:Fallback>
+      </mc:AlternateContent>
+      <mc:AlternateContent xmlns:mc="http://schemas.openxmlformats.org/markup-compatibility/2006">
+        <mc:Choice xmlns:a14="http://schemas.microsoft.com/office/drawing/2010/main" Requires="a14">
+          <p:sp>
+            <p:nvSpPr>
+              <p:cNvPr id="22" name="TextBox 21"/>
+              <p:cNvSpPr txBox="1"/>
+              <p:nvPr/>
+            </p:nvSpPr>
+            <p:spPr>
+              <a:xfrm>
+                <a:off x="1086964" y="4210610"/>
+                <a:ext cx="1991507" cy="790922"/>
+              </a:xfrm>
+              <a:prstGeom prst="rect">
+                <a:avLst/>
+              </a:prstGeom>
+              <a:noFill/>
+            </p:spPr>
+            <p:txBody>
+              <a:bodyPr wrap="none" lIns="0" tIns="0" rIns="0" bIns="0" rtlCol="0">
+                <a:spAutoFit/>
+              </a:bodyPr>
+              <a:lstStyle/>
+              <a:p>
+                <a14:m>
+                  <m:oMathPara xmlns:m="http://schemas.openxmlformats.org/officeDocument/2006/math">
+                    <m:oMathParaPr>
+                      <m:jc m:val="centerGroup"/>
+                    </m:oMathParaPr>
+                    <m:oMath xmlns:m="http://schemas.openxmlformats.org/officeDocument/2006/math">
+                      <m:r>
+                        <a:rPr lang="en-US" altLang="ko-KR" b="0" i="1" smtClean="0">
+                          <a:latin typeface="Cambria Math" panose="02040503050406030204" pitchFamily="18" charset="0"/>
+                        </a:rPr>
+                        <m:t>𝑆</m:t>
+                      </m:r>
+                      <m:r>
+                        <a:rPr lang="en-US" altLang="ko-KR" b="0" i="1" smtClean="0">
+                          <a:latin typeface="Cambria Math" panose="02040503050406030204" pitchFamily="18" charset="0"/>
+                        </a:rPr>
+                        <m:t>=</m:t>
+                      </m:r>
+                      <m:sSup>
+                        <m:sSupPr>
+                          <m:ctrlPr>
+                            <a:rPr lang="en-US" altLang="ko-KR" b="0" i="1" smtClean="0">
+                              <a:latin typeface="Cambria Math" panose="02040503050406030204" pitchFamily="18" charset="0"/>
+                            </a:rPr>
+                          </m:ctrlPr>
+                        </m:sSupPr>
+                        <m:e>
+                          <m:d>
+                            <m:dPr>
+                              <m:begChr m:val="["/>
+                              <m:endChr m:val="]"/>
+                              <m:ctrlPr>
+                                <a:rPr lang="en-US" altLang="ko-KR" b="0" i="1" smtClean="0">
+                                  <a:latin typeface="Cambria Math" panose="02040503050406030204" pitchFamily="18" charset="0"/>
+                                </a:rPr>
+                              </m:ctrlPr>
+                            </m:dPr>
+                            <m:e>
+                              <m:r>
+                                <a:rPr lang="en-US" altLang="ko-KR" b="0" i="1" smtClean="0">
+                                  <a:latin typeface="Cambria Math" panose="02040503050406030204" pitchFamily="18" charset="0"/>
+                                </a:rPr>
+                                <m:t>1−</m:t>
+                              </m:r>
+                              <m:sSup>
+                                <m:sSupPr>
+                                  <m:ctrlPr>
+                                    <a:rPr lang="en-US" altLang="ko-KR" b="0" i="1" smtClean="0">
+                                      <a:latin typeface="Cambria Math" panose="02040503050406030204" pitchFamily="18" charset="0"/>
+                                    </a:rPr>
+                                  </m:ctrlPr>
+                                </m:sSupPr>
+                                <m:e>
+                                  <m:d>
+                                    <m:dPr>
+                                      <m:ctrlPr>
+                                        <a:rPr lang="en-US" altLang="ko-KR" b="0" i="1" smtClean="0">
+                                          <a:latin typeface="Cambria Math" panose="02040503050406030204" pitchFamily="18" charset="0"/>
+                                        </a:rPr>
+                                      </m:ctrlPr>
+                                    </m:dPr>
+                                    <m:e>
+                                      <m:f>
+                                        <m:fPr>
+                                          <m:ctrlPr>
+                                            <a:rPr lang="en-US" altLang="ko-KR" b="0" i="1" smtClean="0">
+                                              <a:latin typeface="Cambria Math" panose="02040503050406030204" pitchFamily="18" charset="0"/>
+                                            </a:rPr>
+                                          </m:ctrlPr>
+                                        </m:fPr>
+                                        <m:num>
+                                          <m:r>
+                                            <a:rPr lang="en-US" altLang="ko-KR" b="0" i="1" smtClean="0">
+                                              <a:latin typeface="Cambria Math" panose="02040503050406030204" pitchFamily="18" charset="0"/>
+                                            </a:rPr>
+                                            <m:t>𝑑</m:t>
+                                          </m:r>
+                                        </m:num>
+                                        <m:den>
+                                          <m:r>
+                                            <a:rPr lang="en-US" altLang="ko-KR" b="0" i="1" smtClean="0">
+                                              <a:latin typeface="Cambria Math" panose="02040503050406030204" pitchFamily="18" charset="0"/>
+                                            </a:rPr>
+                                            <m:t>𝜆</m:t>
+                                          </m:r>
+                                        </m:den>
+                                      </m:f>
+                                    </m:e>
+                                  </m:d>
+                                </m:e>
+                                <m:sup>
+                                  <m:r>
+                                    <a:rPr lang="en-US" altLang="ko-KR" b="0" i="1" smtClean="0">
+                                      <a:latin typeface="Cambria Math" panose="02040503050406030204" pitchFamily="18" charset="0"/>
+                                    </a:rPr>
+                                    <m:t>2</m:t>
+                                  </m:r>
+                                </m:sup>
+                              </m:sSup>
+                            </m:e>
+                          </m:d>
+                        </m:e>
+                        <m:sup>
+                          <m:r>
+                            <a:rPr lang="en-US" altLang="ko-KR" b="0" i="1" smtClean="0">
+                              <a:latin typeface="Cambria Math" panose="02040503050406030204" pitchFamily="18" charset="0"/>
+                            </a:rPr>
+                            <m:t>−1/2</m:t>
+                          </m:r>
+                        </m:sup>
+                      </m:sSup>
+                    </m:oMath>
+                  </m:oMathPara>
+                </a14:m>
+                <a:endParaRPr lang="ko-KR" altLang="en-US" dirty="0"/>
+              </a:p>
+            </p:txBody>
+          </p:sp>
+        </mc:Choice>
+        <mc:Fallback>
+          <p:sp>
+            <p:nvSpPr>
+              <p:cNvPr id="22" name="TextBox 21"/>
+              <p:cNvSpPr txBox="1">
+                <a:spLocks noRot="1" noChangeAspect="1" noMove="1" noResize="1" noEditPoints="1" noAdjustHandles="1" noChangeArrowheads="1" noChangeShapeType="1" noTextEdit="1"/>
+              </p:cNvSpPr>
+              <p:nvPr/>
+            </p:nvSpPr>
+            <p:spPr>
+              <a:xfrm>
+                <a:off x="1086964" y="4210610"/>
+                <a:ext cx="1991507" cy="790922"/>
+              </a:xfrm>
+              <a:prstGeom prst="rect">
+                <a:avLst/>
+              </a:prstGeom>
+              <a:blipFill>
+                <a:blip r:embed="rId11"/>
+                <a:stretch>
+                  <a:fillRect b="-775"/>
+                </a:stretch>
+              </a:blipFill>
+            </p:spPr>
+            <p:txBody>
+              <a:bodyPr/>
+              <a:lstStyle/>
+              <a:p>
+                <a:r>
+                  <a:rPr lang="ko-KR" altLang="en-US">
+                    <a:noFill/>
+                  </a:rPr>
+                  <a:t> </a:t>
+                </a:r>
+              </a:p>
+            </p:txBody>
+          </p:sp>
+        </mc:Fallback>
+      </mc:AlternateContent>
     </p:spTree>
     <p:extLst>
       <p:ext uri="{BB962C8B-B14F-4D97-AF65-F5344CB8AC3E}">
@@ -12003,7 +13897,7 @@
           <a:p>
             <a:fld id="{F85A177F-6FD3-496B-8A9C-B332CA04E863}" type="datetime1">
               <a:rPr lang="ko-KR" altLang="en-US" smtClean="0"/>
-              <a:t>2018-04-27</a:t>
+              <a:t>2018-04-29</a:t>
             </a:fld>
             <a:endParaRPr lang="ko-KR" altLang="en-US"/>
           </a:p>
@@ -12137,12 +14031,6 @@
               </a:rPr>
               <a:t>. Antireflection Coatings</a:t>
             </a:r>
-            <a:endParaRPr lang="en-US" altLang="ko-KR" sz="2800" dirty="0" smtClean="0">
-              <a:solidFill>
-                <a:schemeClr val="bg1"/>
-              </a:solidFill>
-              <a:latin typeface="Arial" panose="020B0604020202020204" pitchFamily="34" charset="0"/>
-            </a:endParaRPr>
           </a:p>
         </p:txBody>
       </p:sp>
@@ -12163,7 +14051,7 @@
           <a:p>
             <a:fld id="{53646E5C-8775-44A9-9523-40B6CCA06789}" type="datetime1">
               <a:rPr lang="ko-KR" altLang="en-US" smtClean="0"/>
-              <a:t>2018-04-27</a:t>
+              <a:t>2018-04-29</a:t>
             </a:fld>
             <a:endParaRPr lang="ko-KR" altLang="en-US"/>
           </a:p>
@@ -12201,7 +14089,7 @@
         <p:spPr>
           <a:xfrm>
             <a:off x="720969" y="907902"/>
-            <a:ext cx="7794381" cy="1015663"/>
+            <a:ext cx="7794381" cy="707886"/>
           </a:xfrm>
           <a:prstGeom prst="rect">
             <a:avLst/>
@@ -12216,32 +14104,550 @@
           <a:p>
             <a:r>
               <a:rPr lang="en-US" altLang="ko-KR" sz="2000" dirty="0" smtClean="0"/>
-              <a:t>The thickness of the metal coating on a mirror must be sufficiently large</a:t>
-            </a:r>
-          </a:p>
-          <a:p>
-            <a:r>
-              <a:rPr lang="en-US" altLang="ko-KR" sz="2000" dirty="0" smtClean="0">
-                <a:sym typeface="Wingdings" panose="05000000000000000000" pitchFamily="2" charset="2"/>
-              </a:rPr>
-              <a:t> It must be capable of containing the currents induced by the </a:t>
-            </a:r>
+              <a:t>High-resistivity silicon and nonlinear crystals (GaAs, </a:t>
+            </a:r>
+            <a:r>
+              <a:rPr lang="en-US" altLang="ko-KR" sz="2000" dirty="0" err="1" smtClean="0"/>
+              <a:t>ZnTe</a:t>
+            </a:r>
+            <a:r>
+              <a:rPr lang="en-US" altLang="ko-KR" sz="2000" dirty="0" smtClean="0"/>
+              <a:t>) have terahertz refractive indices in excess of 3, giving rise to severe Fresnel losses.</a:t>
+            </a:r>
+            <a:endParaRPr lang="en-US" altLang="ko-KR" sz="2000" dirty="0" smtClean="0"/>
+          </a:p>
+        </p:txBody>
+      </p:sp>
+      <mc:AlternateContent xmlns:mc="http://schemas.openxmlformats.org/markup-compatibility/2006">
+        <mc:Choice xmlns:a14="http://schemas.microsoft.com/office/drawing/2010/main" Requires="a14">
+          <p:sp>
+            <p:nvSpPr>
+              <p:cNvPr id="3" name="TextBox 2"/>
+              <p:cNvSpPr txBox="1"/>
+              <p:nvPr/>
+            </p:nvSpPr>
+            <p:spPr>
+              <a:xfrm>
+                <a:off x="4114800" y="1898950"/>
+                <a:ext cx="1668855" cy="282257"/>
+              </a:xfrm>
+              <a:prstGeom prst="rect">
+                <a:avLst/>
+              </a:prstGeom>
+              <a:noFill/>
+            </p:spPr>
+            <p:txBody>
+              <a:bodyPr wrap="none" lIns="0" tIns="0" rIns="0" bIns="0" rtlCol="0">
+                <a:spAutoFit/>
+              </a:bodyPr>
+              <a:lstStyle/>
+              <a:p>
+                <a14:m>
+                  <m:oMathPara xmlns:m="http://schemas.openxmlformats.org/officeDocument/2006/math">
+                    <m:oMathParaPr>
+                      <m:jc m:val="centerGroup"/>
+                    </m:oMathParaPr>
+                    <m:oMath xmlns:m="http://schemas.openxmlformats.org/officeDocument/2006/math">
+                      <m:sSubSup>
+                        <m:sSubSupPr>
+                          <m:ctrlPr>
+                            <a:rPr lang="en-US" altLang="ko-KR" b="0" i="1" smtClean="0">
+                              <a:latin typeface="Cambria Math" panose="02040503050406030204" pitchFamily="18" charset="0"/>
+                            </a:rPr>
+                          </m:ctrlPr>
+                        </m:sSubSupPr>
+                        <m:e>
+                          <m:r>
+                            <a:rPr lang="en-US" altLang="ko-KR" b="0" i="1" smtClean="0">
+                              <a:latin typeface="Cambria Math" panose="02040503050406030204" pitchFamily="18" charset="0"/>
+                            </a:rPr>
+                            <m:t>𝑛</m:t>
+                          </m:r>
+                        </m:e>
+                        <m:sub>
+                          <m:r>
+                            <a:rPr lang="en-US" altLang="ko-KR" b="0" i="1" smtClean="0">
+                              <a:latin typeface="Cambria Math" panose="02040503050406030204" pitchFamily="18" charset="0"/>
+                            </a:rPr>
+                            <m:t>𝐴𝑅</m:t>
+                          </m:r>
+                        </m:sub>
+                        <m:sup>
+                          <m:r>
+                            <a:rPr lang="en-US" altLang="ko-KR" b="0" i="1" smtClean="0">
+                              <a:latin typeface="Cambria Math" panose="02040503050406030204" pitchFamily="18" charset="0"/>
+                            </a:rPr>
+                            <m:t>2</m:t>
+                          </m:r>
+                        </m:sup>
+                      </m:sSubSup>
+                      <m:r>
+                        <a:rPr lang="en-US" altLang="ko-KR" b="0" i="1" smtClean="0">
+                          <a:latin typeface="Cambria Math" panose="02040503050406030204" pitchFamily="18" charset="0"/>
+                        </a:rPr>
+                        <m:t>=</m:t>
+                      </m:r>
+                      <m:sSub>
+                        <m:sSubPr>
+                          <m:ctrlPr>
+                            <a:rPr lang="en-US" altLang="ko-KR" b="0" i="1" smtClean="0">
+                              <a:latin typeface="Cambria Math" panose="02040503050406030204" pitchFamily="18" charset="0"/>
+                            </a:rPr>
+                          </m:ctrlPr>
+                        </m:sSubPr>
+                        <m:e>
+                          <m:r>
+                            <a:rPr lang="en-US" altLang="ko-KR" b="0" i="1" smtClean="0">
+                              <a:latin typeface="Cambria Math" panose="02040503050406030204" pitchFamily="18" charset="0"/>
+                            </a:rPr>
+                            <m:t>𝑛</m:t>
+                          </m:r>
+                        </m:e>
+                        <m:sub>
+                          <m:r>
+                            <a:rPr lang="en-US" altLang="ko-KR" b="0" i="1" smtClean="0">
+                              <a:latin typeface="Cambria Math" panose="02040503050406030204" pitchFamily="18" charset="0"/>
+                            </a:rPr>
+                            <m:t>𝑠𝑢𝑏𝑠𝑡𝑟𝑎𝑡𝑒</m:t>
+                          </m:r>
+                        </m:sub>
+                      </m:sSub>
+                    </m:oMath>
+                  </m:oMathPara>
+                </a14:m>
+                <a:endParaRPr lang="ko-KR" altLang="en-US" dirty="0"/>
+              </a:p>
+            </p:txBody>
+          </p:sp>
+        </mc:Choice>
+        <mc:Fallback>
+          <p:sp>
+            <p:nvSpPr>
+              <p:cNvPr id="3" name="TextBox 2"/>
+              <p:cNvSpPr txBox="1">
+                <a:spLocks noRot="1" noChangeAspect="1" noMove="1" noResize="1" noEditPoints="1" noAdjustHandles="1" noChangeArrowheads="1" noChangeShapeType="1" noTextEdit="1"/>
+              </p:cNvSpPr>
+              <p:nvPr/>
+            </p:nvSpPr>
+            <p:spPr>
+              <a:xfrm>
+                <a:off x="4114800" y="1898950"/>
+                <a:ext cx="1668855" cy="282257"/>
+              </a:xfrm>
+              <a:prstGeom prst="rect">
+                <a:avLst/>
+              </a:prstGeom>
+              <a:blipFill>
+                <a:blip r:embed="rId3"/>
+                <a:stretch>
+                  <a:fillRect l="-1460" t="-4348" r="-1095" b="-17391"/>
+                </a:stretch>
+              </a:blipFill>
+            </p:spPr>
+            <p:txBody>
+              <a:bodyPr/>
+              <a:lstStyle/>
+              <a:p>
+                <a:r>
+                  <a:rPr lang="ko-KR" altLang="en-US">
+                    <a:noFill/>
+                  </a:rPr>
+                  <a:t> </a:t>
+                </a:r>
+              </a:p>
+            </p:txBody>
+          </p:sp>
+        </mc:Fallback>
+      </mc:AlternateContent>
+      <p:sp>
+        <p:nvSpPr>
+          <p:cNvPr id="7" name="TextBox 6"/>
+          <p:cNvSpPr txBox="1"/>
+          <p:nvPr/>
+        </p:nvSpPr>
+        <p:spPr>
+          <a:xfrm>
+            <a:off x="720969" y="1586841"/>
+            <a:ext cx="4404946" cy="400110"/>
+          </a:xfrm>
+          <a:prstGeom prst="rect">
+            <a:avLst/>
+          </a:prstGeom>
+          <a:noFill/>
+        </p:spPr>
+        <p:txBody>
+          <a:bodyPr wrap="square" rtlCol="0">
+            <a:spAutoFit/>
+          </a:bodyPr>
+          <a:lstStyle/>
+          <a:p>
             <a:r>
               <a:rPr lang="en-US" altLang="ko-KR" sz="2000" dirty="0" smtClean="0">
                 <a:solidFill>
                   <a:srgbClr val="3333FF"/>
                 </a:solidFill>
-                <a:sym typeface="Wingdings" panose="05000000000000000000" pitchFamily="2" charset="2"/>
               </a:rPr>
-              <a:t>interaction with the electromagnetic field</a:t>
-            </a:r>
+              <a:t>Dielectric Films</a:t>
+            </a:r>
+            <a:endParaRPr lang="en-US" altLang="ko-KR" sz="2000" dirty="0" smtClean="0">
+              <a:solidFill>
+                <a:srgbClr val="3333FF"/>
+              </a:solidFill>
+            </a:endParaRPr>
+          </a:p>
+        </p:txBody>
+      </p:sp>
+      <p:sp>
+        <p:nvSpPr>
+          <p:cNvPr id="8" name="TextBox 7"/>
+          <p:cNvSpPr txBox="1"/>
+          <p:nvPr/>
+        </p:nvSpPr>
+        <p:spPr>
+          <a:xfrm>
+            <a:off x="720968" y="3027308"/>
+            <a:ext cx="4741047" cy="400110"/>
+          </a:xfrm>
+          <a:prstGeom prst="rect">
+            <a:avLst/>
+          </a:prstGeom>
+          <a:noFill/>
+        </p:spPr>
+        <p:txBody>
+          <a:bodyPr wrap="square" rtlCol="0">
+            <a:spAutoFit/>
+          </a:bodyPr>
+          <a:lstStyle/>
+          <a:p>
             <a:r>
               <a:rPr lang="en-US" altLang="ko-KR" sz="2000" dirty="0" smtClean="0">
-                <a:sym typeface="Wingdings" panose="05000000000000000000" pitchFamily="2" charset="2"/>
+                <a:solidFill>
+                  <a:srgbClr val="3333FF"/>
+                </a:solidFill>
+              </a:rPr>
+              <a:t>Conductive </a:t>
+            </a:r>
+            <a:r>
+              <a:rPr lang="en-US" altLang="ko-KR" sz="2000" dirty="0" smtClean="0">
+                <a:solidFill>
+                  <a:srgbClr val="3333FF"/>
+                </a:solidFill>
+              </a:rPr>
+              <a:t>Impedance Matching Coatings</a:t>
+            </a:r>
+            <a:endParaRPr lang="en-US" altLang="ko-KR" sz="2000" dirty="0" smtClean="0">
+              <a:solidFill>
+                <a:srgbClr val="3333FF"/>
+              </a:solidFill>
+            </a:endParaRPr>
+          </a:p>
+        </p:txBody>
+      </p:sp>
+      <p:sp>
+        <p:nvSpPr>
+          <p:cNvPr id="9" name="TextBox 8"/>
+          <p:cNvSpPr txBox="1"/>
+          <p:nvPr/>
+        </p:nvSpPr>
+        <p:spPr>
+          <a:xfrm>
+            <a:off x="720968" y="5428402"/>
+            <a:ext cx="4404947" cy="400110"/>
+          </a:xfrm>
+          <a:prstGeom prst="rect">
+            <a:avLst/>
+          </a:prstGeom>
+          <a:noFill/>
+        </p:spPr>
+        <p:txBody>
+          <a:bodyPr wrap="square" rtlCol="0">
+            <a:spAutoFit/>
+          </a:bodyPr>
+          <a:lstStyle/>
+          <a:p>
+            <a:r>
+              <a:rPr lang="en-US" altLang="ko-KR" sz="2000" dirty="0" smtClean="0">
+                <a:solidFill>
+                  <a:srgbClr val="3333FF"/>
+                </a:solidFill>
+              </a:rPr>
+              <a:t>Microstructure Surfaces</a:t>
+            </a:r>
+            <a:endParaRPr lang="en-US" altLang="ko-KR" sz="2000" dirty="0" smtClean="0">
+              <a:solidFill>
+                <a:srgbClr val="3333FF"/>
+              </a:solidFill>
+            </a:endParaRPr>
+          </a:p>
+        </p:txBody>
+      </p:sp>
+      <mc:AlternateContent xmlns:mc="http://schemas.openxmlformats.org/markup-compatibility/2006">
+        <mc:Choice xmlns:a14="http://schemas.microsoft.com/office/drawing/2010/main" Requires="a14">
+          <p:sp>
+            <p:nvSpPr>
+              <p:cNvPr id="11" name="TextBox 10"/>
+              <p:cNvSpPr txBox="1"/>
+              <p:nvPr/>
+            </p:nvSpPr>
+            <p:spPr>
+              <a:xfrm>
+                <a:off x="720969" y="2338885"/>
+                <a:ext cx="7947543" cy="707886"/>
+              </a:xfrm>
+              <a:prstGeom prst="rect">
+                <a:avLst/>
+              </a:prstGeom>
+              <a:noFill/>
+            </p:spPr>
+            <p:txBody>
+              <a:bodyPr wrap="square" rtlCol="0">
+                <a:spAutoFit/>
+              </a:bodyPr>
+              <a:lstStyle/>
+              <a:p>
+                <a:r>
+                  <a:rPr lang="en-US" altLang="ko-KR" sz="2000" dirty="0" smtClean="0"/>
+                  <a:t>Such coating with a thickness of </a:t>
+                </a:r>
+                <a14:m>
+                  <m:oMath xmlns:m="http://schemas.openxmlformats.org/officeDocument/2006/math">
+                    <m:r>
+                      <a:rPr lang="en-US" altLang="ko-KR" sz="2000" b="0" i="1" smtClean="0">
+                        <a:latin typeface="Cambria Math" panose="02040503050406030204" pitchFamily="18" charset="0"/>
+                      </a:rPr>
+                      <m:t>𝜆</m:t>
+                    </m:r>
+                    <m:r>
+                      <a:rPr lang="en-US" altLang="ko-KR" sz="2000" b="0" i="1" smtClean="0">
+                        <a:latin typeface="Cambria Math" panose="02040503050406030204" pitchFamily="18" charset="0"/>
+                      </a:rPr>
+                      <m:t>/4</m:t>
+                    </m:r>
+                  </m:oMath>
+                </a14:m>
+                <a:r>
+                  <a:rPr lang="en-US" altLang="ko-KR" sz="2000" dirty="0" smtClean="0"/>
+                  <a:t> will reduce reflectivity at the wavelength to zero.</a:t>
+                </a:r>
+                <a:endParaRPr lang="en-US" altLang="ko-KR" sz="2000" dirty="0" smtClean="0"/>
+              </a:p>
+            </p:txBody>
+          </p:sp>
+        </mc:Choice>
+        <mc:Fallback>
+          <p:sp>
+            <p:nvSpPr>
+              <p:cNvPr id="11" name="TextBox 10"/>
+              <p:cNvSpPr txBox="1">
+                <a:spLocks noRot="1" noChangeAspect="1" noMove="1" noResize="1" noEditPoints="1" noAdjustHandles="1" noChangeArrowheads="1" noChangeShapeType="1" noTextEdit="1"/>
+              </p:cNvSpPr>
+              <p:nvPr/>
+            </p:nvSpPr>
+            <p:spPr>
+              <a:xfrm>
+                <a:off x="720969" y="2338885"/>
+                <a:ext cx="7947543" cy="707886"/>
+              </a:xfrm>
+              <a:prstGeom prst="rect">
+                <a:avLst/>
+              </a:prstGeom>
+              <a:blipFill>
+                <a:blip r:embed="rId4"/>
+                <a:stretch>
+                  <a:fillRect l="-767" t="-5172" b="-14655"/>
+                </a:stretch>
+              </a:blipFill>
+            </p:spPr>
+            <p:txBody>
+              <a:bodyPr/>
+              <a:lstStyle/>
+              <a:p>
+                <a:r>
+                  <a:rPr lang="ko-KR" altLang="en-US">
+                    <a:noFill/>
+                  </a:rPr>
+                  <a:t> </a:t>
+                </a:r>
+              </a:p>
+            </p:txBody>
+          </p:sp>
+        </mc:Fallback>
+      </mc:AlternateContent>
+      <p:sp>
+        <p:nvSpPr>
+          <p:cNvPr id="12" name="TextBox 11"/>
+          <p:cNvSpPr txBox="1"/>
+          <p:nvPr/>
+        </p:nvSpPr>
+        <p:spPr>
+          <a:xfrm>
+            <a:off x="720969" y="3421104"/>
+            <a:ext cx="7794381" cy="707886"/>
+          </a:xfrm>
+          <a:prstGeom prst="rect">
+            <a:avLst/>
+          </a:prstGeom>
+          <a:noFill/>
+        </p:spPr>
+        <p:txBody>
+          <a:bodyPr wrap="square" rtlCol="0">
+            <a:spAutoFit/>
+          </a:bodyPr>
+          <a:lstStyle/>
+          <a:p>
+            <a:r>
+              <a:rPr lang="en-US" altLang="ko-KR" sz="2000" dirty="0" smtClean="0"/>
+              <a:t>Conductive layers of chromium and ITO on Si, GaAs, and GaP have demonstrated good antireflective properties up to about 4 THz</a:t>
+            </a:r>
+            <a:endParaRPr lang="en-US" altLang="ko-KR" sz="2000" dirty="0" smtClean="0"/>
+          </a:p>
+        </p:txBody>
+      </p:sp>
+      <p:pic>
+        <p:nvPicPr>
+          <p:cNvPr id="4" name="그림 3"/>
+          <p:cNvPicPr>
+            <a:picLocks noChangeAspect="1"/>
+          </p:cNvPicPr>
+          <p:nvPr/>
+        </p:nvPicPr>
+        <p:blipFill>
+          <a:blip r:embed="rId5"/>
+          <a:stretch>
+            <a:fillRect/>
+          </a:stretch>
+        </p:blipFill>
+        <p:spPr>
+          <a:xfrm>
+            <a:off x="2823434" y="4087128"/>
+            <a:ext cx="4251585" cy="1341274"/>
+          </a:xfrm>
+          <a:prstGeom prst="rect">
+            <a:avLst/>
+          </a:prstGeom>
+        </p:spPr>
+      </p:pic>
+      <p:sp>
+        <p:nvSpPr>
+          <p:cNvPr id="13" name="TextBox 12"/>
+          <p:cNvSpPr txBox="1"/>
+          <p:nvPr/>
+        </p:nvSpPr>
+        <p:spPr>
+          <a:xfrm>
+            <a:off x="720969" y="5761548"/>
+            <a:ext cx="7794381" cy="646331"/>
+          </a:xfrm>
+          <a:prstGeom prst="rect">
+            <a:avLst/>
+          </a:prstGeom>
+          <a:noFill/>
+        </p:spPr>
+        <p:txBody>
+          <a:bodyPr wrap="square" rtlCol="0">
+            <a:spAutoFit/>
+          </a:bodyPr>
+          <a:lstStyle/>
+          <a:p>
+            <a:r>
+              <a:rPr lang="en-US" altLang="ko-KR" dirty="0"/>
+              <a:t>S</a:t>
+            </a:r>
+            <a:r>
+              <a:rPr lang="en-US" altLang="ko-KR" dirty="0" smtClean="0"/>
+              <a:t>tructures are </a:t>
+            </a:r>
+            <a:r>
+              <a:rPr lang="en-US" altLang="ko-KR" dirty="0"/>
+              <a:t>difficult to produce, and the resulting surfaces are susceptible to </a:t>
+            </a:r>
+            <a:r>
+              <a:rPr lang="en-US" altLang="ko-KR" dirty="0" smtClean="0"/>
+              <a:t>damage and </a:t>
+            </a:r>
+            <a:r>
+              <a:rPr lang="en-US" altLang="ko-KR" dirty="0"/>
+              <a:t>contamination.</a:t>
+            </a:r>
+            <a:endParaRPr lang="en-US" altLang="ko-KR" sz="2000" dirty="0" smtClean="0"/>
+          </a:p>
+        </p:txBody>
+      </p:sp>
+      <p:sp>
+        <p:nvSpPr>
+          <p:cNvPr id="14" name="TextBox 13"/>
+          <p:cNvSpPr txBox="1"/>
+          <p:nvPr/>
+        </p:nvSpPr>
+        <p:spPr>
+          <a:xfrm>
+            <a:off x="268165" y="6284997"/>
+            <a:ext cx="8607669" cy="253916"/>
+          </a:xfrm>
+          <a:prstGeom prst="rect">
+            <a:avLst/>
+          </a:prstGeom>
+          <a:noFill/>
+        </p:spPr>
+        <p:txBody>
+          <a:bodyPr wrap="square" rtlCol="0">
+            <a:spAutoFit/>
+          </a:bodyPr>
+          <a:lstStyle/>
+          <a:p>
+            <a:r>
+              <a:rPr lang="en-US" altLang="ko-KR" sz="1050" dirty="0" err="1">
+                <a:latin typeface="Times New Roman" panose="02020603050405020304" pitchFamily="18" charset="0"/>
+                <a:cs typeface="Times New Roman" panose="02020603050405020304" pitchFamily="18" charset="0"/>
+              </a:rPr>
+              <a:t>Broeng</a:t>
+            </a:r>
+            <a:r>
+              <a:rPr lang="en-US" altLang="ko-KR" sz="1050" dirty="0">
+                <a:latin typeface="Times New Roman" panose="02020603050405020304" pitchFamily="18" charset="0"/>
+                <a:cs typeface="Times New Roman" panose="02020603050405020304" pitchFamily="18" charset="0"/>
+              </a:rPr>
+              <a:t>, J., “Photonic Crystal Fibers: A New Class of Optical Waveguides,” </a:t>
+            </a:r>
+            <a:r>
+              <a:rPr lang="en-US" altLang="ko-KR" sz="1050" i="1" dirty="0">
+                <a:latin typeface="Times New Roman" panose="02020603050405020304" pitchFamily="18" charset="0"/>
+                <a:cs typeface="Times New Roman" panose="02020603050405020304" pitchFamily="18" charset="0"/>
+              </a:rPr>
+              <a:t>Opt. Fiber </a:t>
+            </a:r>
+            <a:r>
+              <a:rPr lang="en-US" altLang="ko-KR" sz="1050" i="1" dirty="0" err="1">
+                <a:latin typeface="Times New Roman" panose="02020603050405020304" pitchFamily="18" charset="0"/>
+                <a:cs typeface="Times New Roman" panose="02020603050405020304" pitchFamily="18" charset="0"/>
+              </a:rPr>
+              <a:t>Tehc</a:t>
+            </a:r>
+            <a:r>
+              <a:rPr lang="en-US" altLang="ko-KR" sz="1050" i="1" dirty="0">
+                <a:latin typeface="Times New Roman" panose="02020603050405020304" pitchFamily="18" charset="0"/>
+                <a:cs typeface="Times New Roman" panose="02020603050405020304" pitchFamily="18" charset="0"/>
               </a:rPr>
               <a:t>.</a:t>
             </a:r>
-            <a:endParaRPr lang="en-US" altLang="ko-KR" sz="2000" dirty="0" smtClean="0"/>
+            <a:r>
+              <a:rPr lang="en-US" altLang="ko-KR" sz="1050" dirty="0">
+                <a:latin typeface="Times New Roman" panose="02020603050405020304" pitchFamily="18" charset="0"/>
+                <a:cs typeface="Times New Roman" panose="02020603050405020304" pitchFamily="18" charset="0"/>
+              </a:rPr>
+              <a:t>, Vol. 5, </a:t>
+            </a:r>
+            <a:r>
+              <a:rPr lang="en-US" altLang="ko-KR" sz="1050" dirty="0" smtClean="0">
+                <a:latin typeface="Times New Roman" panose="02020603050405020304" pitchFamily="18" charset="0"/>
+                <a:cs typeface="Times New Roman" panose="02020603050405020304" pitchFamily="18" charset="0"/>
+              </a:rPr>
+              <a:t>1999.</a:t>
+            </a:r>
+            <a:endParaRPr lang="en-US" altLang="ko-KR" sz="1050" dirty="0">
+              <a:latin typeface="Times New Roman" panose="02020603050405020304" pitchFamily="18" charset="0"/>
+              <a:cs typeface="Times New Roman" panose="02020603050405020304" pitchFamily="18" charset="0"/>
+            </a:endParaRPr>
           </a:p>
         </p:txBody>
       </p:sp>
@@ -12425,7 +14831,7 @@
           <a:p>
             <a:fld id="{F85A177F-6FD3-496B-8A9C-B332CA04E863}" type="datetime1">
               <a:rPr lang="ko-KR" altLang="en-US" smtClean="0"/>
-              <a:t>2018-04-27</a:t>
+              <a:t>2018-04-29</a:t>
             </a:fld>
             <a:endParaRPr lang="ko-KR" altLang="en-US"/>
           </a:p>
@@ -12559,12 +14965,6 @@
               </a:rPr>
               <a:t>. Photonic Crystal Fibers and Terahertz Waveguides</a:t>
             </a:r>
-            <a:endParaRPr lang="en-US" altLang="ko-KR" sz="2800" dirty="0" smtClean="0">
-              <a:solidFill>
-                <a:schemeClr val="bg1"/>
-              </a:solidFill>
-              <a:latin typeface="Arial" panose="020B0604020202020204" pitchFamily="34" charset="0"/>
-            </a:endParaRPr>
           </a:p>
         </p:txBody>
       </p:sp>
@@ -12585,7 +14985,7 @@
           <a:p>
             <a:fld id="{53646E5C-8775-44A9-9523-40B6CCA06789}" type="datetime1">
               <a:rPr lang="ko-KR" altLang="en-US" smtClean="0"/>
-              <a:t>2018-04-27</a:t>
+              <a:t>2018-04-29</a:t>
             </a:fld>
             <a:endParaRPr lang="ko-KR" altLang="en-US"/>
           </a:p>
@@ -12623,7 +15023,7 @@
         <p:spPr>
           <a:xfrm>
             <a:off x="720969" y="907902"/>
-            <a:ext cx="7794381" cy="400110"/>
+            <a:ext cx="7794381" cy="1015663"/>
           </a:xfrm>
           <a:prstGeom prst="rect">
             <a:avLst/>
@@ -12638,13 +15038,211 @@
           <a:p>
             <a:r>
               <a:rPr lang="en-US" altLang="ko-KR" sz="2000" dirty="0" smtClean="0"/>
-              <a:t>The thickness </a:t>
+              <a:t>Many terahertz applications would benefit greatly from the ability to deliver terahertz radiation over fiber.</a:t>
+            </a:r>
+            <a:r>
+              <a:rPr lang="en-US" altLang="ko-KR" sz="2000" dirty="0"/>
+              <a:t> </a:t>
             </a:r>
             <a:r>
               <a:rPr lang="en-US" altLang="ko-KR" sz="2000" dirty="0" smtClean="0"/>
-              <a:t>of</a:t>
-            </a:r>
-            <a:endParaRPr lang="en-US" altLang="ko-KR" sz="2000" dirty="0" smtClean="0"/>
+              <a:t>However, terahertz fiber design is made very problematic due to </a:t>
+            </a:r>
+            <a:r>
+              <a:rPr lang="en-US" altLang="ko-KR" sz="2000" dirty="0" smtClean="0">
+                <a:solidFill>
+                  <a:srgbClr val="3333FF"/>
+                </a:solidFill>
+              </a:rPr>
+              <a:t>the lack of suitable transparent materials</a:t>
+            </a:r>
+            <a:r>
+              <a:rPr lang="en-US" altLang="ko-KR" sz="2000" dirty="0" smtClean="0"/>
+              <a:t>.</a:t>
+            </a:r>
+          </a:p>
+        </p:txBody>
+      </p:sp>
+      <p:pic>
+        <p:nvPicPr>
+          <p:cNvPr id="3" name="그림 2"/>
+          <p:cNvPicPr>
+            <a:picLocks noChangeAspect="1"/>
+          </p:cNvPicPr>
+          <p:nvPr/>
+        </p:nvPicPr>
+        <p:blipFill>
+          <a:blip r:embed="rId3"/>
+          <a:stretch>
+            <a:fillRect/>
+          </a:stretch>
+        </p:blipFill>
+        <p:spPr>
+          <a:xfrm>
+            <a:off x="5895473" y="2840062"/>
+            <a:ext cx="2750274" cy="2153548"/>
+          </a:xfrm>
+          <a:prstGeom prst="rect">
+            <a:avLst/>
+          </a:prstGeom>
+        </p:spPr>
+      </p:pic>
+      <p:sp>
+        <p:nvSpPr>
+          <p:cNvPr id="7" name="TextBox 6"/>
+          <p:cNvSpPr txBox="1"/>
+          <p:nvPr/>
+        </p:nvSpPr>
+        <p:spPr>
+          <a:xfrm>
+            <a:off x="268165" y="6078224"/>
+            <a:ext cx="8607669" cy="253916"/>
+          </a:xfrm>
+          <a:prstGeom prst="rect">
+            <a:avLst/>
+          </a:prstGeom>
+          <a:noFill/>
+        </p:spPr>
+        <p:txBody>
+          <a:bodyPr wrap="square" rtlCol="0">
+            <a:spAutoFit/>
+          </a:bodyPr>
+          <a:lstStyle/>
+          <a:p>
+            <a:r>
+              <a:rPr lang="en-US" altLang="ko-KR" sz="1050" dirty="0" err="1">
+                <a:latin typeface="Times New Roman" panose="02020603050405020304" pitchFamily="18" charset="0"/>
+                <a:cs typeface="Times New Roman" panose="02020603050405020304" pitchFamily="18" charset="0"/>
+              </a:rPr>
+              <a:t>Broeng</a:t>
+            </a:r>
+            <a:r>
+              <a:rPr lang="en-US" altLang="ko-KR" sz="1050" dirty="0">
+                <a:latin typeface="Times New Roman" panose="02020603050405020304" pitchFamily="18" charset="0"/>
+                <a:cs typeface="Times New Roman" panose="02020603050405020304" pitchFamily="18" charset="0"/>
+              </a:rPr>
+              <a:t>, J., “Photonic Crystal Fibers: A New Class of Optical Waveguides,” </a:t>
+            </a:r>
+            <a:r>
+              <a:rPr lang="en-US" altLang="ko-KR" sz="1050" i="1" dirty="0">
+                <a:latin typeface="Times New Roman" panose="02020603050405020304" pitchFamily="18" charset="0"/>
+                <a:cs typeface="Times New Roman" panose="02020603050405020304" pitchFamily="18" charset="0"/>
+              </a:rPr>
+              <a:t>Opt. Fiber </a:t>
+            </a:r>
+            <a:r>
+              <a:rPr lang="en-US" altLang="ko-KR" sz="1050" i="1" dirty="0" err="1">
+                <a:latin typeface="Times New Roman" panose="02020603050405020304" pitchFamily="18" charset="0"/>
+                <a:cs typeface="Times New Roman" panose="02020603050405020304" pitchFamily="18" charset="0"/>
+              </a:rPr>
+              <a:t>Tehc</a:t>
+            </a:r>
+            <a:r>
+              <a:rPr lang="en-US" altLang="ko-KR" sz="1050" i="1" dirty="0">
+                <a:latin typeface="Times New Roman" panose="02020603050405020304" pitchFamily="18" charset="0"/>
+                <a:cs typeface="Times New Roman" panose="02020603050405020304" pitchFamily="18" charset="0"/>
+              </a:rPr>
+              <a:t>.</a:t>
+            </a:r>
+            <a:r>
+              <a:rPr lang="en-US" altLang="ko-KR" sz="1050" dirty="0">
+                <a:latin typeface="Times New Roman" panose="02020603050405020304" pitchFamily="18" charset="0"/>
+                <a:cs typeface="Times New Roman" panose="02020603050405020304" pitchFamily="18" charset="0"/>
+              </a:rPr>
+              <a:t>, Vol. 5, </a:t>
+            </a:r>
+            <a:r>
+              <a:rPr lang="en-US" altLang="ko-KR" sz="1050" dirty="0" smtClean="0">
+                <a:latin typeface="Times New Roman" panose="02020603050405020304" pitchFamily="18" charset="0"/>
+                <a:cs typeface="Times New Roman" panose="02020603050405020304" pitchFamily="18" charset="0"/>
+              </a:rPr>
+              <a:t>1999.</a:t>
+            </a:r>
+            <a:endParaRPr lang="en-US" altLang="ko-KR" sz="1050" dirty="0">
+              <a:latin typeface="Times New Roman" panose="02020603050405020304" pitchFamily="18" charset="0"/>
+              <a:cs typeface="Times New Roman" panose="02020603050405020304" pitchFamily="18" charset="0"/>
+            </a:endParaRPr>
+          </a:p>
+        </p:txBody>
+      </p:sp>
+      <p:sp>
+        <p:nvSpPr>
+          <p:cNvPr id="8" name="TextBox 7"/>
+          <p:cNvSpPr txBox="1"/>
+          <p:nvPr/>
+        </p:nvSpPr>
+        <p:spPr>
+          <a:xfrm>
+            <a:off x="720969" y="2369369"/>
+            <a:ext cx="4404946" cy="400110"/>
+          </a:xfrm>
+          <a:prstGeom prst="rect">
+            <a:avLst/>
+          </a:prstGeom>
+          <a:noFill/>
+        </p:spPr>
+        <p:txBody>
+          <a:bodyPr wrap="square" rtlCol="0">
+            <a:spAutoFit/>
+          </a:bodyPr>
+          <a:lstStyle/>
+          <a:p>
+            <a:r>
+              <a:rPr lang="en-US" altLang="ko-KR" sz="2000" dirty="0" smtClean="0">
+                <a:solidFill>
+                  <a:srgbClr val="3333FF"/>
+                </a:solidFill>
+              </a:rPr>
+              <a:t>Photonic Crystal Fibers (PCFs)</a:t>
+            </a:r>
+            <a:endParaRPr lang="en-US" altLang="ko-KR" sz="2000" dirty="0" smtClean="0">
+              <a:solidFill>
+                <a:srgbClr val="3333FF"/>
+              </a:solidFill>
+            </a:endParaRPr>
+          </a:p>
+        </p:txBody>
+      </p:sp>
+      <p:sp>
+        <p:nvSpPr>
+          <p:cNvPr id="9" name="TextBox 8"/>
+          <p:cNvSpPr txBox="1"/>
+          <p:nvPr/>
+        </p:nvSpPr>
+        <p:spPr>
+          <a:xfrm>
+            <a:off x="720970" y="2793690"/>
+            <a:ext cx="5045846" cy="1631216"/>
+          </a:xfrm>
+          <a:prstGeom prst="rect">
+            <a:avLst/>
+          </a:prstGeom>
+          <a:noFill/>
+        </p:spPr>
+        <p:txBody>
+          <a:bodyPr wrap="square" rtlCol="0">
+            <a:spAutoFit/>
+          </a:bodyPr>
+          <a:lstStyle/>
+          <a:p>
+            <a:pPr marL="342900" indent="-342900">
+              <a:buFontTx/>
+              <a:buChar char="-"/>
+            </a:pPr>
+            <a:r>
+              <a:rPr lang="en-US" altLang="ko-KR" sz="2000" dirty="0" smtClean="0"/>
+              <a:t>Only specific wave-vectors can propagate through the fiber structure</a:t>
+            </a:r>
+          </a:p>
+          <a:p>
+            <a:pPr marL="342900" indent="-342900">
+              <a:buFontTx/>
+              <a:buChar char="-"/>
+            </a:pPr>
+            <a:r>
+              <a:rPr lang="en-US" altLang="ko-KR" sz="2000" dirty="0" smtClean="0"/>
+              <a:t>Can be designed to have zero dispersion and single-mode transmission over a very broad bandwidth.</a:t>
+            </a:r>
           </a:p>
         </p:txBody>
       </p:sp>
@@ -12736,6 +15334,391 @@
           <a:p>
             <a:pPr algn="ctr"/>
             <a:r>
+              <a:rPr lang="en-US" altLang="ko-KR" sz="2800" dirty="0">
+                <a:solidFill>
+                  <a:schemeClr val="bg1"/>
+                </a:solidFill>
+                <a:latin typeface="Arial" panose="020B0604020202020204" pitchFamily="34" charset="0"/>
+              </a:rPr>
+              <a:t>7</a:t>
+            </a:r>
+            <a:r>
+              <a:rPr lang="en-US" altLang="ko-KR" sz="2800" dirty="0" smtClean="0">
+                <a:solidFill>
+                  <a:schemeClr val="bg1"/>
+                </a:solidFill>
+                <a:latin typeface="Arial" panose="020B0604020202020204" pitchFamily="34" charset="0"/>
+              </a:rPr>
+              <a:t>. Photonic Crystal Fibers and Terahertz Waveguides</a:t>
+            </a:r>
+          </a:p>
+        </p:txBody>
+      </p:sp>
+      <p:sp>
+        <p:nvSpPr>
+          <p:cNvPr id="2" name="날짜 개체 틀 1"/>
+          <p:cNvSpPr>
+            <a:spLocks noGrp="1"/>
+          </p:cNvSpPr>
+          <p:nvPr>
+            <p:ph type="dt" sz="half" idx="10"/>
+          </p:nvPr>
+        </p:nvSpPr>
+        <p:spPr/>
+        <p:txBody>
+          <a:bodyPr/>
+          <a:lstStyle/>
+          <a:p>
+            <a:fld id="{53646E5C-8775-44A9-9523-40B6CCA06789}" type="datetime1">
+              <a:rPr lang="ko-KR" altLang="en-US" smtClean="0"/>
+              <a:t>2018-04-29</a:t>
+            </a:fld>
+            <a:endParaRPr lang="ko-KR" altLang="en-US"/>
+          </a:p>
+        </p:txBody>
+      </p:sp>
+      <p:sp>
+        <p:nvSpPr>
+          <p:cNvPr id="15" name="슬라이드 번호 개체 틀 14"/>
+          <p:cNvSpPr>
+            <a:spLocks noGrp="1"/>
+          </p:cNvSpPr>
+          <p:nvPr>
+            <p:ph type="sldNum" sz="quarter" idx="12"/>
+          </p:nvPr>
+        </p:nvSpPr>
+        <p:spPr/>
+        <p:txBody>
+          <a:bodyPr/>
+          <a:lstStyle/>
+          <a:p>
+            <a:fld id="{8765F8EB-1186-4395-8E70-F957669279DD}" type="slidenum">
+              <a:rPr lang="ko-KR" altLang="en-US" smtClean="0"/>
+              <a:t>28</a:t>
+            </a:fld>
+            <a:endParaRPr lang="ko-KR" altLang="en-US"/>
+          </a:p>
+        </p:txBody>
+      </p:sp>
+      <p:sp>
+        <p:nvSpPr>
+          <p:cNvPr id="8" name="TextBox 7"/>
+          <p:cNvSpPr txBox="1"/>
+          <p:nvPr/>
+        </p:nvSpPr>
+        <p:spPr>
+          <a:xfrm>
+            <a:off x="720969" y="940317"/>
+            <a:ext cx="4404946" cy="400110"/>
+          </a:xfrm>
+          <a:prstGeom prst="rect">
+            <a:avLst/>
+          </a:prstGeom>
+          <a:noFill/>
+        </p:spPr>
+        <p:txBody>
+          <a:bodyPr wrap="square" rtlCol="0">
+            <a:spAutoFit/>
+          </a:bodyPr>
+          <a:lstStyle/>
+          <a:p>
+            <a:r>
+              <a:rPr lang="en-US" altLang="ko-KR" sz="2000" dirty="0" smtClean="0">
+                <a:solidFill>
+                  <a:srgbClr val="3333FF"/>
+                </a:solidFill>
+              </a:rPr>
+              <a:t>Hollow Tube Fibers</a:t>
+            </a:r>
+            <a:endParaRPr lang="en-US" altLang="ko-KR" sz="2000" dirty="0" smtClean="0">
+              <a:solidFill>
+                <a:srgbClr val="3333FF"/>
+              </a:solidFill>
+            </a:endParaRPr>
+          </a:p>
+        </p:txBody>
+      </p:sp>
+      <p:sp>
+        <p:nvSpPr>
+          <p:cNvPr id="11" name="TextBox 10"/>
+          <p:cNvSpPr txBox="1"/>
+          <p:nvPr/>
+        </p:nvSpPr>
+        <p:spPr>
+          <a:xfrm>
+            <a:off x="720969" y="1340427"/>
+            <a:ext cx="7794381" cy="1938992"/>
+          </a:xfrm>
+          <a:prstGeom prst="rect">
+            <a:avLst/>
+          </a:prstGeom>
+          <a:noFill/>
+        </p:spPr>
+        <p:txBody>
+          <a:bodyPr wrap="square" rtlCol="0">
+            <a:spAutoFit/>
+          </a:bodyPr>
+          <a:lstStyle/>
+          <a:p>
+            <a:r>
+              <a:rPr lang="en-US" altLang="ko-KR" sz="2000" dirty="0" smtClean="0"/>
+              <a:t>Terahertz </a:t>
+            </a:r>
+            <a:r>
+              <a:rPr lang="en-US" altLang="ko-KR" sz="2000" dirty="0"/>
+              <a:t>waveguiding using hollow tube pipes has been </a:t>
+            </a:r>
+            <a:r>
+              <a:rPr lang="en-US" altLang="ko-KR" sz="2000" dirty="0" smtClean="0"/>
+              <a:t>demonstrated with </a:t>
+            </a:r>
+            <a:r>
+              <a:rPr lang="en-US" altLang="ko-KR" sz="2000" dirty="0"/>
+              <a:t>both </a:t>
+            </a:r>
+            <a:r>
+              <a:rPr lang="en-US" altLang="ko-KR" sz="2000" dirty="0">
+                <a:solidFill>
+                  <a:srgbClr val="3333FF"/>
+                </a:solidFill>
+              </a:rPr>
+              <a:t>uncoated tubes </a:t>
+            </a:r>
+            <a:r>
+              <a:rPr lang="en-US" altLang="ko-KR" sz="2000" dirty="0"/>
+              <a:t>and </a:t>
+            </a:r>
+            <a:r>
+              <a:rPr lang="en-US" altLang="ko-KR" sz="2000" dirty="0">
+                <a:solidFill>
+                  <a:srgbClr val="3333FF"/>
+                </a:solidFill>
+              </a:rPr>
+              <a:t>tubes containing internal metal coatings</a:t>
+            </a:r>
+            <a:r>
+              <a:rPr lang="en-US" altLang="ko-KR" sz="2000" dirty="0" smtClean="0"/>
+              <a:t>.</a:t>
+            </a:r>
+          </a:p>
+          <a:p>
+            <a:endParaRPr lang="en-US" altLang="ko-KR" sz="2000" dirty="0" smtClean="0"/>
+          </a:p>
+          <a:p>
+            <a:pPr marL="342900" indent="-342900">
+              <a:buFontTx/>
+              <a:buChar char="-"/>
+            </a:pPr>
+            <a:r>
+              <a:rPr lang="en-US" altLang="ko-KR" sz="2000" dirty="0" smtClean="0"/>
+              <a:t>Uncoated tubes: PTFE (0.005 dB/cm at 0.4 THz)</a:t>
+            </a:r>
+          </a:p>
+          <a:p>
+            <a:pPr marL="342900" indent="-342900">
+              <a:buFontTx/>
+              <a:buChar char="-"/>
+            </a:pPr>
+            <a:r>
+              <a:rPr lang="en-US" altLang="ko-KR" sz="2000" dirty="0" smtClean="0"/>
+              <a:t>Internal metal coatings: Polycarbonate tube coated with Cu (0.05 dB/cm at 2.5 THz), Thin-walled glass coated with Ag (6 dB at 0.67 THz)</a:t>
+            </a:r>
+          </a:p>
+        </p:txBody>
+      </p:sp>
+      <p:pic>
+        <p:nvPicPr>
+          <p:cNvPr id="4" name="그림 3"/>
+          <p:cNvPicPr>
+            <a:picLocks noChangeAspect="1"/>
+          </p:cNvPicPr>
+          <p:nvPr/>
+        </p:nvPicPr>
+        <p:blipFill>
+          <a:blip r:embed="rId3"/>
+          <a:stretch>
+            <a:fillRect/>
+          </a:stretch>
+        </p:blipFill>
+        <p:spPr>
+          <a:xfrm>
+            <a:off x="2635468" y="3279419"/>
+            <a:ext cx="3873064" cy="2621403"/>
+          </a:xfrm>
+          <a:prstGeom prst="rect">
+            <a:avLst/>
+          </a:prstGeom>
+        </p:spPr>
+      </p:pic>
+      <p:sp>
+        <p:nvSpPr>
+          <p:cNvPr id="12" name="TextBox 11"/>
+          <p:cNvSpPr txBox="1"/>
+          <p:nvPr/>
+        </p:nvSpPr>
+        <p:spPr>
+          <a:xfrm>
+            <a:off x="268165" y="6078224"/>
+            <a:ext cx="8607669" cy="253916"/>
+          </a:xfrm>
+          <a:prstGeom prst="rect">
+            <a:avLst/>
+          </a:prstGeom>
+          <a:noFill/>
+        </p:spPr>
+        <p:txBody>
+          <a:bodyPr wrap="square" rtlCol="0">
+            <a:spAutoFit/>
+          </a:bodyPr>
+          <a:lstStyle/>
+          <a:p>
+            <a:r>
+              <a:rPr lang="en-US" altLang="ko-KR" sz="1050" dirty="0" err="1">
+                <a:latin typeface="Times New Roman" panose="02020603050405020304" pitchFamily="18" charset="0"/>
+                <a:cs typeface="Times New Roman" panose="02020603050405020304" pitchFamily="18" charset="0"/>
+              </a:rPr>
+              <a:t>Kröll</a:t>
+            </a:r>
+            <a:r>
+              <a:rPr lang="en-US" altLang="ko-KR" sz="1050" dirty="0">
+                <a:latin typeface="Times New Roman" panose="02020603050405020304" pitchFamily="18" charset="0"/>
+                <a:cs typeface="Times New Roman" panose="02020603050405020304" pitchFamily="18" charset="0"/>
+              </a:rPr>
+              <a:t>, J., J. </a:t>
+            </a:r>
+            <a:r>
+              <a:rPr lang="en-US" altLang="ko-KR" sz="1050" dirty="0" err="1">
+                <a:latin typeface="Times New Roman" panose="02020603050405020304" pitchFamily="18" charset="0"/>
+                <a:cs typeface="Times New Roman" panose="02020603050405020304" pitchFamily="18" charset="0"/>
+              </a:rPr>
+              <a:t>Darmo</a:t>
+            </a:r>
+            <a:r>
+              <a:rPr lang="en-US" altLang="ko-KR" sz="1050" dirty="0">
+                <a:latin typeface="Times New Roman" panose="02020603050405020304" pitchFamily="18" charset="0"/>
+                <a:cs typeface="Times New Roman" panose="02020603050405020304" pitchFamily="18" charset="0"/>
+              </a:rPr>
+              <a:t>, and K. </a:t>
+            </a:r>
+            <a:r>
+              <a:rPr lang="en-US" altLang="ko-KR" sz="1050" dirty="0" err="1">
+                <a:latin typeface="Times New Roman" panose="02020603050405020304" pitchFamily="18" charset="0"/>
+                <a:cs typeface="Times New Roman" panose="02020603050405020304" pitchFamily="18" charset="0"/>
+              </a:rPr>
+              <a:t>Unterrainer</a:t>
+            </a:r>
+            <a:r>
+              <a:rPr lang="en-US" altLang="ko-KR" sz="1050" dirty="0">
+                <a:latin typeface="Times New Roman" panose="02020603050405020304" pitchFamily="18" charset="0"/>
+                <a:cs typeface="Times New Roman" panose="02020603050405020304" pitchFamily="18" charset="0"/>
+              </a:rPr>
+              <a:t>, “Metallic Wave-Impedance Matching Layers for Broadband Terahertz Optical Systems,” Opt. Exp., Vol. 15, </a:t>
+            </a:r>
+            <a:r>
+              <a:rPr lang="en-US" altLang="ko-KR" sz="1050" dirty="0" smtClean="0">
+                <a:latin typeface="Times New Roman" panose="02020603050405020304" pitchFamily="18" charset="0"/>
+                <a:cs typeface="Times New Roman" panose="02020603050405020304" pitchFamily="18" charset="0"/>
+              </a:rPr>
+              <a:t>2007</a:t>
+            </a:r>
+            <a:r>
+              <a:rPr lang="en-US" altLang="ko-KR" sz="1050" dirty="0">
+                <a:latin typeface="Times New Roman" panose="02020603050405020304" pitchFamily="18" charset="0"/>
+                <a:cs typeface="Times New Roman" panose="02020603050405020304" pitchFamily="18" charset="0"/>
+              </a:rPr>
+              <a:t>.</a:t>
+            </a:r>
+          </a:p>
+        </p:txBody>
+      </p:sp>
+    </p:spTree>
+    <p:extLst>
+      <p:ext uri="{BB962C8B-B14F-4D97-AF65-F5344CB8AC3E}">
+        <p14:creationId xmlns:p14="http://schemas.microsoft.com/office/powerpoint/2010/main" val="1182062450"/>
+      </p:ext>
+    </p:extLst>
+  </p:cSld>
+  <p:clrMapOvr>
+    <a:masterClrMapping/>
+  </p:clrMapOvr>
+  <p:timing>
+    <p:tnLst>
+      <p:par>
+        <p:cTn id="1" dur="indefinite" restart="never" nodeType="tmRoot"/>
+      </p:par>
+    </p:tnLst>
+  </p:timing>
+</p:sld>
+</file>
+
+<file path=ppt/slides/slide29.xml><?xml version="1.0" encoding="utf-8"?>
+<p:sld xmlns:a="http://schemas.openxmlformats.org/drawingml/2006/main" xmlns:r="http://schemas.openxmlformats.org/officeDocument/2006/relationships" xmlns:p="http://schemas.openxmlformats.org/presentationml/2006/main">
+  <p:cSld>
+    <p:spTree>
+      <p:nvGrpSpPr>
+        <p:cNvPr id="1" name=""/>
+        <p:cNvGrpSpPr/>
+        <p:nvPr/>
+      </p:nvGrpSpPr>
+      <p:grpSpPr>
+        <a:xfrm>
+          <a:off x="0" y="0"/>
+          <a:ext cx="0" cy="0"/>
+          <a:chOff x="0" y="0"/>
+          <a:chExt cx="0" cy="0"/>
+        </a:xfrm>
+      </p:grpSpPr>
+      <p:sp>
+        <p:nvSpPr>
+          <p:cNvPr id="6199" name="Rectangle 55"/>
+          <p:cNvSpPr>
+            <a:spLocks noChangeArrowheads="1"/>
+          </p:cNvSpPr>
+          <p:nvPr/>
+        </p:nvSpPr>
+        <p:spPr bwMode="auto">
+          <a:xfrm>
+            <a:off x="0" y="0"/>
+            <a:ext cx="9144000" cy="692150"/>
+          </a:xfrm>
+          <a:prstGeom prst="rect">
+            <a:avLst/>
+          </a:prstGeom>
+          <a:solidFill>
+            <a:srgbClr val="3333FF"/>
+          </a:solidFill>
+          <a:ln>
+            <a:noFill/>
+          </a:ln>
+          <a:effectLst/>
+          <a:extLst>
+            <a:ext uri="{91240B29-F687-4F45-9708-019B960494DF}">
+              <a14:hiddenLine xmlns:a14="http://schemas.microsoft.com/office/drawing/2010/main" w="9525">
+                <a:solidFill>
+                  <a:schemeClr val="tx1"/>
+                </a:solidFill>
+                <a:miter lim="800000"/>
+                <a:headEnd/>
+                <a:tailEnd/>
+              </a14:hiddenLine>
+            </a:ext>
+            <a:ext uri="{AF507438-7753-43E0-B8FC-AC1667EBCBE1}">
+              <a14:hiddenEffects xmlns:a14="http://schemas.microsoft.com/office/drawing/2010/main">
+                <a:effectLst>
+                  <a:outerShdw dist="35921" dir="2700000" algn="ctr" rotWithShape="0">
+                    <a:schemeClr val="bg2"/>
+                  </a:outerShdw>
+                </a:effectLst>
+              </a14:hiddenEffects>
+            </a:ext>
+          </a:extLst>
+        </p:spPr>
+        <p:txBody>
+          <a:bodyPr wrap="none" anchor="ctr"/>
+          <a:lstStyle/>
+          <a:p>
+            <a:pPr algn="ctr"/>
+            <a:r>
               <a:rPr lang="en-US" altLang="ko-KR" sz="2800" dirty="0" smtClean="0">
                 <a:solidFill>
                   <a:schemeClr val="bg1"/>
@@ -12762,7 +15745,7 @@
         <p:spPr>
           <a:xfrm>
             <a:off x="268165" y="1362807"/>
-            <a:ext cx="8607669" cy="646331"/>
+            <a:ext cx="8607669" cy="2862322"/>
           </a:xfrm>
           <a:prstGeom prst="rect">
             <a:avLst/>
@@ -12784,28 +15767,144 @@
                 <a:latin typeface="Times New Roman" panose="02020603050405020304" pitchFamily="18" charset="0"/>
                 <a:cs typeface="Times New Roman" panose="02020603050405020304" pitchFamily="18" charset="0"/>
               </a:rPr>
-              <a:t>Gatesman</a:t>
+              <a:t>Auton</a:t>
             </a:r>
             <a:r>
               <a:rPr lang="en-US" altLang="ko-KR" dirty="0" smtClean="0">
                 <a:latin typeface="Times New Roman" panose="02020603050405020304" pitchFamily="18" charset="0"/>
                 <a:cs typeface="Times New Roman" panose="02020603050405020304" pitchFamily="18" charset="0"/>
               </a:rPr>
-              <a:t>, A. J., R. H. Giles, and J. Waldman, “High-Precision </a:t>
-            </a:r>
+              <a:t>, J. P., “Infrared Transmission Polarizers by Photolithography,” </a:t>
+            </a:r>
+            <a:r>
+              <a:rPr lang="en-US" altLang="ko-KR" i="1" dirty="0" smtClean="0">
+                <a:latin typeface="Times New Roman" panose="02020603050405020304" pitchFamily="18" charset="0"/>
+                <a:cs typeface="Times New Roman" panose="02020603050405020304" pitchFamily="18" charset="0"/>
+              </a:rPr>
+              <a:t>App. Opt.</a:t>
+            </a:r>
+            <a:r>
+              <a:rPr lang="en-US" altLang="ko-KR" dirty="0" smtClean="0">
+                <a:latin typeface="Times New Roman" panose="02020603050405020304" pitchFamily="18" charset="0"/>
+                <a:cs typeface="Times New Roman" panose="02020603050405020304" pitchFamily="18" charset="0"/>
+              </a:rPr>
+              <a:t>, Vol. 6, 1967, pp. 1023-1027.</a:t>
+            </a:r>
+          </a:p>
+          <a:p>
+            <a:pPr marL="285750" indent="-285750">
+              <a:buFont typeface="Arial" panose="020B0604020202020204" pitchFamily="34" charset="0"/>
+              <a:buChar char="•"/>
+            </a:pPr>
             <a:r>
               <a:rPr lang="en-US" altLang="ko-KR" dirty="0" err="1" smtClean="0">
                 <a:latin typeface="Times New Roman" panose="02020603050405020304" pitchFamily="18" charset="0"/>
                 <a:cs typeface="Times New Roman" panose="02020603050405020304" pitchFamily="18" charset="0"/>
               </a:rPr>
-              <a:t>Reflectrometer</a:t>
+              <a:t>Broeng</a:t>
             </a:r>
             <a:r>
               <a:rPr lang="en-US" altLang="ko-KR" dirty="0" smtClean="0">
                 <a:latin typeface="Times New Roman" panose="02020603050405020304" pitchFamily="18" charset="0"/>
                 <a:cs typeface="Times New Roman" panose="02020603050405020304" pitchFamily="18" charset="0"/>
               </a:rPr>
-              <a:t> for Submillimeter Wavelength,” </a:t>
+              <a:t>, J., “Photonic Crystal Fibers: A New Class of Optical Waveguides,” </a:t>
+            </a:r>
+            <a:r>
+              <a:rPr lang="en-US" altLang="ko-KR" i="1" dirty="0" smtClean="0">
+                <a:latin typeface="Times New Roman" panose="02020603050405020304" pitchFamily="18" charset="0"/>
+                <a:cs typeface="Times New Roman" panose="02020603050405020304" pitchFamily="18" charset="0"/>
+              </a:rPr>
+              <a:t>Opt. Fiber </a:t>
+            </a:r>
+            <a:r>
+              <a:rPr lang="en-US" altLang="ko-KR" i="1" dirty="0" err="1" smtClean="0">
+                <a:latin typeface="Times New Roman" panose="02020603050405020304" pitchFamily="18" charset="0"/>
+                <a:cs typeface="Times New Roman" panose="02020603050405020304" pitchFamily="18" charset="0"/>
+              </a:rPr>
+              <a:t>Tehc</a:t>
+            </a:r>
+            <a:r>
+              <a:rPr lang="en-US" altLang="ko-KR" i="1" dirty="0" smtClean="0">
+                <a:latin typeface="Times New Roman" panose="02020603050405020304" pitchFamily="18" charset="0"/>
+                <a:cs typeface="Times New Roman" panose="02020603050405020304" pitchFamily="18" charset="0"/>
+              </a:rPr>
+              <a:t>.</a:t>
+            </a:r>
+            <a:r>
+              <a:rPr lang="en-US" altLang="ko-KR" dirty="0" smtClean="0">
+                <a:latin typeface="Times New Roman" panose="02020603050405020304" pitchFamily="18" charset="0"/>
+                <a:cs typeface="Times New Roman" panose="02020603050405020304" pitchFamily="18" charset="0"/>
+              </a:rPr>
+              <a:t>, Vol. 5, 1999, pp. 305-330.</a:t>
+            </a:r>
+          </a:p>
+          <a:p>
+            <a:pPr marL="285750" indent="-285750">
+              <a:buFont typeface="Arial" panose="020B0604020202020204" pitchFamily="34" charset="0"/>
+              <a:buChar char="•"/>
+            </a:pPr>
+            <a:r>
+              <a:rPr lang="en-US" altLang="ko-KR" dirty="0" err="1">
+                <a:latin typeface="Times New Roman" panose="02020603050405020304" pitchFamily="18" charset="0"/>
+                <a:cs typeface="Times New Roman" panose="02020603050405020304" pitchFamily="18" charset="0"/>
+              </a:rPr>
+              <a:t>Gatesman</a:t>
+            </a:r>
+            <a:r>
+              <a:rPr lang="en-US" altLang="ko-KR" dirty="0">
+                <a:latin typeface="Times New Roman" panose="02020603050405020304" pitchFamily="18" charset="0"/>
+                <a:cs typeface="Times New Roman" panose="02020603050405020304" pitchFamily="18" charset="0"/>
+              </a:rPr>
+              <a:t>, A. J., R. H. Giles, and J. Waldman, “High-Precision </a:t>
+            </a:r>
+            <a:r>
+              <a:rPr lang="en-US" altLang="ko-KR" dirty="0" smtClean="0">
+                <a:latin typeface="Times New Roman" panose="02020603050405020304" pitchFamily="18" charset="0"/>
+                <a:cs typeface="Times New Roman" panose="02020603050405020304" pitchFamily="18" charset="0"/>
+              </a:rPr>
+              <a:t>Reflectometer </a:t>
+            </a:r>
+            <a:r>
+              <a:rPr lang="en-US" altLang="ko-KR" dirty="0">
+                <a:latin typeface="Times New Roman" panose="02020603050405020304" pitchFamily="18" charset="0"/>
+                <a:cs typeface="Times New Roman" panose="02020603050405020304" pitchFamily="18" charset="0"/>
+              </a:rPr>
+              <a:t>for Submillimeter Wavelength,” </a:t>
+            </a:r>
+            <a:r>
+              <a:rPr lang="en-US" altLang="ko-KR" i="1" dirty="0">
+                <a:latin typeface="Times New Roman" panose="02020603050405020304" pitchFamily="18" charset="0"/>
+                <a:cs typeface="Times New Roman" panose="02020603050405020304" pitchFamily="18" charset="0"/>
+              </a:rPr>
+              <a:t>J. Opt. Soc. Am. B</a:t>
+            </a:r>
+            <a:r>
+              <a:rPr lang="en-US" altLang="ko-KR" dirty="0">
+                <a:latin typeface="Times New Roman" panose="02020603050405020304" pitchFamily="18" charset="0"/>
+                <a:cs typeface="Times New Roman" panose="02020603050405020304" pitchFamily="18" charset="0"/>
+              </a:rPr>
+              <a:t>, Vol. 12, 1995, pp. 212-219</a:t>
+            </a:r>
+            <a:r>
+              <a:rPr lang="en-US" altLang="ko-KR" dirty="0" smtClean="0">
+                <a:latin typeface="Times New Roman" panose="02020603050405020304" pitchFamily="18" charset="0"/>
+                <a:cs typeface="Times New Roman" panose="02020603050405020304" pitchFamily="18" charset="0"/>
+              </a:rPr>
+              <a:t>.</a:t>
+            </a:r>
+          </a:p>
+          <a:p>
+            <a:pPr marL="285750" indent="-285750">
+              <a:buFont typeface="Arial" panose="020B0604020202020204" pitchFamily="34" charset="0"/>
+              <a:buChar char="•"/>
+            </a:pPr>
+            <a:r>
+              <a:rPr lang="en-US" altLang="ko-KR" dirty="0" smtClean="0">
+                <a:latin typeface="Times New Roman" panose="02020603050405020304" pitchFamily="18" charset="0"/>
+                <a:cs typeface="Times New Roman" panose="02020603050405020304" pitchFamily="18" charset="0"/>
+              </a:rPr>
+              <a:t>Ito, T., et al., “Flexible Terahertz Fiber Optics with Low Bend-Induced Losses,” </a:t>
             </a:r>
             <a:r>
               <a:rPr lang="en-US" altLang="ko-KR" i="1" dirty="0" smtClean="0">
@@ -12819,8 +15918,60 @@
                 <a:latin typeface="Times New Roman" panose="02020603050405020304" pitchFamily="18" charset="0"/>
                 <a:cs typeface="Times New Roman" panose="02020603050405020304" pitchFamily="18" charset="0"/>
               </a:rPr>
-              <a:t>, Vol. 12, 1995, pp. 212-219.</a:t>
-            </a:r>
+              <a:t>, Vol. 24, 2007, pp. 1230-1235.</a:t>
+            </a:r>
+          </a:p>
+          <a:p>
+            <a:pPr marL="285750" indent="-285750">
+              <a:buFont typeface="Arial" panose="020B0604020202020204" pitchFamily="34" charset="0"/>
+              <a:buChar char="•"/>
+            </a:pPr>
+            <a:r>
+              <a:rPr lang="en-US" altLang="ko-KR" dirty="0" err="1" smtClean="0">
+                <a:latin typeface="Times New Roman" panose="02020603050405020304" pitchFamily="18" charset="0"/>
+                <a:cs typeface="Times New Roman" panose="02020603050405020304" pitchFamily="18" charset="0"/>
+              </a:rPr>
+              <a:t>Kröll</a:t>
+            </a:r>
+            <a:r>
+              <a:rPr lang="en-US" altLang="ko-KR" dirty="0" smtClean="0">
+                <a:latin typeface="Times New Roman" panose="02020603050405020304" pitchFamily="18" charset="0"/>
+                <a:cs typeface="Times New Roman" panose="02020603050405020304" pitchFamily="18" charset="0"/>
+              </a:rPr>
+              <a:t>, J., J. </a:t>
+            </a:r>
+            <a:r>
+              <a:rPr lang="en-US" altLang="ko-KR" dirty="0" err="1" smtClean="0">
+                <a:latin typeface="Times New Roman" panose="02020603050405020304" pitchFamily="18" charset="0"/>
+                <a:cs typeface="Times New Roman" panose="02020603050405020304" pitchFamily="18" charset="0"/>
+              </a:rPr>
+              <a:t>Darmo</a:t>
+            </a:r>
+            <a:r>
+              <a:rPr lang="en-US" altLang="ko-KR" dirty="0" smtClean="0">
+                <a:latin typeface="Times New Roman" panose="02020603050405020304" pitchFamily="18" charset="0"/>
+                <a:cs typeface="Times New Roman" panose="02020603050405020304" pitchFamily="18" charset="0"/>
+              </a:rPr>
+              <a:t>, and K. </a:t>
+            </a:r>
+            <a:r>
+              <a:rPr lang="en-US" altLang="ko-KR" dirty="0" err="1" smtClean="0">
+                <a:latin typeface="Times New Roman" panose="02020603050405020304" pitchFamily="18" charset="0"/>
+                <a:cs typeface="Times New Roman" panose="02020603050405020304" pitchFamily="18" charset="0"/>
+              </a:rPr>
+              <a:t>Unterrainer</a:t>
+            </a:r>
+            <a:r>
+              <a:rPr lang="en-US" altLang="ko-KR" dirty="0" smtClean="0">
+                <a:latin typeface="Times New Roman" panose="02020603050405020304" pitchFamily="18" charset="0"/>
+                <a:cs typeface="Times New Roman" panose="02020603050405020304" pitchFamily="18" charset="0"/>
+              </a:rPr>
+              <a:t>, “Metallic Wave-Impedance Matching Layers for Broadband Terahertz Optical Systems,” Opt. Exp., Vol. 15, 2007, pp. 6552-6560.</a:t>
+            </a:r>
+            <a:endParaRPr lang="en-US" altLang="ko-KR" dirty="0" smtClean="0">
+              <a:latin typeface="Times New Roman" panose="02020603050405020304" pitchFamily="18" charset="0"/>
+              <a:cs typeface="Times New Roman" panose="02020603050405020304" pitchFamily="18" charset="0"/>
+            </a:endParaRPr>
           </a:p>
         </p:txBody>
       </p:sp>
@@ -12841,7 +15992,7 @@
           <a:p>
             <a:fld id="{6509A91F-0059-474E-BAEC-65E67593FE25}" type="datetime1">
               <a:rPr lang="ko-KR" altLang="en-US" smtClean="0"/>
-              <a:t>2018-04-27</a:t>
+              <a:t>2018-04-29</a:t>
             </a:fld>
             <a:endParaRPr lang="ko-KR" altLang="en-US"/>
           </a:p>
@@ -12864,7 +16015,7 @@
           <a:p>
             <a:fld id="{8765F8EB-1186-4395-8E70-F957669279DD}" type="slidenum">
               <a:rPr lang="ko-KR" altLang="en-US" smtClean="0"/>
-              <a:t>28</a:t>
+              <a:t>29</a:t>
             </a:fld>
             <a:endParaRPr lang="ko-KR" altLang="en-US"/>
           </a:p>
@@ -13038,7 +16189,7 @@
           <a:p>
             <a:fld id="{F85A177F-6FD3-496B-8A9C-B332CA04E863}" type="datetime1">
               <a:rPr lang="ko-KR" altLang="en-US" smtClean="0"/>
-              <a:t>2018-04-27</a:t>
+              <a:t>2018-04-29</a:t>
             </a:fld>
             <a:endParaRPr lang="ko-KR" altLang="en-US"/>
           </a:p>
@@ -13183,7 +16334,7 @@
           <a:p>
             <a:fld id="{53646E5C-8775-44A9-9523-40B6CCA06789}" type="datetime1">
               <a:rPr lang="ko-KR" altLang="en-US" smtClean="0"/>
-              <a:t>2018-04-27</a:t>
+              <a:t>2018-04-29</a:t>
             </a:fld>
             <a:endParaRPr lang="ko-KR" altLang="en-US"/>
           </a:p>
@@ -14294,7 +17445,7 @@
           <a:p>
             <a:fld id="{53646E5C-8775-44A9-9523-40B6CCA06789}" type="datetime1">
               <a:rPr lang="ko-KR" altLang="en-US" smtClean="0"/>
-              <a:t>2018-04-27</a:t>
+              <a:t>2018-04-29</a:t>
             </a:fld>
             <a:endParaRPr lang="ko-KR" altLang="en-US"/>
           </a:p>
@@ -14383,8 +17534,8 @@
               <a:t>Resonant absorption of radiation occurs when the frequency of the incident terahertz wave matches that of vibrational modes (</a:t>
             </a:r>
             <a:r>
-              <a:rPr lang="en-US" altLang="ko-KR" sz="2000" dirty="0" err="1" smtClean="0"/>
-              <a:t>phonos</a:t>
+              <a:rPr lang="en-US" altLang="ko-KR" sz="2000" dirty="0" smtClean="0"/>
+              <a:t>phonons</a:t>
             </a:r>
             <a:r>
               <a:rPr lang="en-US" altLang="ko-KR" sz="2000" dirty="0" smtClean="0"/>
@@ -14393,6 +17544,375 @@
           </a:p>
         </p:txBody>
       </p:sp>
+      <mc:AlternateContent xmlns:mc="http://schemas.openxmlformats.org/markup-compatibility/2006">
+        <mc:Choice xmlns:a14="http://schemas.microsoft.com/office/drawing/2010/main" Requires="a14">
+          <p:sp>
+            <p:nvSpPr>
+              <p:cNvPr id="3" name="TextBox 2"/>
+              <p:cNvSpPr txBox="1"/>
+              <p:nvPr/>
+            </p:nvSpPr>
+            <p:spPr>
+              <a:xfrm>
+                <a:off x="3976573" y="3141388"/>
+                <a:ext cx="1301958" cy="567463"/>
+              </a:xfrm>
+              <a:prstGeom prst="rect">
+                <a:avLst/>
+              </a:prstGeom>
+              <a:noFill/>
+            </p:spPr>
+            <p:txBody>
+              <a:bodyPr wrap="none" lIns="0" tIns="0" rIns="0" bIns="0" rtlCol="0">
+                <a:spAutoFit/>
+              </a:bodyPr>
+              <a:lstStyle/>
+              <a:p>
+                <a14:m>
+                  <m:oMathPara xmlns:m="http://schemas.openxmlformats.org/officeDocument/2006/math">
+                    <m:oMathParaPr>
+                      <m:jc m:val="centerGroup"/>
+                    </m:oMathParaPr>
+                    <m:oMath xmlns:m="http://schemas.openxmlformats.org/officeDocument/2006/math">
+                      <m:f>
+                        <m:fPr>
+                          <m:ctrlPr>
+                            <a:rPr lang="en-US" altLang="ko-KR" b="0" i="1" smtClean="0">
+                              <a:latin typeface="Cambria Math" panose="02040503050406030204" pitchFamily="18" charset="0"/>
+                            </a:rPr>
+                          </m:ctrlPr>
+                        </m:fPr>
+                        <m:num>
+                          <m:sSub>
+                            <m:sSubPr>
+                              <m:ctrlPr>
+                                <a:rPr lang="en-US" altLang="ko-KR" b="0" i="1" smtClean="0">
+                                  <a:latin typeface="Cambria Math" panose="02040503050406030204" pitchFamily="18" charset="0"/>
+                                </a:rPr>
+                              </m:ctrlPr>
+                            </m:sSubPr>
+                            <m:e>
+                              <m:r>
+                                <a:rPr lang="en-US" altLang="ko-KR" b="0" i="1" smtClean="0">
+                                  <a:latin typeface="Cambria Math" panose="02040503050406030204" pitchFamily="18" charset="0"/>
+                                </a:rPr>
+                                <m:t>𝜀</m:t>
+                              </m:r>
+                            </m:e>
+                            <m:sub>
+                              <m:r>
+                                <a:rPr lang="en-US" altLang="ko-KR" b="0" i="1" smtClean="0">
+                                  <a:latin typeface="Cambria Math" panose="02040503050406030204" pitchFamily="18" charset="0"/>
+                                </a:rPr>
+                                <m:t>𝑟</m:t>
+                              </m:r>
+                            </m:sub>
+                          </m:sSub>
+                          <m:r>
+                            <a:rPr lang="en-US" altLang="ko-KR" b="0" i="1" smtClean="0">
+                              <a:latin typeface="Cambria Math" panose="02040503050406030204" pitchFamily="18" charset="0"/>
+                            </a:rPr>
+                            <m:t>−1</m:t>
+                          </m:r>
+                        </m:num>
+                        <m:den>
+                          <m:sSub>
+                            <m:sSubPr>
+                              <m:ctrlPr>
+                                <a:rPr lang="en-US" altLang="ko-KR" b="0" i="1" smtClean="0">
+                                  <a:latin typeface="Cambria Math" panose="02040503050406030204" pitchFamily="18" charset="0"/>
+                                </a:rPr>
+                              </m:ctrlPr>
+                            </m:sSubPr>
+                            <m:e>
+                              <m:r>
+                                <a:rPr lang="en-US" altLang="ko-KR" b="0" i="1" smtClean="0">
+                                  <a:latin typeface="Cambria Math" panose="02040503050406030204" pitchFamily="18" charset="0"/>
+                                </a:rPr>
+                                <m:t>𝜀</m:t>
+                              </m:r>
+                            </m:e>
+                            <m:sub>
+                              <m:r>
+                                <a:rPr lang="en-US" altLang="ko-KR" b="0" i="1" smtClean="0">
+                                  <a:latin typeface="Cambria Math" panose="02040503050406030204" pitchFamily="18" charset="0"/>
+                                </a:rPr>
+                                <m:t>𝑟</m:t>
+                              </m:r>
+                            </m:sub>
+                          </m:sSub>
+                          <m:r>
+                            <a:rPr lang="en-US" altLang="ko-KR" b="0" i="1" smtClean="0">
+                              <a:latin typeface="Cambria Math" panose="02040503050406030204" pitchFamily="18" charset="0"/>
+                            </a:rPr>
+                            <m:t>+2</m:t>
+                          </m:r>
+                        </m:den>
+                      </m:f>
+                      <m:r>
+                        <a:rPr lang="en-US" altLang="ko-KR" b="0" i="1" smtClean="0">
+                          <a:latin typeface="Cambria Math" panose="02040503050406030204" pitchFamily="18" charset="0"/>
+                        </a:rPr>
+                        <m:t>=</m:t>
+                      </m:r>
+                      <m:f>
+                        <m:fPr>
+                          <m:ctrlPr>
+                            <a:rPr lang="en-US" altLang="ko-KR" b="0" i="1" smtClean="0">
+                              <a:latin typeface="Cambria Math" panose="02040503050406030204" pitchFamily="18" charset="0"/>
+                            </a:rPr>
+                          </m:ctrlPr>
+                        </m:fPr>
+                        <m:num>
+                          <m:r>
+                            <a:rPr lang="en-US" altLang="ko-KR" b="0" i="1" smtClean="0">
+                              <a:latin typeface="Cambria Math" panose="02040503050406030204" pitchFamily="18" charset="0"/>
+                            </a:rPr>
+                            <m:t>𝑁𝑝</m:t>
+                          </m:r>
+                        </m:num>
+                        <m:den>
+                          <m:r>
+                            <a:rPr lang="en-US" altLang="ko-KR" b="0" i="1" smtClean="0">
+                              <a:latin typeface="Cambria Math" panose="02040503050406030204" pitchFamily="18" charset="0"/>
+                            </a:rPr>
+                            <m:t>2</m:t>
+                          </m:r>
+                          <m:sSub>
+                            <m:sSubPr>
+                              <m:ctrlPr>
+                                <a:rPr lang="en-US" altLang="ko-KR" b="0" i="1" smtClean="0">
+                                  <a:latin typeface="Cambria Math" panose="02040503050406030204" pitchFamily="18" charset="0"/>
+                                </a:rPr>
+                              </m:ctrlPr>
+                            </m:sSubPr>
+                            <m:e>
+                              <m:r>
+                                <a:rPr lang="en-US" altLang="ko-KR" b="0" i="1" smtClean="0">
+                                  <a:latin typeface="Cambria Math" panose="02040503050406030204" pitchFamily="18" charset="0"/>
+                                </a:rPr>
+                                <m:t>𝜀</m:t>
+                              </m:r>
+                            </m:e>
+                            <m:sub>
+                              <m:r>
+                                <a:rPr lang="en-US" altLang="ko-KR" b="0" i="1" smtClean="0">
+                                  <a:latin typeface="Cambria Math" panose="02040503050406030204" pitchFamily="18" charset="0"/>
+                                </a:rPr>
+                                <m:t>0</m:t>
+                              </m:r>
+                            </m:sub>
+                          </m:sSub>
+                        </m:den>
+                      </m:f>
+                    </m:oMath>
+                  </m:oMathPara>
+                </a14:m>
+                <a:endParaRPr lang="ko-KR" altLang="en-US" dirty="0"/>
+              </a:p>
+            </p:txBody>
+          </p:sp>
+        </mc:Choice>
+        <mc:Fallback>
+          <p:sp>
+            <p:nvSpPr>
+              <p:cNvPr id="3" name="TextBox 2"/>
+              <p:cNvSpPr txBox="1">
+                <a:spLocks noRot="1" noChangeAspect="1" noMove="1" noResize="1" noEditPoints="1" noAdjustHandles="1" noChangeArrowheads="1" noChangeShapeType="1" noTextEdit="1"/>
+              </p:cNvSpPr>
+              <p:nvPr/>
+            </p:nvSpPr>
+            <p:spPr>
+              <a:xfrm>
+                <a:off x="3976573" y="3141388"/>
+                <a:ext cx="1301958" cy="567463"/>
+              </a:xfrm>
+              <a:prstGeom prst="rect">
+                <a:avLst/>
+              </a:prstGeom>
+              <a:blipFill>
+                <a:blip r:embed="rId3"/>
+                <a:stretch>
+                  <a:fillRect/>
+                </a:stretch>
+              </a:blipFill>
+            </p:spPr>
+            <p:txBody>
+              <a:bodyPr/>
+              <a:lstStyle/>
+              <a:p>
+                <a:r>
+                  <a:rPr lang="ko-KR" altLang="en-US">
+                    <a:noFill/>
+                  </a:rPr>
+                  <a:t> </a:t>
+                </a:r>
+              </a:p>
+            </p:txBody>
+          </p:sp>
+        </mc:Fallback>
+      </mc:AlternateContent>
+      <p:sp>
+        <p:nvSpPr>
+          <p:cNvPr id="8" name="TextBox 7"/>
+          <p:cNvSpPr txBox="1"/>
+          <p:nvPr/>
+        </p:nvSpPr>
+        <p:spPr>
+          <a:xfrm>
+            <a:off x="720969" y="2285270"/>
+            <a:ext cx="7794381" cy="707886"/>
+          </a:xfrm>
+          <a:prstGeom prst="rect">
+            <a:avLst/>
+          </a:prstGeom>
+          <a:noFill/>
+        </p:spPr>
+        <p:txBody>
+          <a:bodyPr wrap="square" rtlCol="0">
+            <a:spAutoFit/>
+          </a:bodyPr>
+          <a:lstStyle/>
+          <a:p>
+            <a:r>
+              <a:rPr lang="en-US" altLang="ko-KR" sz="2000" i="1" dirty="0" err="1" smtClean="0"/>
+              <a:t>Reststrahlen</a:t>
+            </a:r>
+            <a:r>
+              <a:rPr lang="en-US" altLang="ko-KR" sz="2000" i="1" dirty="0" smtClean="0"/>
+              <a:t> bands: </a:t>
+            </a:r>
+            <a:r>
+              <a:rPr lang="en-US" altLang="ko-KR" sz="2000" dirty="0" smtClean="0"/>
+              <a:t>Some materials possess very intense phonon resonances clustered in broad frequency bands.</a:t>
+            </a:r>
+            <a:endParaRPr lang="en-US" altLang="ko-KR" sz="2000" dirty="0" smtClean="0"/>
+          </a:p>
+        </p:txBody>
+      </p:sp>
+      <mc:AlternateContent xmlns:mc="http://schemas.openxmlformats.org/markup-compatibility/2006">
+        <mc:Choice xmlns:a14="http://schemas.microsoft.com/office/drawing/2010/main" Requires="a14">
+          <p:sp>
+            <p:nvSpPr>
+              <p:cNvPr id="9" name="TextBox 8"/>
+              <p:cNvSpPr txBox="1"/>
+              <p:nvPr/>
+            </p:nvSpPr>
+            <p:spPr>
+              <a:xfrm>
+                <a:off x="720969" y="3909296"/>
+                <a:ext cx="7794381" cy="1015663"/>
+              </a:xfrm>
+              <a:prstGeom prst="rect">
+                <a:avLst/>
+              </a:prstGeom>
+              <a:noFill/>
+            </p:spPr>
+            <p:txBody>
+              <a:bodyPr wrap="square" rtlCol="0">
+                <a:spAutoFit/>
+              </a:bodyPr>
+              <a:lstStyle/>
+              <a:p>
+                <a:r>
+                  <a:rPr lang="en-US" altLang="ko-KR" sz="2000" dirty="0" smtClean="0"/>
+                  <a:t>At frequencies above </a:t>
+                </a:r>
+                <a:r>
+                  <a:rPr lang="en-US" altLang="ko-KR" sz="2000" dirty="0"/>
+                  <a:t>the </a:t>
+                </a:r>
+                <a:r>
+                  <a:rPr lang="en-US" altLang="ko-KR" sz="2000" dirty="0" err="1"/>
+                  <a:t>Reststrahlen</a:t>
+                </a:r>
+                <a:r>
+                  <a:rPr lang="en-US" altLang="ko-KR" sz="2000" dirty="0"/>
+                  <a:t> band, only electrons contribute to </a:t>
+                </a:r>
+                <a:r>
+                  <a:rPr lang="en-US" altLang="ko-KR" sz="2000" dirty="0" smtClean="0"/>
+                  <a:t>polarizability</a:t>
+                </a:r>
+              </a:p>
+              <a:p>
+                <a:r>
+                  <a:rPr lang="en-US" altLang="ko-KR" sz="2000" dirty="0" smtClean="0">
+                    <a:sym typeface="Wingdings" panose="05000000000000000000" pitchFamily="2" charset="2"/>
+                  </a:rPr>
+                  <a:t> </a:t>
+                </a:r>
+                <a:r>
+                  <a:rPr lang="en-US" altLang="ko-KR" sz="2000" dirty="0" smtClean="0"/>
+                  <a:t>increases </a:t>
+                </a:r>
+                <a14:m>
+                  <m:oMath xmlns:m="http://schemas.openxmlformats.org/officeDocument/2006/math">
+                    <m:r>
+                      <a:rPr lang="en-US" altLang="ko-KR" sz="2000" b="0" i="1" smtClean="0">
+                        <a:latin typeface="Cambria Math" panose="02040503050406030204" pitchFamily="18" charset="0"/>
+                      </a:rPr>
+                      <m:t>𝑝</m:t>
+                    </m:r>
+                  </m:oMath>
+                </a14:m>
+                <a:r>
+                  <a:rPr lang="en-US" altLang="ko-KR" sz="2000" dirty="0" smtClean="0"/>
+                  <a:t> </a:t>
+                </a:r>
+                <a:r>
+                  <a:rPr lang="en-US" altLang="ko-KR" sz="2000" dirty="0" smtClean="0">
+                    <a:sym typeface="Wingdings" panose="05000000000000000000" pitchFamily="2" charset="2"/>
+                  </a:rPr>
+                  <a:t> increased</a:t>
+                </a:r>
+                <a:r>
+                  <a:rPr lang="en-US" altLang="ko-KR" sz="2000" dirty="0" smtClean="0"/>
+                  <a:t> the refractive index.</a:t>
+                </a:r>
+              </a:p>
+            </p:txBody>
+          </p:sp>
+        </mc:Choice>
+        <mc:Fallback>
+          <p:sp>
+            <p:nvSpPr>
+              <p:cNvPr id="9" name="TextBox 8"/>
+              <p:cNvSpPr txBox="1">
+                <a:spLocks noRot="1" noChangeAspect="1" noMove="1" noResize="1" noEditPoints="1" noAdjustHandles="1" noChangeArrowheads="1" noChangeShapeType="1" noTextEdit="1"/>
+              </p:cNvSpPr>
+              <p:nvPr/>
+            </p:nvSpPr>
+            <p:spPr>
+              <a:xfrm>
+                <a:off x="720969" y="3909296"/>
+                <a:ext cx="7794381" cy="1015663"/>
+              </a:xfrm>
+              <a:prstGeom prst="rect">
+                <a:avLst/>
+              </a:prstGeom>
+              <a:blipFill>
+                <a:blip r:embed="rId4"/>
+                <a:stretch>
+                  <a:fillRect l="-782" t="-2994" b="-9581"/>
+                </a:stretch>
+              </a:blipFill>
+            </p:spPr>
+            <p:txBody>
+              <a:bodyPr/>
+              <a:lstStyle/>
+              <a:p>
+                <a:r>
+                  <a:rPr lang="ko-KR" altLang="en-US">
+                    <a:noFill/>
+                  </a:rPr>
+                  <a:t> </a:t>
+                </a:r>
+              </a:p>
+            </p:txBody>
+          </p:sp>
+        </mc:Fallback>
+      </mc:AlternateContent>
     </p:spTree>
     <p:extLst>
       <p:ext uri="{BB962C8B-B14F-4D97-AF65-F5344CB8AC3E}">
@@ -14509,7 +18029,7 @@
           <a:p>
             <a:fld id="{53646E5C-8775-44A9-9523-40B6CCA06789}" type="datetime1">
               <a:rPr lang="ko-KR" altLang="en-US" smtClean="0"/>
-              <a:t>2018-04-27</a:t>
+              <a:t>2018-04-29</a:t>
             </a:fld>
             <a:endParaRPr lang="ko-KR" altLang="en-US"/>
           </a:p>
@@ -14569,20 +18089,20 @@
               <a:t>Dielectric </a:t>
             </a:r>
             <a:r>
-              <a:rPr lang="en-US" altLang="ko-KR" sz="2000" dirty="0" err="1" smtClean="0">
-                <a:solidFill>
-                  <a:srgbClr val="3333FF"/>
-                </a:solidFill>
-              </a:rPr>
-              <a:t>Reaxations</a:t>
-            </a:r>
-            <a:r>
               <a:rPr lang="en-US" altLang="ko-KR" sz="2000" dirty="0" smtClean="0">
                 <a:solidFill>
                   <a:srgbClr val="3333FF"/>
                 </a:solidFill>
               </a:rPr>
-              <a:t> in Polar Materials</a:t>
+              <a:t>Relaxations </a:t>
+            </a:r>
+            <a:r>
+              <a:rPr lang="en-US" altLang="ko-KR" sz="2000" dirty="0" smtClean="0">
+                <a:solidFill>
+                  <a:srgbClr val="3333FF"/>
+                </a:solidFill>
+              </a:rPr>
+              <a:t>in Polar Materials</a:t>
             </a:r>
           </a:p>
         </p:txBody>
@@ -14756,7 +18276,7 @@
           <a:p>
             <a:fld id="{53646E5C-8775-44A9-9523-40B6CCA06789}" type="datetime1">
               <a:rPr lang="ko-KR" altLang="en-US" smtClean="0"/>
-              <a:t>2018-04-27</a:t>
+              <a:t>2018-04-29</a:t>
             </a:fld>
             <a:endParaRPr lang="ko-KR" altLang="en-US"/>
           </a:p>
@@ -14816,12 +18336,12 @@
               <a:t>Disorder-Induced Absorption in Amorphous </a:t>
             </a:r>
             <a:r>
-              <a:rPr lang="en-US" altLang="ko-KR" sz="2000" dirty="0" err="1" smtClean="0">
+              <a:rPr lang="en-US" altLang="ko-KR" sz="2000" dirty="0" smtClean="0">
                 <a:solidFill>
                   <a:srgbClr val="3333FF"/>
                 </a:solidFill>
               </a:rPr>
-              <a:t>Materilas</a:t>
+              <a:t>Materials</a:t>
             </a:r>
             <a:endParaRPr lang="en-US" altLang="ko-KR" sz="2000" dirty="0" smtClean="0">
               <a:solidFill>
@@ -14831,59 +18351,219 @@
           </a:p>
         </p:txBody>
       </p:sp>
-      <p:sp>
-        <p:nvSpPr>
-          <p:cNvPr id="10" name="TextBox 9"/>
-          <p:cNvSpPr txBox="1"/>
-          <p:nvPr/>
-        </p:nvSpPr>
-        <p:spPr>
-          <a:xfrm>
-            <a:off x="720969" y="1215632"/>
-            <a:ext cx="7794381" cy="1015663"/>
-          </a:xfrm>
-          <a:prstGeom prst="rect">
-            <a:avLst/>
-          </a:prstGeom>
-          <a:noFill/>
-        </p:spPr>
-        <p:txBody>
-          <a:bodyPr wrap="square" rtlCol="0">
-            <a:spAutoFit/>
-          </a:bodyPr>
-          <a:lstStyle/>
-          <a:p>
-            <a:r>
-              <a:rPr lang="en-US" altLang="ko-KR" sz="2000" dirty="0" smtClean="0"/>
-              <a:t>Medium- and long-range microscopic disorder in amorphous materials gives rise to absorption by coupling terahertz radiation into the acoustic phonon modes.</a:t>
-            </a:r>
-          </a:p>
-        </p:txBody>
-      </p:sp>
-      <p:pic>
-        <p:nvPicPr>
-          <p:cNvPr id="3" name="그림 2"/>
-          <p:cNvPicPr>
-            <a:picLocks noChangeAspect="1"/>
-          </p:cNvPicPr>
-          <p:nvPr/>
-        </p:nvPicPr>
-        <p:blipFill>
-          <a:blip r:embed="rId3"/>
-          <a:stretch>
-            <a:fillRect/>
-          </a:stretch>
-        </p:blipFill>
-        <p:spPr>
-          <a:xfrm>
-            <a:off x="1877157" y="2341840"/>
-            <a:ext cx="5389685" cy="3903966"/>
-          </a:xfrm>
-          <a:prstGeom prst="rect">
-            <a:avLst/>
-          </a:prstGeom>
-        </p:spPr>
-      </p:pic>
+      <mc:AlternateContent xmlns:mc="http://schemas.openxmlformats.org/markup-compatibility/2006">
+        <mc:Choice xmlns:a14="http://schemas.microsoft.com/office/drawing/2010/main" Requires="a14">
+          <p:sp>
+            <p:nvSpPr>
+              <p:cNvPr id="10" name="TextBox 9"/>
+              <p:cNvSpPr txBox="1"/>
+              <p:nvPr/>
+            </p:nvSpPr>
+            <p:spPr>
+              <a:xfrm>
+                <a:off x="720969" y="1215632"/>
+                <a:ext cx="7794381" cy="3184590"/>
+              </a:xfrm>
+              <a:prstGeom prst="rect">
+                <a:avLst/>
+              </a:prstGeom>
+              <a:noFill/>
+            </p:spPr>
+            <p:txBody>
+              <a:bodyPr wrap="square" rtlCol="0">
+                <a:spAutoFit/>
+              </a:bodyPr>
+              <a:lstStyle/>
+              <a:p>
+                <a:r>
+                  <a:rPr lang="en-US" altLang="ko-KR" sz="2000" dirty="0" smtClean="0"/>
+                  <a:t>Medium- and long-range microscopic disorder in amorphous materials gives rise to absorption by coupling terahertz radiation into the acoustic phonon modes.</a:t>
+                </a:r>
+              </a:p>
+              <a:p>
+                <a:endParaRPr lang="en-US" altLang="ko-KR" sz="2000" dirty="0"/>
+              </a:p>
+              <a:p>
+                <a:r>
+                  <a:rPr lang="en-US" altLang="ko-KR" sz="2000" dirty="0" smtClean="0"/>
+                  <a:t>The absorption rises with frequency according to</a:t>
+                </a:r>
+              </a:p>
+              <a:p>
+                <a:endParaRPr lang="en-US" altLang="ko-KR" sz="2000" dirty="0" smtClean="0"/>
+              </a:p>
+              <a:p>
+                <a14:m>
+                  <m:oMathPara xmlns:m="http://schemas.openxmlformats.org/officeDocument/2006/math">
+                    <m:oMathParaPr>
+                      <m:jc m:val="centerGroup"/>
+                    </m:oMathParaPr>
+                    <m:oMath xmlns:m="http://schemas.openxmlformats.org/officeDocument/2006/math">
+                      <m:r>
+                        <a:rPr lang="en-US" altLang="ko-KR" sz="2000" b="0" i="1" smtClean="0">
+                          <a:latin typeface="Cambria Math" panose="02040503050406030204" pitchFamily="18" charset="0"/>
+                        </a:rPr>
+                        <m:t>𝛼</m:t>
+                      </m:r>
+                      <m:d>
+                        <m:dPr>
+                          <m:ctrlPr>
+                            <a:rPr lang="en-US" altLang="ko-KR" sz="2000" b="0" i="1" smtClean="0">
+                              <a:latin typeface="Cambria Math" panose="02040503050406030204" pitchFamily="18" charset="0"/>
+                            </a:rPr>
+                          </m:ctrlPr>
+                        </m:dPr>
+                        <m:e>
+                          <m:r>
+                            <a:rPr lang="en-US" altLang="ko-KR" sz="2000" b="0" i="1" smtClean="0">
+                              <a:latin typeface="Cambria Math" panose="02040503050406030204" pitchFamily="18" charset="0"/>
+                            </a:rPr>
+                            <m:t>𝜔</m:t>
+                          </m:r>
+                        </m:e>
+                      </m:d>
+                      <m:r>
+                        <a:rPr lang="en-US" altLang="ko-KR" sz="2000" b="0" i="1" smtClean="0">
+                          <a:latin typeface="Cambria Math" panose="02040503050406030204" pitchFamily="18" charset="0"/>
+                        </a:rPr>
+                        <m:t>𝑛</m:t>
+                      </m:r>
+                      <m:d>
+                        <m:dPr>
+                          <m:ctrlPr>
+                            <a:rPr lang="en-US" altLang="ko-KR" sz="2000" b="0" i="1" smtClean="0">
+                              <a:latin typeface="Cambria Math" panose="02040503050406030204" pitchFamily="18" charset="0"/>
+                            </a:rPr>
+                          </m:ctrlPr>
+                        </m:dPr>
+                        <m:e>
+                          <m:r>
+                            <a:rPr lang="en-US" altLang="ko-KR" sz="2000" b="0" i="1" smtClean="0">
+                              <a:latin typeface="Cambria Math" panose="02040503050406030204" pitchFamily="18" charset="0"/>
+                            </a:rPr>
+                            <m:t>𝜔</m:t>
+                          </m:r>
+                        </m:e>
+                      </m:d>
+                      <m:r>
+                        <a:rPr lang="en-US" altLang="ko-KR" sz="2000" b="0" i="1" smtClean="0">
+                          <a:latin typeface="Cambria Math" panose="02040503050406030204" pitchFamily="18" charset="0"/>
+                        </a:rPr>
+                        <m:t>=</m:t>
+                      </m:r>
+                      <m:r>
+                        <a:rPr lang="en-US" altLang="ko-KR" sz="2000" b="0" i="1" smtClean="0">
+                          <a:latin typeface="Cambria Math" panose="02040503050406030204" pitchFamily="18" charset="0"/>
+                        </a:rPr>
+                        <m:t>𝐾</m:t>
+                      </m:r>
+                      <m:sSup>
+                        <m:sSupPr>
+                          <m:ctrlPr>
+                            <a:rPr lang="en-US" altLang="ko-KR" sz="2000" b="0" i="1" smtClean="0">
+                              <a:latin typeface="Cambria Math" panose="02040503050406030204" pitchFamily="18" charset="0"/>
+                            </a:rPr>
+                          </m:ctrlPr>
+                        </m:sSupPr>
+                        <m:e>
+                          <m:r>
+                            <a:rPr lang="en-US" altLang="ko-KR" sz="2000" b="0" i="1" smtClean="0">
+                              <a:latin typeface="Cambria Math" panose="02040503050406030204" pitchFamily="18" charset="0"/>
+                            </a:rPr>
+                            <m:t>𝜔</m:t>
+                          </m:r>
+                        </m:e>
+                        <m:sup>
+                          <m:r>
+                            <a:rPr lang="en-US" altLang="ko-KR" sz="2000" b="0" i="1" smtClean="0">
+                              <a:latin typeface="Cambria Math" panose="02040503050406030204" pitchFamily="18" charset="0"/>
+                            </a:rPr>
+                            <m:t>𝛽</m:t>
+                          </m:r>
+                        </m:sup>
+                      </m:sSup>
+                    </m:oMath>
+                  </m:oMathPara>
+                </a14:m>
+                <a:endParaRPr lang="en-US" altLang="ko-KR" sz="2000" dirty="0" smtClean="0"/>
+              </a:p>
+              <a:p>
+                <a:endParaRPr lang="en-US" altLang="ko-KR" sz="2000" dirty="0" smtClean="0"/>
+              </a:p>
+              <a:p>
+                <a:r>
+                  <a:rPr lang="en-US" altLang="ko-KR" sz="2000" dirty="0"/>
+                  <a:t>g</a:t>
+                </a:r>
+                <a:r>
+                  <a:rPr lang="en-US" altLang="ko-KR" sz="2000" dirty="0" smtClean="0"/>
+                  <a:t>enerally </a:t>
+                </a:r>
+                <a14:m>
+                  <m:oMath xmlns:m="http://schemas.openxmlformats.org/officeDocument/2006/math">
+                    <m:r>
+                      <a:rPr lang="en-US" altLang="ko-KR" sz="2000" b="0" i="1" smtClean="0">
+                        <a:latin typeface="Cambria Math" panose="02040503050406030204" pitchFamily="18" charset="0"/>
+                      </a:rPr>
+                      <m:t>𝛽</m:t>
+                    </m:r>
+                    <m:r>
+                      <a:rPr lang="en-US" altLang="ko-KR" sz="2000" b="0" i="1" smtClean="0">
+                        <a:latin typeface="Cambria Math" panose="02040503050406030204" pitchFamily="18" charset="0"/>
+                        <a:ea typeface="Cambria Math" panose="02040503050406030204" pitchFamily="18" charset="0"/>
+                      </a:rPr>
+                      <m:t>~2</m:t>
+                    </m:r>
+                  </m:oMath>
+                </a14:m>
+                <a:r>
+                  <a:rPr lang="en-US" altLang="ko-KR" sz="2000" dirty="0" smtClean="0"/>
+                  <a:t>, and the material-dependent constant K is proportional to the density of charge fluctuations.</a:t>
+                </a:r>
+                <a:endParaRPr lang="en-US" altLang="ko-KR" sz="2000" dirty="0" smtClean="0"/>
+              </a:p>
+            </p:txBody>
+          </p:sp>
+        </mc:Choice>
+        <mc:Fallback>
+          <p:sp>
+            <p:nvSpPr>
+              <p:cNvPr id="10" name="TextBox 9"/>
+              <p:cNvSpPr txBox="1">
+                <a:spLocks noRot="1" noChangeAspect="1" noMove="1" noResize="1" noEditPoints="1" noAdjustHandles="1" noChangeArrowheads="1" noChangeShapeType="1" noTextEdit="1"/>
+              </p:cNvSpPr>
+              <p:nvPr/>
+            </p:nvSpPr>
+            <p:spPr>
+              <a:xfrm>
+                <a:off x="720969" y="1215632"/>
+                <a:ext cx="7794381" cy="3184590"/>
+              </a:xfrm>
+              <a:prstGeom prst="rect">
+                <a:avLst/>
+              </a:prstGeom>
+              <a:blipFill>
+                <a:blip r:embed="rId3"/>
+                <a:stretch>
+                  <a:fillRect l="-782" t="-956" r="-156" b="-2294"/>
+                </a:stretch>
+              </a:blipFill>
+            </p:spPr>
+            <p:txBody>
+              <a:bodyPr/>
+              <a:lstStyle/>
+              <a:p>
+                <a:r>
+                  <a:rPr lang="ko-KR" altLang="en-US">
+                    <a:noFill/>
+                  </a:rPr>
+                  <a:t> </a:t>
+                </a:r>
+              </a:p>
+            </p:txBody>
+          </p:sp>
+        </mc:Fallback>
+      </mc:AlternateContent>
     </p:spTree>
     <p:extLst>
       <p:ext uri="{BB962C8B-B14F-4D97-AF65-F5344CB8AC3E}">
@@ -15000,7 +18680,7 @@
           <a:p>
             <a:fld id="{53646E5C-8775-44A9-9523-40B6CCA06789}" type="datetime1">
               <a:rPr lang="ko-KR" altLang="en-US" smtClean="0"/>
-              <a:t>2018-04-27</a:t>
+              <a:t>2018-04-29</a:t>
             </a:fld>
             <a:endParaRPr lang="ko-KR" altLang="en-US"/>
           </a:p>
@@ -15301,7 +18981,7 @@
               <a:rPr lang="en-US" altLang="ko-KR" sz="2000" dirty="0" smtClean="0">
                 <a:sym typeface="Wingdings" panose="05000000000000000000" pitchFamily="2" charset="2"/>
               </a:rPr>
-              <a:t>~4</a:t>
+              <a:t>~ 4</a:t>
             </a:r>
             <a:endParaRPr lang="en-US" altLang="ko-KR" sz="2000" dirty="0">
               <a:sym typeface="Wingdings" panose="05000000000000000000" pitchFamily="2" charset="2"/>
@@ -15431,7 +19111,7 @@
           <a:p>
             <a:fld id="{53646E5C-8775-44A9-9523-40B6CCA06789}" type="datetime1">
               <a:rPr lang="ko-KR" altLang="en-US" smtClean="0"/>
-              <a:t>2018-04-27</a:t>
+              <a:t>2018-04-29</a:t>
             </a:fld>
             <a:endParaRPr lang="ko-KR" altLang="en-US"/>
           </a:p>
@@ -15518,7 +19198,7 @@
         <p:spPr>
           <a:xfrm>
             <a:off x="720969" y="1215632"/>
-            <a:ext cx="7794381" cy="400110"/>
+            <a:ext cx="7794381" cy="2862322"/>
           </a:xfrm>
           <a:prstGeom prst="rect">
             <a:avLst/>
@@ -15533,12 +19213,136 @@
           <a:p>
             <a:r>
               <a:rPr lang="en-US" altLang="ko-KR" sz="2000" dirty="0" smtClean="0"/>
-              <a:t>High</a:t>
+              <a:t>strong covalent </a:t>
+            </a:r>
+            <a:r>
+              <a:rPr lang="en-US" altLang="ko-KR" sz="2000" dirty="0" smtClean="0">
+                <a:sym typeface="Wingdings" panose="05000000000000000000" pitchFamily="2" charset="2"/>
+              </a:rPr>
+              <a:t> </a:t>
+            </a:r>
+            <a:r>
+              <a:rPr lang="en-US" altLang="ko-KR" sz="2000" dirty="0" smtClean="0"/>
+              <a:t>only </a:t>
+            </a:r>
+            <a:r>
+              <a:rPr lang="en-US" altLang="ko-KR" sz="2000" dirty="0"/>
+              <a:t>weakly polar, allowing it </a:t>
+            </a:r>
+            <a:r>
+              <a:rPr lang="en-US" altLang="ko-KR" sz="2000" dirty="0" smtClean="0"/>
+              <a:t>to have </a:t>
+            </a:r>
+            <a:r>
+              <a:rPr lang="en-US" altLang="ko-KR" sz="2000" dirty="0"/>
+              <a:t>good terahertz transparency in the lower part of the band</a:t>
+            </a:r>
+            <a:r>
+              <a:rPr lang="en-US" altLang="ko-KR" sz="2000" dirty="0" smtClean="0"/>
+              <a:t>.</a:t>
+            </a:r>
+          </a:p>
+          <a:p>
+            <a:pPr marL="342900" indent="-342900">
+              <a:buFontTx/>
+              <a:buChar char="-"/>
+            </a:pPr>
+            <a:r>
+              <a:rPr lang="en-US" altLang="ko-KR" sz="2000" dirty="0" smtClean="0">
+                <a:sym typeface="Wingdings" panose="05000000000000000000" pitchFamily="2" charset="2"/>
+              </a:rPr>
+              <a:t>Birefringent and anisotropic  z-cut</a:t>
+            </a:r>
+          </a:p>
+          <a:p>
+            <a:pPr marL="342900" indent="-342900">
+              <a:buFontTx/>
+              <a:buChar char="-"/>
+            </a:pPr>
+            <a:r>
+              <a:rPr lang="en-US" altLang="ko-KR" sz="2000" dirty="0">
+                <a:sym typeface="Wingdings" panose="05000000000000000000" pitchFamily="2" charset="2"/>
+              </a:rPr>
+              <a:t>Refractive index: </a:t>
+            </a:r>
+            <a:r>
+              <a:rPr lang="en-US" altLang="ko-KR" sz="2000" dirty="0" smtClean="0">
+                <a:sym typeface="Wingdings" panose="05000000000000000000" pitchFamily="2" charset="2"/>
+              </a:rPr>
+              <a:t>~ 2.12</a:t>
+            </a:r>
+          </a:p>
+          <a:p>
+            <a:pPr marL="342900" indent="-342900">
+              <a:buFontTx/>
+              <a:buChar char="-"/>
+            </a:pPr>
+            <a:r>
+              <a:rPr lang="en-US" altLang="ko-KR" sz="2000" dirty="0" smtClean="0">
+                <a:sym typeface="Wingdings" panose="05000000000000000000" pitchFamily="2" charset="2"/>
+              </a:rPr>
+              <a:t>Low absorption up to 3THz</a:t>
+            </a:r>
+          </a:p>
+          <a:p>
+            <a:pPr marL="342900" indent="-342900">
+              <a:buFontTx/>
+              <a:buChar char="-"/>
+            </a:pPr>
+            <a:r>
+              <a:rPr lang="en-US" altLang="ko-KR" sz="2000" dirty="0">
+                <a:sym typeface="Wingdings" panose="05000000000000000000" pitchFamily="2" charset="2"/>
+              </a:rPr>
+              <a:t>Phonon </a:t>
+            </a:r>
+            <a:r>
+              <a:rPr lang="en-US" altLang="ko-KR" sz="2000" dirty="0" smtClean="0">
+                <a:sym typeface="Wingdings" panose="05000000000000000000" pitchFamily="2" charset="2"/>
+              </a:rPr>
+              <a:t>resonance: 4 THz</a:t>
+            </a:r>
+            <a:endParaRPr lang="en-US" altLang="ko-KR" sz="2000" dirty="0">
+              <a:sym typeface="Wingdings" panose="05000000000000000000" pitchFamily="2" charset="2"/>
+            </a:endParaRPr>
+          </a:p>
+          <a:p>
+            <a:pPr marL="342900" indent="-342900">
+              <a:buFontTx/>
+              <a:buChar char="-"/>
+            </a:pPr>
+            <a:r>
+              <a:rPr lang="en-US" altLang="ko-KR" sz="2000" dirty="0" err="1" smtClean="0">
+                <a:sym typeface="Wingdings" panose="05000000000000000000" pitchFamily="2" charset="2"/>
+              </a:rPr>
+              <a:t>Reststrahlen</a:t>
+            </a:r>
+            <a:r>
+              <a:rPr lang="en-US" altLang="ko-KR" sz="2000" dirty="0" smtClean="0">
+                <a:sym typeface="Wingdings" panose="05000000000000000000" pitchFamily="2" charset="2"/>
+              </a:rPr>
+              <a:t> band edge: ~ 7THz</a:t>
+            </a:r>
+          </a:p>
+          <a:p>
+            <a:r>
+              <a:rPr lang="en-US" altLang="ko-KR" sz="2000" dirty="0" smtClean="0">
+                <a:sym typeface="Wingdings" panose="05000000000000000000" pitchFamily="2" charset="2"/>
+              </a:rPr>
+              <a:t> Unsuitable for terahertz optics</a:t>
             </a:r>
             <a:endParaRPr lang="en-US" altLang="ko-KR" sz="2000" dirty="0" smtClean="0">
               <a:sym typeface="Wingdings" panose="05000000000000000000" pitchFamily="2" charset="2"/>
             </a:endParaRPr>
           </a:p>
+          <a:p>
+            <a:pPr marL="342900" indent="-342900">
+              <a:buFontTx/>
+              <a:buChar char="-"/>
+            </a:pPr>
+            <a:endParaRPr lang="en-US" altLang="ko-KR" sz="2000" dirty="0" smtClean="0">
+              <a:sym typeface="Wingdings" panose="05000000000000000000" pitchFamily="2" charset="2"/>
+            </a:endParaRPr>
+          </a:p>
         </p:txBody>
       </p:sp>
       <p:sp>
@@ -15549,7 +19353,7 @@
         </p:nvSpPr>
         <p:spPr>
           <a:xfrm>
-            <a:off x="720969" y="3555012"/>
+            <a:off x="720969" y="3931874"/>
             <a:ext cx="4404946" cy="400110"/>
           </a:xfrm>
           <a:prstGeom prst="rect">
@@ -15614,8 +19418,8 @@
         </p:nvSpPr>
         <p:spPr>
           <a:xfrm>
-            <a:off x="720969" y="3924638"/>
-            <a:ext cx="7992208" cy="707886"/>
+            <a:off x="733161" y="4301500"/>
+            <a:ext cx="7992208" cy="1631216"/>
           </a:xfrm>
           <a:prstGeom prst="rect">
             <a:avLst/>
@@ -15630,15 +19434,101 @@
           <a:p>
             <a:r>
               <a:rPr lang="en-US" altLang="ko-KR" sz="2000" dirty="0" smtClean="0"/>
-              <a:t>Similar</a:t>
-            </a:r>
-            <a:endParaRPr lang="en-US" altLang="ko-KR" sz="2000" dirty="0"/>
-          </a:p>
-          <a:p>
+              <a:t>More polar than quartz and therefore has a lower terahertz transparency.</a:t>
+            </a:r>
+          </a:p>
+          <a:p>
+            <a:pPr marL="342900" indent="-342900">
+              <a:buFontTx/>
+              <a:buChar char="-"/>
+            </a:pPr>
+            <a:r>
+              <a:rPr lang="en-US" altLang="ko-KR" sz="2000" dirty="0" smtClean="0">
+                <a:sym typeface="Wingdings" panose="05000000000000000000" pitchFamily="2" charset="2"/>
+              </a:rPr>
+              <a:t>Birefringent </a:t>
+            </a:r>
+            <a:r>
+              <a:rPr lang="en-US" altLang="ko-KR" sz="2000" dirty="0">
+                <a:sym typeface="Wingdings" panose="05000000000000000000" pitchFamily="2" charset="2"/>
+              </a:rPr>
+              <a:t>and anisotropic  z-cut</a:t>
+            </a:r>
+          </a:p>
+          <a:p>
+            <a:pPr marL="342900" indent="-342900">
+              <a:buFontTx/>
+              <a:buChar char="-"/>
+            </a:pPr>
+            <a:r>
+              <a:rPr lang="en-US" altLang="ko-KR" sz="2000" dirty="0" smtClean="0">
+                <a:sym typeface="Wingdings" panose="05000000000000000000" pitchFamily="2" charset="2"/>
+              </a:rPr>
+              <a:t>Terahertz absorption increases rapidly  with frequency  cannot be used above 2THz</a:t>
+            </a:r>
+          </a:p>
+          <a:p>
+            <a:pPr marL="342900" indent="-342900">
+              <a:buFontTx/>
+              <a:buChar char="-"/>
+            </a:pPr>
+            <a:r>
+              <a:rPr lang="en-US" altLang="ko-KR" sz="2000" dirty="0">
+                <a:sym typeface="Wingdings" panose="05000000000000000000" pitchFamily="2" charset="2"/>
+              </a:rPr>
+              <a:t>Refractive index: ~ </a:t>
+            </a:r>
+            <a:r>
+              <a:rPr lang="en-US" altLang="ko-KR" sz="2000" dirty="0" smtClean="0">
+                <a:sym typeface="Wingdings" panose="05000000000000000000" pitchFamily="2" charset="2"/>
+              </a:rPr>
+              <a:t>3.1</a:t>
+            </a:r>
             <a:endParaRPr lang="en-US" altLang="ko-KR" sz="2000" dirty="0" smtClean="0"/>
           </a:p>
         </p:txBody>
       </p:sp>
+      <p:pic>
+        <p:nvPicPr>
+          <p:cNvPr id="1026" name="Picture 2" descr="sio2 latticeì ëí ì´ë¯¸ì§ ê²ìê²°ê³¼"/>
+          <p:cNvPicPr>
+            <a:picLocks noChangeAspect="1" noChangeArrowheads="1"/>
+          </p:cNvPicPr>
+          <p:nvPr/>
+        </p:nvPicPr>
+        <p:blipFill>
+          <a:blip r:embed="rId3">
+            <a:extLst>
+              <a:ext uri="{28A0092B-C50C-407E-A947-70E740481C1C}">
+                <a14:useLocalDpi xmlns:a14="http://schemas.microsoft.com/office/drawing/2010/main" val="0"/>
+              </a:ext>
+            </a:extLst>
+          </a:blip>
+          <a:srcRect/>
+          <a:stretch>
+            <a:fillRect/>
+          </a:stretch>
+        </p:blipFill>
+        <p:spPr bwMode="auto">
+          <a:xfrm>
+            <a:off x="5965698" y="1811120"/>
+            <a:ext cx="2346588" cy="1816898"/>
+          </a:xfrm>
+          <a:prstGeom prst="rect">
+            <a:avLst/>
+          </a:prstGeom>
+          <a:noFill/>
+          <a:extLst>
+            <a:ext uri="{909E8E84-426E-40DD-AFC4-6F175D3DCCD1}">
+              <a14:hiddenFill xmlns:a14="http://schemas.microsoft.com/office/drawing/2010/main">
+                <a:solidFill>
+                  <a:srgbClr val="FFFFFF"/>
+                </a:solidFill>
+              </a14:hiddenFill>
+            </a:ext>
+          </a:extLst>
+        </p:spPr>
+      </p:pic>
     </p:spTree>
     <p:extLst>
       <p:ext uri="{BB962C8B-B14F-4D97-AF65-F5344CB8AC3E}">
